--- a/2015180018_배지수_BROFORCE_최종발표.pptx
+++ b/2015180018_배지수_BROFORCE_최종발표.pptx
@@ -13,9 +13,9 @@
     <p:sldId id="266" r:id="rId5"/>
     <p:sldId id="261" r:id="rId6"/>
     <p:sldId id="260" r:id="rId7"/>
-    <p:sldId id="262" r:id="rId8"/>
-    <p:sldId id="269" r:id="rId9"/>
-    <p:sldId id="268" r:id="rId10"/>
+    <p:sldId id="270" r:id="rId8"/>
+    <p:sldId id="271" r:id="rId9"/>
+    <p:sldId id="272" r:id="rId10"/>
     <p:sldId id="263" r:id="rId11"/>
   </p:sldIdLst>
   <p:sldSz cx="9144000" cy="6858000" type="screen4x3"/>
@@ -227,7 +227,7 @@
           <a:p>
             <a:fld id="{BA2B0825-3462-4DCF-B75D-D918B0505098}" type="datetimeFigureOut">
               <a:rPr lang="ko-KR" altLang="en-US" smtClean="0"/>
-              <a:t>2018-11-30</a:t>
+              <a:t>2018-12-03</a:t>
             </a:fld>
             <a:endParaRPr lang="ko-KR" altLang="en-US"/>
           </a:p>
@@ -757,7 +757,7 @@
           <a:p>
             <a:fld id="{1456B580-5ED3-4800-967E-FCB406CD89B6}" type="datetimeFigureOut">
               <a:rPr lang="ko-KR" altLang="en-US" smtClean="0"/>
-              <a:t>2018-11-30</a:t>
+              <a:t>2018-12-03</a:t>
             </a:fld>
             <a:endParaRPr lang="ko-KR" altLang="en-US"/>
           </a:p>
@@ -925,7 +925,7 @@
           <a:p>
             <a:fld id="{1456B580-5ED3-4800-967E-FCB406CD89B6}" type="datetimeFigureOut">
               <a:rPr lang="ko-KR" altLang="en-US" smtClean="0"/>
-              <a:t>2018-11-30</a:t>
+              <a:t>2018-12-03</a:t>
             </a:fld>
             <a:endParaRPr lang="ko-KR" altLang="en-US"/>
           </a:p>
@@ -1103,7 +1103,7 @@
           <a:p>
             <a:fld id="{1456B580-5ED3-4800-967E-FCB406CD89B6}" type="datetimeFigureOut">
               <a:rPr lang="ko-KR" altLang="en-US" smtClean="0"/>
-              <a:t>2018-11-30</a:t>
+              <a:t>2018-12-03</a:t>
             </a:fld>
             <a:endParaRPr lang="ko-KR" altLang="en-US"/>
           </a:p>
@@ -1271,7 +1271,7 @@
           <a:p>
             <a:fld id="{1456B580-5ED3-4800-967E-FCB406CD89B6}" type="datetimeFigureOut">
               <a:rPr lang="ko-KR" altLang="en-US" smtClean="0"/>
-              <a:t>2018-11-30</a:t>
+              <a:t>2018-12-03</a:t>
             </a:fld>
             <a:endParaRPr lang="ko-KR" altLang="en-US"/>
           </a:p>
@@ -1516,7 +1516,7 @@
           <a:p>
             <a:fld id="{1456B580-5ED3-4800-967E-FCB406CD89B6}" type="datetimeFigureOut">
               <a:rPr lang="ko-KR" altLang="en-US" smtClean="0"/>
-              <a:t>2018-11-30</a:t>
+              <a:t>2018-12-03</a:t>
             </a:fld>
             <a:endParaRPr lang="ko-KR" altLang="en-US"/>
           </a:p>
@@ -1801,7 +1801,7 @@
           <a:p>
             <a:fld id="{1456B580-5ED3-4800-967E-FCB406CD89B6}" type="datetimeFigureOut">
               <a:rPr lang="ko-KR" altLang="en-US" smtClean="0"/>
-              <a:t>2018-11-30</a:t>
+              <a:t>2018-12-03</a:t>
             </a:fld>
             <a:endParaRPr lang="ko-KR" altLang="en-US"/>
           </a:p>
@@ -2220,7 +2220,7 @@
           <a:p>
             <a:fld id="{1456B580-5ED3-4800-967E-FCB406CD89B6}" type="datetimeFigureOut">
               <a:rPr lang="ko-KR" altLang="en-US" smtClean="0"/>
-              <a:t>2018-11-30</a:t>
+              <a:t>2018-12-03</a:t>
             </a:fld>
             <a:endParaRPr lang="ko-KR" altLang="en-US"/>
           </a:p>
@@ -2337,7 +2337,7 @@
           <a:p>
             <a:fld id="{1456B580-5ED3-4800-967E-FCB406CD89B6}" type="datetimeFigureOut">
               <a:rPr lang="ko-KR" altLang="en-US" smtClean="0"/>
-              <a:t>2018-11-30</a:t>
+              <a:t>2018-12-03</a:t>
             </a:fld>
             <a:endParaRPr lang="ko-KR" altLang="en-US"/>
           </a:p>
@@ -2432,7 +2432,7 @@
           <a:p>
             <a:fld id="{1456B580-5ED3-4800-967E-FCB406CD89B6}" type="datetimeFigureOut">
               <a:rPr lang="ko-KR" altLang="en-US" smtClean="0"/>
-              <a:t>2018-11-30</a:t>
+              <a:t>2018-12-03</a:t>
             </a:fld>
             <a:endParaRPr lang="ko-KR" altLang="en-US"/>
           </a:p>
@@ -2743,7 +2743,7 @@
           <a:p>
             <a:fld id="{1456B580-5ED3-4800-967E-FCB406CD89B6}" type="datetimeFigureOut">
               <a:rPr lang="ko-KR" altLang="en-US" smtClean="0"/>
-              <a:t>2018-11-30</a:t>
+              <a:t>2018-12-03</a:t>
             </a:fld>
             <a:endParaRPr lang="ko-KR" altLang="en-US"/>
           </a:p>
@@ -2995,7 +2995,7 @@
           <a:p>
             <a:fld id="{1456B580-5ED3-4800-967E-FCB406CD89B6}" type="datetimeFigureOut">
               <a:rPr lang="ko-KR" altLang="en-US" smtClean="0"/>
-              <a:t>2018-11-30</a:t>
+              <a:t>2018-12-03</a:t>
             </a:fld>
             <a:endParaRPr lang="ko-KR" altLang="en-US"/>
           </a:p>
@@ -3206,7 +3206,7 @@
           <a:p>
             <a:fld id="{1456B580-5ED3-4800-967E-FCB406CD89B6}" type="datetimeFigureOut">
               <a:rPr lang="ko-KR" altLang="en-US" smtClean="0"/>
-              <a:t>2018-11-30</a:t>
+              <a:t>2018-12-03</a:t>
             </a:fld>
             <a:endParaRPr lang="ko-KR" altLang="en-US"/>
           </a:p>
@@ -3769,7 +3769,7 @@
         <p:spPr>
           <a:xfrm>
             <a:off x="762174" y="1905216"/>
-            <a:ext cx="3121367" cy="3075842"/>
+            <a:ext cx="3121367" cy="3837589"/>
           </a:xfrm>
           <a:prstGeom prst="rect">
             <a:avLst/>
@@ -3928,6 +3928,40 @@
                 <a:ea typeface="타이포_쌍문동 B" panose="02020803020101020101" pitchFamily="18" charset="-127"/>
               </a:rPr>
               <a:t>후기</a:t>
+            </a:r>
+            <a:endParaRPr lang="en-US" altLang="ko-KR" sz="3300" dirty="0">
+              <a:solidFill>
+                <a:srgbClr val="00B0F0"/>
+              </a:solidFill>
+              <a:latin typeface="타이포_쌍문동 B" panose="02020803020101020101" pitchFamily="18" charset="-127"/>
+              <a:ea typeface="타이포_쌍문동 B" panose="02020803020101020101" pitchFamily="18" charset="-127"/>
+            </a:endParaRPr>
+          </a:p>
+          <a:p>
+            <a:pPr>
+              <a:lnSpc>
+                <a:spcPct val="150000"/>
+              </a:lnSpc>
+            </a:pPr>
+            <a:r>
+              <a:rPr lang="en-US" altLang="ko-KR" sz="3300" dirty="0">
+                <a:solidFill>
+                  <a:srgbClr val="00B0F0"/>
+                </a:solidFill>
+                <a:latin typeface="타이포_쌍문동 B" panose="02020803020101020101" pitchFamily="18" charset="-127"/>
+                <a:ea typeface="타이포_쌍문동 B" panose="02020803020101020101" pitchFamily="18" charset="-127"/>
+              </a:rPr>
+              <a:t>5. </a:t>
+            </a:r>
+            <a:r>
+              <a:rPr lang="ko-KR" altLang="en-US" sz="3300" dirty="0">
+                <a:solidFill>
+                  <a:srgbClr val="00B0F0"/>
+                </a:solidFill>
+                <a:latin typeface="타이포_쌍문동 B" panose="02020803020101020101" pitchFamily="18" charset="-127"/>
+                <a:ea typeface="타이포_쌍문동 B" panose="02020803020101020101" pitchFamily="18" charset="-127"/>
+              </a:rPr>
+              <a:t>플레이 영상</a:t>
             </a:r>
           </a:p>
         </p:txBody>
@@ -6091,14 +6125,14 @@
           <p:nvPr>
             <p:extLst>
               <p:ext uri="{D42A27DB-BD31-4B8C-83A1-F6EECF244321}">
-                <p14:modId xmlns:p14="http://schemas.microsoft.com/office/powerpoint/2010/main" val="709547150"/>
+                <p14:modId xmlns:p14="http://schemas.microsoft.com/office/powerpoint/2010/main" val="1489895348"/>
               </p:ext>
             </p:extLst>
           </p:nvPr>
         </p:nvGraphicFramePr>
         <p:xfrm>
           <a:off x="258137" y="1394470"/>
-          <a:ext cx="8627725" cy="4966122"/>
+          <a:ext cx="8705176" cy="4966122"/>
         </p:xfrm>
         <a:graphic>
           <a:graphicData uri="http://schemas.openxmlformats.org/drawingml/2006/table">
@@ -6114,17 +6148,24 @@
                     </a:ext>
                   </a:extLst>
                 </a:gridCol>
-                <a:gridCol w="3816561">
+                <a:gridCol w="3024451">
                   <a:extLst>
                     <a:ext uri="{9D8B030D-6E8A-4147-A177-3AD203B41FA5}">
                       <a16:colId xmlns:a16="http://schemas.microsoft.com/office/drawing/2014/main" val="953032518"/>
                     </a:ext>
                   </a:extLst>
                 </a:gridCol>
-                <a:gridCol w="3737782">
+                <a:gridCol w="3096430">
                   <a:extLst>
                     <a:ext uri="{9D8B030D-6E8A-4147-A177-3AD203B41FA5}">
                       <a16:colId xmlns:a16="http://schemas.microsoft.com/office/drawing/2014/main" val="1102710874"/>
+                    </a:ext>
+                  </a:extLst>
+                </a:gridCol>
+                <a:gridCol w="1510913">
+                  <a:extLst>
+                    <a:ext uri="{9D8B030D-6E8A-4147-A177-3AD203B41FA5}">
+                      <a16:colId xmlns:a16="http://schemas.microsoft.com/office/drawing/2014/main" val="3615353591"/>
                     </a:ext>
                   </a:extLst>
                 </a:gridCol>
@@ -6154,11 +6195,18 @@
                     <a:p>
                       <a:pPr algn="ctr" latinLnBrk="1"/>
                       <a:r>
+                        <a:rPr lang="en-US" altLang="ko-KR" sz="2400" baseline="0" dirty="0">
+                          <a:latin typeface="타이포_쌍문동 B" panose="02020803020101020101" pitchFamily="18" charset="-127"/>
+                          <a:ea typeface="타이포_쌍문동 B" panose="02020803020101020101" pitchFamily="18" charset="-127"/>
+                        </a:rPr>
+                        <a:t>1</a:t>
+                      </a:r>
+                      <a:r>
                         <a:rPr lang="ko-KR" altLang="en-US" sz="2400" baseline="0" dirty="0">
                           <a:latin typeface="타이포_쌍문동 B" panose="02020803020101020101" pitchFamily="18" charset="-127"/>
                           <a:ea typeface="타이포_쌍문동 B" panose="02020803020101020101" pitchFamily="18" charset="-127"/>
                         </a:rPr>
-                        <a:t>최소 범위</a:t>
+                        <a:t>차 발표 목표 범위</a:t>
                       </a:r>
                     </a:p>
                   </a:txBody>
@@ -6175,7 +6223,24 @@
                           <a:latin typeface="타이포_쌍문동 B" panose="02020803020101020101" pitchFamily="18" charset="-127"/>
                           <a:ea typeface="타이포_쌍문동 B" panose="02020803020101020101" pitchFamily="18" charset="-127"/>
                         </a:rPr>
-                        <a:t>추가 범위</a:t>
+                        <a:t>실제 개발 완료 범위</a:t>
+                      </a:r>
+                    </a:p>
+                  </a:txBody>
+                  <a:tcPr anchor="ctr"/>
+                </a:tc>
+                <a:tc>
+                  <a:txBody>
+                    <a:bodyPr/>
+                    <a:lstStyle/>
+                    <a:p>
+                      <a:pPr algn="ctr" latinLnBrk="1"/>
+                      <a:r>
+                        <a:rPr lang="ko-KR" altLang="en-US" sz="2400" baseline="0" dirty="0">
+                          <a:latin typeface="타이포_쌍문동 B" panose="02020803020101020101" pitchFamily="18" charset="-127"/>
+                          <a:ea typeface="타이포_쌍문동 B" panose="02020803020101020101" pitchFamily="18" charset="-127"/>
+                        </a:rPr>
+                        <a:t>진척도</a:t>
                       </a:r>
                     </a:p>
                   </a:txBody>
@@ -6205,53 +6270,22 @@
                   </a:txBody>
                   <a:tcPr anchor="ctr"/>
                 </a:tc>
-                <a:tc gridSpan="2">
-                  <a:txBody>
-                    <a:bodyPr/>
-                    <a:lstStyle/>
-                    <a:p>
-                      <a:pPr algn="ctr" latinLnBrk="1"/>
-                      <a:r>
-                        <a:rPr lang="ko-KR" altLang="en-US" sz="1200" dirty="0">
-                          <a:latin typeface="타이포_쌍문동 B" panose="02020803020101020101" pitchFamily="18" charset="-127"/>
-                          <a:ea typeface="타이포_쌍문동 B" panose="02020803020101020101" pitchFamily="18" charset="-127"/>
-                        </a:rPr>
-                        <a:t>키보드 단축키로 플레이어 이동</a:t>
-                      </a:r>
-                    </a:p>
-                  </a:txBody>
-                  <a:tcPr anchor="ctr"/>
-                </a:tc>
-                <a:tc hMerge="1">
-                  <a:txBody>
-                    <a:bodyPr/>
-                    <a:lstStyle/>
-                    <a:p>
-                      <a:pPr latinLnBrk="1"/>
-                      <a:endParaRPr lang="ko-KR" altLang="en-US"/>
-                    </a:p>
-                  </a:txBody>
-                  <a:tcPr/>
-                </a:tc>
-                <a:extLst>
-                  <a:ext uri="{0D108BD9-81ED-4DB2-BD59-A6C34878D82A}">
-                    <a16:rowId xmlns:a16="http://schemas.microsoft.com/office/drawing/2014/main" val="128625769"/>
-                  </a:ext>
-                </a:extLst>
-              </a:tr>
-              <a:tr h="690527">
                 <a:tc>
                   <a:txBody>
                     <a:bodyPr/>
                     <a:lstStyle/>
                     <a:p>
-                      <a:pPr algn="ctr" latinLnBrk="1"/>
-                      <a:r>
-                        <a:rPr lang="ko-KR" altLang="en-US" sz="1200" b="1" dirty="0">
-                          <a:latin typeface="타이포_쌍문동 B" panose="02020803020101020101" pitchFamily="18" charset="-127"/>
-                          <a:ea typeface="타이포_쌍문동 B" panose="02020803020101020101" pitchFamily="18" charset="-127"/>
-                        </a:rPr>
-                        <a:t>게임 기능</a:t>
+                      <a:pPr algn="ctr" latinLnBrk="1">
+                        <a:lnSpc>
+                          <a:spcPct val="100000"/>
+                        </a:lnSpc>
+                      </a:pPr>
+                      <a:r>
+                        <a:rPr lang="ko-KR" altLang="en-US" sz="1200" dirty="0">
+                          <a:latin typeface="타이포_쌍문동 B" panose="02020803020101020101" pitchFamily="18" charset="-127"/>
+                          <a:ea typeface="타이포_쌍문동 B" panose="02020803020101020101" pitchFamily="18" charset="-127"/>
+                        </a:rPr>
+                        <a:t>키보드 단축키로 플레이어 이동</a:t>
                       </a:r>
                     </a:p>
                   </a:txBody>
@@ -6284,63 +6318,49 @@
                           <a:latin typeface="타이포_쌍문동 B" panose="02020803020101020101" pitchFamily="18" charset="-127"/>
                           <a:ea typeface="타이포_쌍문동 B" panose="02020803020101020101" pitchFamily="18" charset="-127"/>
                         </a:rPr>
-                        <a:t>총</a:t>
-                      </a:r>
+                        <a:t>키보드 단축키로 플레이어 이동</a:t>
+                      </a:r>
+                    </a:p>
+                  </a:txBody>
+                  <a:tcPr anchor="ctr"/>
+                </a:tc>
+                <a:tc>
+                  <a:txBody>
+                    <a:bodyPr/>
+                    <a:lstStyle/>
+                    <a:p>
+                      <a:pPr algn="ctr" latinLnBrk="1"/>
                       <a:r>
                         <a:rPr lang="en-US" altLang="ko-KR" sz="1200" dirty="0">
                           <a:latin typeface="타이포_쌍문동 B" panose="02020803020101020101" pitchFamily="18" charset="-127"/>
                           <a:ea typeface="타이포_쌍문동 B" panose="02020803020101020101" pitchFamily="18" charset="-127"/>
                         </a:rPr>
-                        <a:t>, </a:t>
-                      </a:r>
-                      <a:r>
-                        <a:rPr lang="ko-KR" altLang="en-US" sz="1200" dirty="0">
-                          <a:latin typeface="타이포_쌍문동 B" panose="02020803020101020101" pitchFamily="18" charset="-127"/>
-                          <a:ea typeface="타이포_쌍문동 B" panose="02020803020101020101" pitchFamily="18" charset="-127"/>
-                        </a:rPr>
-                        <a:t>수류탄 공격</a:t>
-                      </a:r>
-                      <a:r>
-                        <a:rPr lang="en-US" altLang="ko-KR" sz="1200" dirty="0">
-                          <a:latin typeface="타이포_쌍문동 B" panose="02020803020101020101" pitchFamily="18" charset="-127"/>
-                          <a:ea typeface="타이포_쌍문동 B" panose="02020803020101020101" pitchFamily="18" charset="-127"/>
-                        </a:rPr>
-                        <a:t>, </a:t>
-                      </a:r>
-                      <a:r>
-                        <a:rPr lang="ko-KR" altLang="en-US" sz="1200" dirty="0">
-                          <a:latin typeface="타이포_쌍문동 B" panose="02020803020101020101" pitchFamily="18" charset="-127"/>
-                          <a:ea typeface="타이포_쌍문동 B" panose="02020803020101020101" pitchFamily="18" charset="-127"/>
-                        </a:rPr>
-                        <a:t>사다리 타기</a:t>
-                      </a:r>
-                      <a:r>
-                        <a:rPr lang="en-US" altLang="ko-KR" sz="1200" dirty="0">
-                          <a:latin typeface="타이포_쌍문동 B" panose="02020803020101020101" pitchFamily="18" charset="-127"/>
-                          <a:ea typeface="타이포_쌍문동 B" panose="02020803020101020101" pitchFamily="18" charset="-127"/>
-                        </a:rPr>
-                        <a:t>, </a:t>
-                      </a:r>
-                      <a:r>
-                        <a:rPr lang="ko-KR" altLang="en-US" sz="1200" dirty="0">
-                          <a:latin typeface="타이포_쌍문동 B" panose="02020803020101020101" pitchFamily="18" charset="-127"/>
-                          <a:ea typeface="타이포_쌍문동 B" panose="02020803020101020101" pitchFamily="18" charset="-127"/>
-                        </a:rPr>
-                        <a:t>벽 타기</a:t>
-                      </a:r>
-                      <a:r>
-                        <a:rPr lang="en-US" altLang="ko-KR" sz="1200" dirty="0">
-                          <a:latin typeface="타이포_쌍문동 B" panose="02020803020101020101" pitchFamily="18" charset="-127"/>
-                          <a:ea typeface="타이포_쌍문동 B" panose="02020803020101020101" pitchFamily="18" charset="-127"/>
-                        </a:rPr>
-                        <a:t>, </a:t>
-                      </a:r>
-                      <a:r>
-                        <a:rPr lang="ko-KR" altLang="en-US" sz="1200" dirty="0">
-                          <a:latin typeface="타이포_쌍문동 B" panose="02020803020101020101" pitchFamily="18" charset="-127"/>
-                          <a:ea typeface="타이포_쌍문동 B" panose="02020803020101020101" pitchFamily="18" charset="-127"/>
-                        </a:rPr>
-                        <a:t>체크 포인트</a:t>
+                        <a:t>100%</a:t>
+                      </a:r>
+                      <a:endParaRPr lang="ko-KR" altLang="en-US" sz="1200" dirty="0"/>
+                    </a:p>
+                  </a:txBody>
+                  <a:tcPr anchor="ctr"/>
+                </a:tc>
+                <a:extLst>
+                  <a:ext uri="{0D108BD9-81ED-4DB2-BD59-A6C34878D82A}">
+                    <a16:rowId xmlns:a16="http://schemas.microsoft.com/office/drawing/2014/main" val="128625769"/>
+                  </a:ext>
+                </a:extLst>
+              </a:tr>
+              <a:tr h="690527">
+                <a:tc>
+                  <a:txBody>
+                    <a:bodyPr/>
+                    <a:lstStyle/>
+                    <a:p>
+                      <a:pPr algn="ctr" latinLnBrk="1"/>
+                      <a:r>
+                        <a:rPr lang="ko-KR" altLang="en-US" sz="1200" b="1" dirty="0">
+                          <a:latin typeface="타이포_쌍문동 B" panose="02020803020101020101" pitchFamily="18" charset="-127"/>
+                          <a:ea typeface="타이포_쌍문동 B" panose="02020803020101020101" pitchFamily="18" charset="-127"/>
+                        </a:rPr>
+                        <a:t>게임 기능</a:t>
                       </a:r>
                     </a:p>
                   </a:txBody>
@@ -6373,6 +6393,92 @@
                           <a:latin typeface="타이포_쌍문동 B" panose="02020803020101020101" pitchFamily="18" charset="-127"/>
                           <a:ea typeface="타이포_쌍문동 B" panose="02020803020101020101" pitchFamily="18" charset="-127"/>
                         </a:rPr>
+                        <a:t>총</a:t>
+                      </a:r>
+                      <a:r>
+                        <a:rPr lang="en-US" altLang="ko-KR" sz="1200" dirty="0">
+                          <a:latin typeface="타이포_쌍문동 B" panose="02020803020101020101" pitchFamily="18" charset="-127"/>
+                          <a:ea typeface="타이포_쌍문동 B" panose="02020803020101020101" pitchFamily="18" charset="-127"/>
+                        </a:rPr>
+                        <a:t>, </a:t>
+                      </a:r>
+                      <a:r>
+                        <a:rPr lang="ko-KR" altLang="en-US" sz="1200" dirty="0">
+                          <a:latin typeface="타이포_쌍문동 B" panose="02020803020101020101" pitchFamily="18" charset="-127"/>
+                          <a:ea typeface="타이포_쌍문동 B" panose="02020803020101020101" pitchFamily="18" charset="-127"/>
+                        </a:rPr>
+                        <a:t>수류탄 공격</a:t>
+                      </a:r>
+                      <a:r>
+                        <a:rPr lang="en-US" altLang="ko-KR" sz="1200" dirty="0">
+                          <a:latin typeface="타이포_쌍문동 B" panose="02020803020101020101" pitchFamily="18" charset="-127"/>
+                          <a:ea typeface="타이포_쌍문동 B" panose="02020803020101020101" pitchFamily="18" charset="-127"/>
+                        </a:rPr>
+                        <a:t>, </a:t>
+                      </a:r>
+                      <a:r>
+                        <a:rPr lang="ko-KR" altLang="en-US" sz="1200" dirty="0">
+                          <a:latin typeface="타이포_쌍문동 B" panose="02020803020101020101" pitchFamily="18" charset="-127"/>
+                          <a:ea typeface="타이포_쌍문동 B" panose="02020803020101020101" pitchFamily="18" charset="-127"/>
+                        </a:rPr>
+                        <a:t>사다리 타기</a:t>
+                      </a:r>
+                      <a:r>
+                        <a:rPr lang="en-US" altLang="ko-KR" sz="1200" dirty="0">
+                          <a:latin typeface="타이포_쌍문동 B" panose="02020803020101020101" pitchFamily="18" charset="-127"/>
+                          <a:ea typeface="타이포_쌍문동 B" panose="02020803020101020101" pitchFamily="18" charset="-127"/>
+                        </a:rPr>
+                        <a:t>, </a:t>
+                      </a:r>
+                      <a:r>
+                        <a:rPr lang="ko-KR" altLang="en-US" sz="1200" dirty="0">
+                          <a:latin typeface="타이포_쌍문동 B" panose="02020803020101020101" pitchFamily="18" charset="-127"/>
+                          <a:ea typeface="타이포_쌍문동 B" panose="02020803020101020101" pitchFamily="18" charset="-127"/>
+                        </a:rPr>
+                        <a:t>벽 타기</a:t>
+                      </a:r>
+                      <a:endParaRPr lang="en-US" altLang="ko-KR" sz="1200" dirty="0">
+                        <a:latin typeface="타이포_쌍문동 B" panose="02020803020101020101" pitchFamily="18" charset="-127"/>
+                        <a:ea typeface="타이포_쌍문동 B" panose="02020803020101020101" pitchFamily="18" charset="-127"/>
+                      </a:endParaRPr>
+                    </a:p>
+                    <a:p>
+                      <a:pPr marL="0" marR="0" lvl="0" indent="0" algn="ctr" defTabSz="914400" rtl="0" eaLnBrk="1" fontAlgn="auto" latinLnBrk="1" hangingPunct="1">
+                        <a:lnSpc>
+                          <a:spcPct val="100000"/>
+                        </a:lnSpc>
+                        <a:spcBef>
+                          <a:spcPts val="0"/>
+                        </a:spcBef>
+                        <a:spcAft>
+                          <a:spcPts val="0"/>
+                        </a:spcAft>
+                        <a:buClrTx/>
+                        <a:buSzTx/>
+                        <a:buFontTx/>
+                        <a:buNone/>
+                        <a:tabLst/>
+                        <a:defRPr/>
+                      </a:pPr>
+                      <a:r>
+                        <a:rPr lang="ko-KR" altLang="en-US" sz="1200" dirty="0">
+                          <a:latin typeface="타이포_쌍문동 B" panose="02020803020101020101" pitchFamily="18" charset="-127"/>
+                          <a:ea typeface="타이포_쌍문동 B" panose="02020803020101020101" pitchFamily="18" charset="-127"/>
+                        </a:rPr>
+                        <a:t>체크 포인트</a:t>
+                      </a:r>
+                      <a:r>
+                        <a:rPr lang="en-US" altLang="ko-KR" sz="1200" dirty="0">
+                          <a:latin typeface="타이포_쌍문동 B" panose="02020803020101020101" pitchFamily="18" charset="-127"/>
+                          <a:ea typeface="타이포_쌍문동 B" panose="02020803020101020101" pitchFamily="18" charset="-127"/>
+                        </a:rPr>
+                        <a:t>, </a:t>
+                      </a:r>
+                      <a:r>
+                        <a:rPr lang="ko-KR" altLang="en-US" sz="1200" dirty="0">
+                          <a:latin typeface="타이포_쌍문동 B" panose="02020803020101020101" pitchFamily="18" charset="-127"/>
+                          <a:ea typeface="타이포_쌍문동 B" panose="02020803020101020101" pitchFamily="18" charset="-127"/>
+                        </a:rPr>
                         <a:t>시간 체크</a:t>
                       </a:r>
                       <a:r>
@@ -6423,6 +6529,104 @@
                           <a:ea typeface="타이포_쌍문동 B" panose="02020803020101020101" pitchFamily="18" charset="-127"/>
                         </a:rPr>
                         <a:t>쉐이킹</a:t>
+                      </a:r>
+                      <a:endParaRPr lang="ko-KR" altLang="en-US" sz="1200" dirty="0">
+                        <a:latin typeface="타이포_쌍문동 B" panose="02020803020101020101" pitchFamily="18" charset="-127"/>
+                        <a:ea typeface="타이포_쌍문동 B" panose="02020803020101020101" pitchFamily="18" charset="-127"/>
+                      </a:endParaRPr>
+                    </a:p>
+                  </a:txBody>
+                  <a:tcPr anchor="ctr"/>
+                </a:tc>
+                <a:tc>
+                  <a:txBody>
+                    <a:bodyPr/>
+                    <a:lstStyle/>
+                    <a:p>
+                      <a:pPr marL="0" marR="0" lvl="0" indent="0" algn="ctr" defTabSz="914400" rtl="0" eaLnBrk="1" fontAlgn="auto" latinLnBrk="1" hangingPunct="1">
+                        <a:lnSpc>
+                          <a:spcPct val="100000"/>
+                        </a:lnSpc>
+                        <a:spcBef>
+                          <a:spcPts val="0"/>
+                        </a:spcBef>
+                        <a:spcAft>
+                          <a:spcPts val="0"/>
+                        </a:spcAft>
+                        <a:buClrTx/>
+                        <a:buSzTx/>
+                        <a:buFontTx/>
+                        <a:buNone/>
+                        <a:tabLst/>
+                        <a:defRPr/>
+                      </a:pPr>
+                      <a:r>
+                        <a:rPr lang="ko-KR" altLang="en-US" sz="1200" dirty="0">
+                          <a:latin typeface="타이포_쌍문동 B" panose="02020803020101020101" pitchFamily="18" charset="-127"/>
+                          <a:ea typeface="타이포_쌍문동 B" panose="02020803020101020101" pitchFamily="18" charset="-127"/>
+                        </a:rPr>
+                        <a:t>총</a:t>
+                      </a:r>
+                      <a:r>
+                        <a:rPr lang="en-US" altLang="ko-KR" sz="1200" dirty="0">
+                          <a:latin typeface="타이포_쌍문동 B" panose="02020803020101020101" pitchFamily="18" charset="-127"/>
+                          <a:ea typeface="타이포_쌍문동 B" panose="02020803020101020101" pitchFamily="18" charset="-127"/>
+                        </a:rPr>
+                        <a:t>, </a:t>
+                      </a:r>
+                      <a:r>
+                        <a:rPr lang="ko-KR" altLang="en-US" sz="1200" dirty="0">
+                          <a:latin typeface="타이포_쌍문동 B" panose="02020803020101020101" pitchFamily="18" charset="-127"/>
+                          <a:ea typeface="타이포_쌍문동 B" panose="02020803020101020101" pitchFamily="18" charset="-127"/>
+                        </a:rPr>
+                        <a:t>사다리</a:t>
+                      </a:r>
+                      <a:r>
+                        <a:rPr lang="en-US" altLang="ko-KR" sz="1200" dirty="0">
+                          <a:latin typeface="타이포_쌍문동 B" panose="02020803020101020101" pitchFamily="18" charset="-127"/>
+                          <a:ea typeface="타이포_쌍문동 B" panose="02020803020101020101" pitchFamily="18" charset="-127"/>
+                        </a:rPr>
+                        <a:t>, </a:t>
+                      </a:r>
+                      <a:r>
+                        <a:rPr lang="ko-KR" altLang="en-US" sz="1200" dirty="0">
+                          <a:latin typeface="타이포_쌍문동 B" panose="02020803020101020101" pitchFamily="18" charset="-127"/>
+                          <a:ea typeface="타이포_쌍문동 B" panose="02020803020101020101" pitchFamily="18" charset="-127"/>
+                        </a:rPr>
+                        <a:t>시간 체크</a:t>
+                      </a:r>
+                    </a:p>
+                  </a:txBody>
+                  <a:tcPr anchor="ctr"/>
+                </a:tc>
+                <a:tc>
+                  <a:txBody>
+                    <a:bodyPr/>
+                    <a:lstStyle/>
+                    <a:p>
+                      <a:pPr marL="0" marR="0" lvl="0" indent="0" algn="ctr" defTabSz="914400" rtl="0" eaLnBrk="1" fontAlgn="auto" latinLnBrk="1" hangingPunct="1">
+                        <a:lnSpc>
+                          <a:spcPct val="100000"/>
+                        </a:lnSpc>
+                        <a:spcBef>
+                          <a:spcPts val="0"/>
+                        </a:spcBef>
+                        <a:spcAft>
+                          <a:spcPts val="0"/>
+                        </a:spcAft>
+                        <a:buClrTx/>
+                        <a:buSzTx/>
+                        <a:buFontTx/>
+                        <a:buNone/>
+                        <a:tabLst/>
+                        <a:defRPr/>
+                      </a:pPr>
+                      <a:r>
+                        <a:rPr lang="en-US" altLang="ko-KR" sz="1200" dirty="0">
+                          <a:latin typeface="타이포_쌍문동 B" panose="02020803020101020101" pitchFamily="18" charset="-127"/>
+                          <a:ea typeface="타이포_쌍문동 B" panose="02020803020101020101" pitchFamily="18" charset="-127"/>
+                        </a:rPr>
+                        <a:t>35%</a:t>
                       </a:r>
                       <a:endParaRPr lang="ko-KR" altLang="en-US" sz="1200" dirty="0">
                         <a:latin typeface="타이포_쌍문동 B" panose="02020803020101020101" pitchFamily="18" charset="-127"/>
@@ -6461,7 +6665,11 @@
                     <a:bodyPr/>
                     <a:lstStyle/>
                     <a:p>
-                      <a:pPr algn="ctr" latinLnBrk="1"/>
+                      <a:pPr algn="ctr" latinLnBrk="1">
+                        <a:lnSpc>
+                          <a:spcPct val="100000"/>
+                        </a:lnSpc>
+                      </a:pPr>
                       <a:r>
                         <a:rPr lang="ko-KR" altLang="en-US" sz="1200" dirty="0">
                           <a:latin typeface="타이포_쌍문동 B" panose="02020803020101020101" pitchFamily="18" charset="-127"/>
@@ -6488,7 +6696,56 @@
                           <a:latin typeface="타이포_쌍문동 B" panose="02020803020101020101" pitchFamily="18" charset="-127"/>
                           <a:ea typeface="타이포_쌍문동 B" panose="02020803020101020101" pitchFamily="18" charset="-127"/>
                         </a:rPr>
-                        <a:t>(Level 1, Level 2)</a:t>
+                        <a:t>(Level 1, Level 2),</a:t>
+                      </a:r>
+                    </a:p>
+                    <a:p>
+                      <a:pPr algn="ctr" latinLnBrk="1">
+                        <a:lnSpc>
+                          <a:spcPct val="100000"/>
+                        </a:lnSpc>
+                      </a:pPr>
+                      <a:r>
+                        <a:rPr lang="ko-KR" altLang="en-US" sz="1200" dirty="0">
+                          <a:latin typeface="타이포_쌍문동 B" panose="02020803020101020101" pitchFamily="18" charset="-127"/>
+                          <a:ea typeface="타이포_쌍문동 B" panose="02020803020101020101" pitchFamily="18" charset="-127"/>
+                        </a:rPr>
+                        <a:t>보스 스테이지 </a:t>
+                      </a:r>
+                    </a:p>
+                  </a:txBody>
+                  <a:tcPr anchor="ctr"/>
+                </a:tc>
+                <a:tc>
+                  <a:txBody>
+                    <a:bodyPr/>
+                    <a:lstStyle/>
+                    <a:p>
+                      <a:pPr algn="ctr" latinLnBrk="1">
+                        <a:lnSpc>
+                          <a:spcPct val="100000"/>
+                        </a:lnSpc>
+                      </a:pPr>
+                      <a:r>
+                        <a:rPr lang="en-US" altLang="ko-KR" sz="1200" dirty="0">
+                          <a:latin typeface="타이포_쌍문동 B" panose="02020803020101020101" pitchFamily="18" charset="-127"/>
+                          <a:ea typeface="타이포_쌍문동 B" panose="02020803020101020101" pitchFamily="18" charset="-127"/>
+                        </a:rPr>
+                        <a:t>Level</a:t>
+                      </a:r>
+                      <a:r>
+                        <a:rPr lang="ko-KR" altLang="en-US" sz="1200" dirty="0">
+                          <a:latin typeface="타이포_쌍문동 B" panose="02020803020101020101" pitchFamily="18" charset="-127"/>
+                          <a:ea typeface="타이포_쌍문동 B" panose="02020803020101020101" pitchFamily="18" charset="-127"/>
+                        </a:rPr>
+                        <a:t> </a:t>
+                      </a:r>
+                      <a:r>
+                        <a:rPr lang="en-US" altLang="ko-KR" sz="1200" dirty="0">
+                          <a:latin typeface="타이포_쌍문동 B" panose="02020803020101020101" pitchFamily="18" charset="-127"/>
+                          <a:ea typeface="타이포_쌍문동 B" panose="02020803020101020101" pitchFamily="18" charset="-127"/>
+                        </a:rPr>
+                        <a:t>1</a:t>
                       </a:r>
                       <a:endParaRPr lang="ko-KR" altLang="en-US" sz="1200" dirty="0">
                         <a:latin typeface="타이포_쌍문동 B" panose="02020803020101020101" pitchFamily="18" charset="-127"/>
@@ -6505,32 +6762,11 @@
                     <a:p>
                       <a:pPr algn="ctr" latinLnBrk="1"/>
                       <a:r>
-                        <a:rPr lang="ko-KR" altLang="en-US" sz="1200" dirty="0">
-                          <a:latin typeface="타이포_쌍문동 B" panose="02020803020101020101" pitchFamily="18" charset="-127"/>
-                          <a:ea typeface="타이포_쌍문동 B" panose="02020803020101020101" pitchFamily="18" charset="-127"/>
-                        </a:rPr>
-                        <a:t>보스 스테이지 </a:t>
-                      </a:r>
-                      <a:r>
                         <a:rPr lang="en-US" altLang="ko-KR" sz="1200" dirty="0">
                           <a:latin typeface="타이포_쌍문동 B" panose="02020803020101020101" pitchFamily="18" charset="-127"/>
                           <a:ea typeface="타이포_쌍문동 B" panose="02020803020101020101" pitchFamily="18" charset="-127"/>
                         </a:rPr>
-                        <a:t>1</a:t>
-                      </a:r>
-                      <a:r>
-                        <a:rPr lang="ko-KR" altLang="en-US" sz="1200" dirty="0">
-                          <a:latin typeface="타이포_쌍문동 B" panose="02020803020101020101" pitchFamily="18" charset="-127"/>
-                          <a:ea typeface="타이포_쌍문동 B" panose="02020803020101020101" pitchFamily="18" charset="-127"/>
-                        </a:rPr>
-                        <a:t>개</a:t>
-                      </a:r>
-                      <a:r>
-                        <a:rPr lang="en-US" altLang="ko-KR" sz="1200" dirty="0">
-                          <a:latin typeface="타이포_쌍문동 B" panose="02020803020101020101" pitchFamily="18" charset="-127"/>
-                          <a:ea typeface="타이포_쌍문동 B" panose="02020803020101020101" pitchFamily="18" charset="-127"/>
-                        </a:rPr>
-                        <a:t>,</a:t>
+                        <a:t>33%</a:t>
                       </a:r>
                       <a:endParaRPr lang="ko-KR" altLang="en-US" sz="1200" dirty="0">
                         <a:latin typeface="타이포_쌍문동 B" panose="02020803020101020101" pitchFamily="18" charset="-127"/>
@@ -6569,7 +6805,11 @@
                     <a:bodyPr/>
                     <a:lstStyle/>
                     <a:p>
-                      <a:pPr algn="ctr" latinLnBrk="1"/>
+                      <a:pPr algn="ctr" latinLnBrk="1">
+                        <a:lnSpc>
+                          <a:spcPct val="100000"/>
+                        </a:lnSpc>
+                      </a:pPr>
                       <a:r>
                         <a:rPr lang="ko-KR" altLang="en-US" sz="1200" dirty="0">
                           <a:latin typeface="타이포_쌍문동 B" panose="02020803020101020101" pitchFamily="18" charset="-127"/>
@@ -6605,6 +6845,57 @@
                         </a:rPr>
                         <a:t>공격력 증가</a:t>
                       </a:r>
+                      <a:r>
+                        <a:rPr lang="en-US" altLang="ko-KR" sz="1200" dirty="0">
+                          <a:latin typeface="타이포_쌍문동 B" panose="02020803020101020101" pitchFamily="18" charset="-127"/>
+                          <a:ea typeface="타이포_쌍문동 B" panose="02020803020101020101" pitchFamily="18" charset="-127"/>
+                        </a:rPr>
+                        <a:t>,</a:t>
+                      </a:r>
+                    </a:p>
+                    <a:p>
+                      <a:pPr marL="0" marR="0" lvl="0" indent="0" algn="ctr" defTabSz="914400" rtl="0" eaLnBrk="1" fontAlgn="auto" latinLnBrk="1" hangingPunct="1">
+                        <a:lnSpc>
+                          <a:spcPct val="100000"/>
+                        </a:lnSpc>
+                        <a:spcBef>
+                          <a:spcPts val="0"/>
+                        </a:spcBef>
+                        <a:spcAft>
+                          <a:spcPts val="0"/>
+                        </a:spcAft>
+                        <a:buClrTx/>
+                        <a:buSzTx/>
+                        <a:buFontTx/>
+                        <a:buNone/>
+                        <a:tabLst/>
+                        <a:defRPr/>
+                      </a:pPr>
+                      <a:r>
+                        <a:rPr lang="ko-KR" altLang="en-US" sz="1200" dirty="0">
+                          <a:latin typeface="타이포_쌍문동 B" panose="02020803020101020101" pitchFamily="18" charset="-127"/>
+                          <a:ea typeface="타이포_쌍문동 B" panose="02020803020101020101" pitchFamily="18" charset="-127"/>
+                        </a:rPr>
+                        <a:t>보스 패턴</a:t>
+                      </a:r>
+                    </a:p>
+                  </a:txBody>
+                  <a:tcPr anchor="ctr"/>
+                </a:tc>
+                <a:tc>
+                  <a:txBody>
+                    <a:bodyPr/>
+                    <a:lstStyle/>
+                    <a:p>
+                      <a:pPr algn="ctr" latinLnBrk="1">
+                        <a:lnSpc>
+                          <a:spcPct val="100000"/>
+                        </a:lnSpc>
+                      </a:pPr>
+                      <a:endParaRPr lang="ko-KR" altLang="en-US" sz="1200" dirty="0">
+                        <a:latin typeface="타이포_쌍문동 B" panose="02020803020101020101" pitchFamily="18" charset="-127"/>
+                        <a:ea typeface="타이포_쌍문동 B" panose="02020803020101020101" pitchFamily="18" charset="-127"/>
+                      </a:endParaRPr>
                     </a:p>
                   </a:txBody>
                   <a:tcPr anchor="ctr"/>
@@ -6615,13 +6906,10 @@
                     <a:lstStyle/>
                     <a:p>
                       <a:pPr algn="ctr" latinLnBrk="1"/>
-                      <a:r>
-                        <a:rPr lang="ko-KR" altLang="en-US" sz="1200" dirty="0">
-                          <a:latin typeface="타이포_쌍문동 B" panose="02020803020101020101" pitchFamily="18" charset="-127"/>
-                          <a:ea typeface="타이포_쌍문동 B" panose="02020803020101020101" pitchFamily="18" charset="-127"/>
-                        </a:rPr>
-                        <a:t>보스 패턴</a:t>
-                      </a:r>
+                      <a:endParaRPr lang="ko-KR" altLang="en-US" sz="1200" dirty="0">
+                        <a:latin typeface="타이포_쌍문동 B" panose="02020803020101020101" pitchFamily="18" charset="-127"/>
+                        <a:ea typeface="타이포_쌍문동 B" panose="02020803020101020101" pitchFamily="18" charset="-127"/>
+                      </a:endParaRPr>
                     </a:p>
                   </a:txBody>
                   <a:tcPr anchor="ctr"/>
@@ -6655,7 +6943,23 @@
                     <a:bodyPr/>
                     <a:lstStyle/>
                     <a:p>
-                      <a:pPr algn="ctr" latinLnBrk="1"/>
+                      <a:pPr marL="0" marR="0" lvl="0" indent="0" algn="ctr" defTabSz="914400" rtl="0" eaLnBrk="1" fontAlgn="auto" latinLnBrk="1" hangingPunct="1">
+                        <a:lnSpc>
+                          <a:spcPct val="100000"/>
+                        </a:lnSpc>
+                        <a:spcBef>
+                          <a:spcPts val="0"/>
+                        </a:spcBef>
+                        <a:spcAft>
+                          <a:spcPts val="0"/>
+                        </a:spcAft>
+                        <a:buClrTx/>
+                        <a:buSzTx/>
+                        <a:buFontTx/>
+                        <a:buNone/>
+                        <a:tabLst/>
+                        <a:defRPr/>
+                      </a:pPr>
                       <a:r>
                         <a:rPr lang="ko-KR" altLang="en-US" sz="1200" dirty="0">
                           <a:latin typeface="타이포_쌍문동 B" panose="02020803020101020101" pitchFamily="18" charset="-127"/>
@@ -6710,7 +7014,117 @@
                           <a:latin typeface="타이포_쌍문동 B" panose="02020803020101020101" pitchFamily="18" charset="-127"/>
                           <a:ea typeface="타이포_쌍문동 B" panose="02020803020101020101" pitchFamily="18" charset="-127"/>
                         </a:rPr>
-                        <a:t>몬스터 타격 효과음 </a:t>
+                        <a:t>몬스터 타격 효과음</a:t>
+                      </a:r>
+                      <a:r>
+                        <a:rPr lang="en-US" altLang="ko-KR" sz="1200" dirty="0">
+                          <a:latin typeface="타이포_쌍문동 B" panose="02020803020101020101" pitchFamily="18" charset="-127"/>
+                          <a:ea typeface="타이포_쌍문동 B" panose="02020803020101020101" pitchFamily="18" charset="-127"/>
+                        </a:rPr>
+                        <a:t>, </a:t>
+                      </a:r>
+                      <a:r>
+                        <a:rPr lang="ko-KR" altLang="en-US" sz="1200" dirty="0">
+                          <a:latin typeface="타이포_쌍문동 B" panose="02020803020101020101" pitchFamily="18" charset="-127"/>
+                          <a:ea typeface="타이포_쌍문동 B" panose="02020803020101020101" pitchFamily="18" charset="-127"/>
+                        </a:rPr>
+                        <a:t>플레이어 이동 종류에 따른 효과음 </a:t>
+                      </a:r>
+                    </a:p>
+                  </a:txBody>
+                  <a:tcPr anchor="ctr"/>
+                </a:tc>
+                <a:tc>
+                  <a:txBody>
+                    <a:bodyPr/>
+                    <a:lstStyle/>
+                    <a:p>
+                      <a:pPr marL="0" marR="0" lvl="0" indent="0" algn="ctr" defTabSz="914400" rtl="0" eaLnBrk="1" fontAlgn="auto" latinLnBrk="1" hangingPunct="1">
+                        <a:lnSpc>
+                          <a:spcPct val="100000"/>
+                        </a:lnSpc>
+                        <a:spcBef>
+                          <a:spcPts val="0"/>
+                        </a:spcBef>
+                        <a:spcAft>
+                          <a:spcPts val="0"/>
+                        </a:spcAft>
+                        <a:buClrTx/>
+                        <a:buSzTx/>
+                        <a:buFontTx/>
+                        <a:buNone/>
+                        <a:tabLst/>
+                        <a:defRPr/>
+                      </a:pPr>
+                      <a:r>
+                        <a:rPr lang="ko-KR" altLang="en-US" sz="1200" dirty="0">
+                          <a:latin typeface="타이포_쌍문동 B" panose="02020803020101020101" pitchFamily="18" charset="-127"/>
+                          <a:ea typeface="타이포_쌍문동 B" panose="02020803020101020101" pitchFamily="18" charset="-127"/>
+                        </a:rPr>
+                        <a:t>스테이지의 </a:t>
+                      </a:r>
+                      <a:r>
+                        <a:rPr lang="ko-KR" altLang="en-US" sz="1200" dirty="0" err="1">
+                          <a:latin typeface="타이포_쌍문동 B" panose="02020803020101020101" pitchFamily="18" charset="-127"/>
+                          <a:ea typeface="타이포_쌍문동 B" panose="02020803020101020101" pitchFamily="18" charset="-127"/>
+                        </a:rPr>
+                        <a:t>배경음</a:t>
+                      </a:r>
+                      <a:r>
+                        <a:rPr lang="en-US" altLang="ko-KR" sz="1200" dirty="0">
+                          <a:latin typeface="타이포_쌍문동 B" panose="02020803020101020101" pitchFamily="18" charset="-127"/>
+                          <a:ea typeface="타이포_쌍문동 B" panose="02020803020101020101" pitchFamily="18" charset="-127"/>
+                        </a:rPr>
+                        <a:t>, </a:t>
+                      </a:r>
+                      <a:r>
+                        <a:rPr lang="ko-KR" altLang="en-US" sz="1200" dirty="0">
+                          <a:latin typeface="타이포_쌍문동 B" panose="02020803020101020101" pitchFamily="18" charset="-127"/>
+                          <a:ea typeface="타이포_쌍문동 B" panose="02020803020101020101" pitchFamily="18" charset="-127"/>
+                        </a:rPr>
+                        <a:t>플레이어</a:t>
+                      </a:r>
+                      <a:r>
+                        <a:rPr lang="en-US" altLang="ko-KR" sz="1200" dirty="0">
+                          <a:latin typeface="타이포_쌍문동 B" panose="02020803020101020101" pitchFamily="18" charset="-127"/>
+                          <a:ea typeface="타이포_쌍문동 B" panose="02020803020101020101" pitchFamily="18" charset="-127"/>
+                        </a:rPr>
+                        <a:t> </a:t>
+                      </a:r>
+                      <a:r>
+                        <a:rPr lang="ko-KR" altLang="en-US" sz="1200" dirty="0">
+                          <a:latin typeface="타이포_쌍문동 B" panose="02020803020101020101" pitchFamily="18" charset="-127"/>
+                          <a:ea typeface="타이포_쌍문동 B" panose="02020803020101020101" pitchFamily="18" charset="-127"/>
+                        </a:rPr>
+                        <a:t>공격 효과음</a:t>
+                      </a:r>
+                      <a:r>
+                        <a:rPr lang="en-US" altLang="ko-KR" sz="1200" dirty="0">
+                          <a:latin typeface="타이포_쌍문동 B" panose="02020803020101020101" pitchFamily="18" charset="-127"/>
+                          <a:ea typeface="타이포_쌍문동 B" panose="02020803020101020101" pitchFamily="18" charset="-127"/>
+                        </a:rPr>
+                        <a:t>, </a:t>
+                      </a:r>
+                      <a:r>
+                        <a:rPr lang="ko-KR" altLang="en-US" sz="1200" dirty="0">
+                          <a:latin typeface="타이포_쌍문동 B" panose="02020803020101020101" pitchFamily="18" charset="-127"/>
+                          <a:ea typeface="타이포_쌍문동 B" panose="02020803020101020101" pitchFamily="18" charset="-127"/>
+                        </a:rPr>
+                        <a:t>몬스터 타격 효과음</a:t>
+                      </a:r>
+                      <a:r>
+                        <a:rPr lang="en-US" altLang="ko-KR" sz="1200" dirty="0">
+                          <a:latin typeface="타이포_쌍문동 B" panose="02020803020101020101" pitchFamily="18" charset="-127"/>
+                          <a:ea typeface="타이포_쌍문동 B" panose="02020803020101020101" pitchFamily="18" charset="-127"/>
+                        </a:rPr>
+                        <a:t>, </a:t>
+                      </a:r>
+                      <a:r>
+                        <a:rPr lang="ko-KR" altLang="en-US" sz="1200" dirty="0">
+                          <a:latin typeface="타이포_쌍문동 B" panose="02020803020101020101" pitchFamily="18" charset="-127"/>
+                          <a:ea typeface="타이포_쌍문동 B" panose="02020803020101020101" pitchFamily="18" charset="-127"/>
+                        </a:rPr>
+                        <a:t>플레이어 이동 종류에 따른 효과음 </a:t>
                       </a:r>
                     </a:p>
                   </a:txBody>
@@ -6723,12 +7137,16 @@
                     <a:p>
                       <a:pPr algn="ctr" latinLnBrk="1"/>
                       <a:r>
-                        <a:rPr lang="ko-KR" altLang="en-US" sz="1200" dirty="0">
-                          <a:latin typeface="타이포_쌍문동 B" panose="02020803020101020101" pitchFamily="18" charset="-127"/>
-                          <a:ea typeface="타이포_쌍문동 B" panose="02020803020101020101" pitchFamily="18" charset="-127"/>
-                        </a:rPr>
-                        <a:t>플레이어 이동 종류에 따른 효과음</a:t>
-                      </a:r>
+                        <a:rPr lang="en-US" altLang="ko-KR" sz="1200" dirty="0">
+                          <a:latin typeface="타이포_쌍문동 B" panose="02020803020101020101" pitchFamily="18" charset="-127"/>
+                          <a:ea typeface="타이포_쌍문동 B" panose="02020803020101020101" pitchFamily="18" charset="-127"/>
+                        </a:rPr>
+                        <a:t>100%</a:t>
+                      </a:r>
+                      <a:endParaRPr lang="ko-KR" altLang="en-US" sz="1200" dirty="0">
+                        <a:latin typeface="타이포_쌍문동 B" panose="02020803020101020101" pitchFamily="18" charset="-127"/>
+                        <a:ea typeface="타이포_쌍문동 B" panose="02020803020101020101" pitchFamily="18" charset="-127"/>
+                      </a:endParaRPr>
                     </a:p>
                   </a:txBody>
                   <a:tcPr anchor="ctr"/>
@@ -6762,7 +7180,11 @@
                     <a:bodyPr/>
                     <a:lstStyle/>
                     <a:p>
-                      <a:pPr algn="ctr" latinLnBrk="1"/>
+                      <a:pPr algn="ctr" latinLnBrk="1">
+                        <a:lnSpc>
+                          <a:spcPct val="100000"/>
+                        </a:lnSpc>
+                      </a:pPr>
                       <a:r>
                         <a:rPr lang="ko-KR" altLang="en-US" sz="1200" dirty="0">
                           <a:latin typeface="타이포_쌍문동 B" panose="02020803020101020101" pitchFamily="18" charset="-127"/>
@@ -6804,7 +7226,11 @@
                       </a:endParaRPr>
                     </a:p>
                     <a:p>
-                      <a:pPr algn="ctr" latinLnBrk="1"/>
+                      <a:pPr algn="ctr" latinLnBrk="1">
+                        <a:lnSpc>
+                          <a:spcPct val="100000"/>
+                        </a:lnSpc>
+                      </a:pPr>
                       <a:r>
                         <a:rPr lang="ko-KR" altLang="en-US" sz="1200" dirty="0">
                           <a:latin typeface="타이포_쌍문동 B" panose="02020803020101020101" pitchFamily="18" charset="-127"/>
@@ -6846,7 +7272,11 @@
                       </a:endParaRPr>
                     </a:p>
                     <a:p>
-                      <a:pPr algn="ctr" latinLnBrk="1"/>
+                      <a:pPr algn="ctr" latinLnBrk="1">
+                        <a:lnSpc>
+                          <a:spcPct val="100000"/>
+                        </a:lnSpc>
+                      </a:pPr>
                       <a:r>
                         <a:rPr lang="ko-KR" altLang="en-US" sz="1200" dirty="0">
                           <a:latin typeface="타이포_쌍문동 B" panose="02020803020101020101" pitchFamily="18" charset="-127"/>
@@ -6860,7 +7290,11 @@
                       </a:endParaRPr>
                     </a:p>
                     <a:p>
-                      <a:pPr algn="ctr" latinLnBrk="1"/>
+                      <a:pPr algn="ctr" latinLnBrk="1">
+                        <a:lnSpc>
+                          <a:spcPct val="100000"/>
+                        </a:lnSpc>
+                      </a:pPr>
                       <a:r>
                         <a:rPr lang="ko-KR" altLang="en-US" sz="1200" dirty="0">
                           <a:latin typeface="타이포_쌍문동 B" panose="02020803020101020101" pitchFamily="18" charset="-127"/>
@@ -6881,6 +7315,41 @@
                           <a:ea typeface="타이포_쌍문동 B" panose="02020803020101020101" pitchFamily="18" charset="-127"/>
                         </a:rPr>
                         <a:t>헬리콥터 이동</a:t>
+                      </a:r>
+                    </a:p>
+                  </a:txBody>
+                  <a:tcPr anchor="ctr"/>
+                </a:tc>
+                <a:tc>
+                  <a:txBody>
+                    <a:bodyPr/>
+                    <a:lstStyle/>
+                    <a:p>
+                      <a:pPr algn="ctr" latinLnBrk="1">
+                        <a:lnSpc>
+                          <a:spcPct val="100000"/>
+                        </a:lnSpc>
+                      </a:pPr>
+                      <a:r>
+                        <a:rPr lang="ko-KR" altLang="en-US" sz="1200" dirty="0">
+                          <a:latin typeface="타이포_쌍문동 B" panose="02020803020101020101" pitchFamily="18" charset="-127"/>
+                          <a:ea typeface="타이포_쌍문동 B" panose="02020803020101020101" pitchFamily="18" charset="-127"/>
+                        </a:rPr>
+                        <a:t>플레이어</a:t>
+                      </a:r>
+                      <a:r>
+                        <a:rPr lang="en-US" altLang="ko-KR" sz="1200" dirty="0">
+                          <a:latin typeface="타이포_쌍문동 B" panose="02020803020101020101" pitchFamily="18" charset="-127"/>
+                          <a:ea typeface="타이포_쌍문동 B" panose="02020803020101020101" pitchFamily="18" charset="-127"/>
+                        </a:rPr>
+                        <a:t>, </a:t>
+                      </a:r>
+                      <a:r>
+                        <a:rPr lang="ko-KR" altLang="en-US" sz="1200" dirty="0">
+                          <a:latin typeface="타이포_쌍문동 B" panose="02020803020101020101" pitchFamily="18" charset="-127"/>
+                          <a:ea typeface="타이포_쌍문동 B" panose="02020803020101020101" pitchFamily="18" charset="-127"/>
+                        </a:rPr>
+                        <a:t>몬스터 애니메이션</a:t>
                       </a:r>
                     </a:p>
                   </a:txBody>
@@ -6893,33 +7362,16 @@
                     <a:p>
                       <a:pPr algn="ctr" latinLnBrk="1"/>
                       <a:r>
-                        <a:rPr lang="ko-KR" altLang="en-US" sz="1200" dirty="0">
-                          <a:latin typeface="타이포_쌍문동 B" panose="02020803020101020101" pitchFamily="18" charset="-127"/>
-                          <a:ea typeface="타이포_쌍문동 B" panose="02020803020101020101" pitchFamily="18" charset="-127"/>
-                        </a:rPr>
-                        <a:t>게임 진행 </a:t>
-                      </a:r>
-                      <a:r>
-                        <a:rPr lang="ko-KR" altLang="en-US" sz="1200" dirty="0" err="1">
-                          <a:latin typeface="타이포_쌍문동 B" panose="02020803020101020101" pitchFamily="18" charset="-127"/>
-                          <a:ea typeface="타이포_쌍문동 B" panose="02020803020101020101" pitchFamily="18" charset="-127"/>
-                        </a:rPr>
-                        <a:t>말풍선</a:t>
-                      </a:r>
-                      <a:endParaRPr lang="en-US" altLang="ko-KR" sz="1200" dirty="0">
+                        <a:rPr lang="en-US" altLang="ko-KR" sz="1200" dirty="0">
+                          <a:latin typeface="타이포_쌍문동 B" panose="02020803020101020101" pitchFamily="18" charset="-127"/>
+                          <a:ea typeface="타이포_쌍문동 B" panose="02020803020101020101" pitchFamily="18" charset="-127"/>
+                        </a:rPr>
+                        <a:t>75%</a:t>
+                      </a:r>
+                      <a:endParaRPr lang="ko-KR" altLang="en-US" sz="1200" dirty="0">
                         <a:latin typeface="타이포_쌍문동 B" panose="02020803020101020101" pitchFamily="18" charset="-127"/>
                         <a:ea typeface="타이포_쌍문동 B" panose="02020803020101020101" pitchFamily="18" charset="-127"/>
                       </a:endParaRPr>
-                    </a:p>
-                    <a:p>
-                      <a:pPr algn="ctr" latinLnBrk="1"/>
-                      <a:r>
-                        <a:rPr lang="ko-KR" altLang="en-US" sz="1200" dirty="0">
-                          <a:latin typeface="타이포_쌍문동 B" panose="02020803020101020101" pitchFamily="18" charset="-127"/>
-                          <a:ea typeface="타이포_쌍문동 B" panose="02020803020101020101" pitchFamily="18" charset="-127"/>
-                        </a:rPr>
-                        <a:t>수류탄 투하</a:t>
-                      </a:r>
                     </a:p>
                   </a:txBody>
                   <a:tcPr anchor="ctr"/>
@@ -7003,7 +7455,7 @@
         <p:spPr>
           <a:xfrm>
             <a:off x="467430" y="302965"/>
-            <a:ext cx="1923925" cy="461665"/>
+            <a:ext cx="2324675" cy="461665"/>
           </a:xfrm>
           <a:prstGeom prst="rect">
             <a:avLst/>
@@ -7040,17 +7492,53 @@
                 <a:latin typeface="타이포_쌍문동 B" panose="02020803020101020101" pitchFamily="18" charset="-127"/>
                 <a:ea typeface="타이포_쌍문동 B" panose="02020803020101020101" pitchFamily="18" charset="-127"/>
               </a:rPr>
-              <a:t>개발 상황</a:t>
-            </a:r>
+              <a:t>깃 </a:t>
+            </a:r>
+            <a:r>
+              <a:rPr lang="ko-KR" altLang="en-US" sz="2400" dirty="0" err="1">
+                <a:solidFill>
+                  <a:schemeClr val="tx2">
+                    <a:lumMod val="20000"/>
+                    <a:lumOff val="80000"/>
+                  </a:schemeClr>
+                </a:solidFill>
+                <a:latin typeface="타이포_쌍문동 B" panose="02020803020101020101" pitchFamily="18" charset="-127"/>
+                <a:ea typeface="타이포_쌍문동 B" panose="02020803020101020101" pitchFamily="18" charset="-127"/>
+              </a:rPr>
+              <a:t>커밋</a:t>
+            </a:r>
+            <a:r>
+              <a:rPr lang="ko-KR" altLang="en-US" sz="2400" dirty="0">
+                <a:solidFill>
+                  <a:schemeClr val="tx2">
+                    <a:lumMod val="20000"/>
+                    <a:lumOff val="80000"/>
+                  </a:schemeClr>
+                </a:solidFill>
+                <a:latin typeface="타이포_쌍문동 B" panose="02020803020101020101" pitchFamily="18" charset="-127"/>
+                <a:ea typeface="타이포_쌍문동 B" panose="02020803020101020101" pitchFamily="18" charset="-127"/>
+              </a:rPr>
+              <a:t> 통계</a:t>
+            </a:r>
+            <a:endParaRPr lang="en-US" altLang="ko-KR" sz="2400" dirty="0">
+              <a:solidFill>
+                <a:schemeClr val="tx2">
+                  <a:lumMod val="20000"/>
+                  <a:lumOff val="80000"/>
+                </a:schemeClr>
+              </a:solidFill>
+              <a:latin typeface="타이포_쌍문동 B" panose="02020803020101020101" pitchFamily="18" charset="-127"/>
+              <a:ea typeface="타이포_쌍문동 B" panose="02020803020101020101" pitchFamily="18" charset="-127"/>
+            </a:endParaRPr>
           </a:p>
         </p:txBody>
       </p:sp>
       <p:graphicFrame>
         <p:nvGraphicFramePr>
-          <p:cNvPr id="5" name="표 4">
+          <p:cNvPr id="8" name="표 7">
             <a:extLst>
               <a:ext uri="{FF2B5EF4-FFF2-40B4-BE49-F238E27FC236}">
-                <a16:creationId xmlns:a16="http://schemas.microsoft.com/office/drawing/2014/main" id="{97779BDA-B557-4D41-9177-166E8E5D7679}"/>
+                <a16:creationId xmlns:a16="http://schemas.microsoft.com/office/drawing/2014/main" id="{6B3B6B4E-BF81-47F0-96A8-AFC1B7EF745C}"/>
               </a:ext>
             </a:extLst>
           </p:cNvPr>
@@ -7060,14 +7548,14 @@
           <p:nvPr>
             <p:extLst>
               <p:ext uri="{D42A27DB-BD31-4B8C-83A1-F6EECF244321}">
-                <p14:modId xmlns:p14="http://schemas.microsoft.com/office/powerpoint/2010/main" val="1208426240"/>
+                <p14:modId xmlns:p14="http://schemas.microsoft.com/office/powerpoint/2010/main" val="1613407324"/>
               </p:ext>
             </p:extLst>
           </p:nvPr>
         </p:nvGraphicFramePr>
         <p:xfrm>
-          <a:off x="719465" y="1556740"/>
-          <a:ext cx="7705070" cy="3886200"/>
+          <a:off x="719465" y="2585850"/>
+          <a:ext cx="7705070" cy="3891600"/>
         </p:xfrm>
         <a:graphic>
           <a:graphicData uri="http://schemas.openxmlformats.org/drawingml/2006/table">
@@ -7076,30 +7564,79 @@
                 <a:tableStyleId>{5C22544A-7EE6-4342-B048-85BDC9FD1C3A}</a:tableStyleId>
               </a:tblPr>
               <a:tblGrid>
-                <a:gridCol w="594370">
+                <a:gridCol w="2916405">
                   <a:extLst>
                     <a:ext uri="{9D8B030D-6E8A-4147-A177-3AD203B41FA5}">
                       <a16:colId xmlns:a16="http://schemas.microsoft.com/office/drawing/2014/main" val="2488540000"/>
                     </a:ext>
                   </a:extLst>
                 </a:gridCol>
-                <a:gridCol w="1668230">
+                <a:gridCol w="4788665">
                   <a:extLst>
                     <a:ext uri="{9D8B030D-6E8A-4147-A177-3AD203B41FA5}">
                       <a16:colId xmlns:a16="http://schemas.microsoft.com/office/drawing/2014/main" val="1600290285"/>
                     </a:ext>
                   </a:extLst>
                 </a:gridCol>
-                <a:gridCol w="5442470">
-                  <a:extLst>
-                    <a:ext uri="{9D8B030D-6E8A-4147-A177-3AD203B41FA5}">
-                      <a16:colId xmlns:a16="http://schemas.microsoft.com/office/drawing/2014/main" val="1583109977"/>
-                    </a:ext>
-                  </a:extLst>
-                </a:gridCol>
               </a:tblGrid>
-              <a:tr h="228600">
-                <a:tc rowSpan="2">
+              <a:tr h="259080">
+                <a:tc>
+                  <a:txBody>
+                    <a:bodyPr/>
+                    <a:lstStyle/>
+                    <a:p>
+                      <a:pPr algn="ctr" latinLnBrk="1"/>
+                      <a:r>
+                        <a:rPr lang="ko-KR" altLang="en-US" sz="2400" baseline="0" dirty="0">
+                          <a:latin typeface="타이포_쌍문동 B" panose="02020803020101020101" pitchFamily="18" charset="-127"/>
+                          <a:ea typeface="타이포_쌍문동 B" panose="02020803020101020101" pitchFamily="18" charset="-127"/>
+                        </a:rPr>
+                        <a:t>주</a:t>
+                      </a:r>
+                    </a:p>
+                  </a:txBody>
+                  <a:tcPr anchor="ctr">
+                    <a:solidFill>
+                      <a:srgbClr val="4F81BD"/>
+                    </a:solidFill>
+                  </a:tcPr>
+                </a:tc>
+                <a:tc>
+                  <a:txBody>
+                    <a:bodyPr/>
+                    <a:lstStyle/>
+                    <a:p>
+                      <a:pPr algn="ctr" latinLnBrk="1"/>
+                      <a:r>
+                        <a:rPr lang="ko-KR" altLang="en-US" sz="2400" baseline="0" dirty="0" err="1">
+                          <a:latin typeface="타이포_쌍문동 B" panose="02020803020101020101" pitchFamily="18" charset="-127"/>
+                          <a:ea typeface="타이포_쌍문동 B" panose="02020803020101020101" pitchFamily="18" charset="-127"/>
+                        </a:rPr>
+                        <a:t>커밋</a:t>
+                      </a:r>
+                      <a:r>
+                        <a:rPr lang="ko-KR" altLang="en-US" sz="2400" baseline="0" dirty="0">
+                          <a:latin typeface="타이포_쌍문동 B" panose="02020803020101020101" pitchFamily="18" charset="-127"/>
+                          <a:ea typeface="타이포_쌍문동 B" panose="02020803020101020101" pitchFamily="18" charset="-127"/>
+                        </a:rPr>
+                        <a:t> 횟수</a:t>
+                      </a:r>
+                    </a:p>
+                  </a:txBody>
+                  <a:tcPr anchor="ctr">
+                    <a:solidFill>
+                      <a:srgbClr val="4F81BD"/>
+                    </a:solidFill>
+                  </a:tcPr>
+                </a:tc>
+                <a:extLst>
+                  <a:ext uri="{0D108BD9-81ED-4DB2-BD59-A6C34878D82A}">
+                    <a16:rowId xmlns:a16="http://schemas.microsoft.com/office/drawing/2014/main" val="4116709292"/>
+                  </a:ext>
+                </a:extLst>
+              </a:tr>
+              <a:tr h="259080">
+                <a:tc>
                   <a:txBody>
                     <a:bodyPr/>
                     <a:lstStyle/>
@@ -7110,26 +7647,217 @@
                         </a:lnSpc>
                       </a:pPr>
                       <a:r>
-                        <a:rPr lang="en-US" altLang="ko-KR" sz="1200" b="0" dirty="0">
+                        <a:rPr lang="en-US" altLang="ko-KR" sz="1400" b="0" dirty="0">
                           <a:solidFill>
                             <a:schemeClr val="tx1"/>
                           </a:solidFill>
                           <a:latin typeface="타이포_쌍문동 B" panose="02020803020101020101" pitchFamily="18" charset="-127"/>
                           <a:ea typeface="타이포_쌍문동 B" panose="02020803020101020101" pitchFamily="18" charset="-127"/>
                         </a:rPr>
-                        <a:t>1</a:t>
-                      </a:r>
-                      <a:r>
-                        <a:rPr lang="ko-KR" altLang="en-US" sz="1200" b="0" dirty="0">
+                        <a:t>Week of Sep 23 </a:t>
+                      </a:r>
+                    </a:p>
+                  </a:txBody>
+                  <a:tcPr anchor="ctr">
+                    <a:solidFill>
+                      <a:srgbClr val="D0D8E8"/>
+                    </a:solidFill>
+                  </a:tcPr>
+                </a:tc>
+                <a:tc>
+                  <a:txBody>
+                    <a:bodyPr/>
+                    <a:lstStyle/>
+                    <a:p>
+                      <a:pPr algn="ctr" latinLnBrk="1">
+                        <a:lnSpc>
+                          <a:spcPct val="100000"/>
+                        </a:lnSpc>
+                      </a:pPr>
+                      <a:r>
+                        <a:rPr lang="en-US" altLang="ko-KR" sz="1400" b="0" dirty="0">
                           <a:solidFill>
                             <a:schemeClr val="tx1"/>
                           </a:solidFill>
                           <a:latin typeface="타이포_쌍문동 B" panose="02020803020101020101" pitchFamily="18" charset="-127"/>
                           <a:ea typeface="타이포_쌍문동 B" panose="02020803020101020101" pitchFamily="18" charset="-127"/>
                         </a:rPr>
-                        <a:t>주</a:t>
-                      </a:r>
-                      <a:endParaRPr lang="en-US" altLang="ko-KR" sz="1200" b="0" dirty="0">
+                        <a:t>1 </a:t>
+                      </a:r>
+                      <a:endParaRPr lang="ko-KR" altLang="en-US" sz="1400" b="0" dirty="0">
+                        <a:solidFill>
+                          <a:schemeClr val="tx1"/>
+                        </a:solidFill>
+                        <a:latin typeface="타이포_쌍문동 B" panose="02020803020101020101" pitchFamily="18" charset="-127"/>
+                        <a:ea typeface="타이포_쌍문동 B" panose="02020803020101020101" pitchFamily="18" charset="-127"/>
+                      </a:endParaRPr>
+                    </a:p>
+                  </a:txBody>
+                  <a:tcPr anchor="ctr">
+                    <a:solidFill>
+                      <a:srgbClr val="D0D8E8"/>
+                    </a:solidFill>
+                  </a:tcPr>
+                </a:tc>
+                <a:extLst>
+                  <a:ext uri="{0D108BD9-81ED-4DB2-BD59-A6C34878D82A}">
+                    <a16:rowId xmlns:a16="http://schemas.microsoft.com/office/drawing/2014/main" val="2380397464"/>
+                  </a:ext>
+                </a:extLst>
+              </a:tr>
+              <a:tr h="360000">
+                <a:tc>
+                  <a:txBody>
+                    <a:bodyPr/>
+                    <a:lstStyle/>
+                    <a:p>
+                      <a:pPr algn="ctr" latinLnBrk="1">
+                        <a:lnSpc>
+                          <a:spcPct val="100000"/>
+                        </a:lnSpc>
+                      </a:pPr>
+                      <a:r>
+                        <a:rPr lang="en-US" altLang="ko-KR" sz="1400" b="0" dirty="0">
+                          <a:solidFill>
+                            <a:schemeClr val="tx1"/>
+                          </a:solidFill>
+                          <a:latin typeface="타이포_쌍문동 B" panose="02020803020101020101" pitchFamily="18" charset="-127"/>
+                          <a:ea typeface="타이포_쌍문동 B" panose="02020803020101020101" pitchFamily="18" charset="-127"/>
+                        </a:rPr>
+                        <a:t>Week of Sep 30</a:t>
+                      </a:r>
+                    </a:p>
+                  </a:txBody>
+                  <a:tcPr anchor="ctr"/>
+                </a:tc>
+                <a:tc>
+                  <a:txBody>
+                    <a:bodyPr/>
+                    <a:lstStyle/>
+                    <a:p>
+                      <a:pPr algn="ctr" latinLnBrk="1">
+                        <a:lnSpc>
+                          <a:spcPct val="100000"/>
+                        </a:lnSpc>
+                      </a:pPr>
+                      <a:r>
+                        <a:rPr lang="en-US" altLang="ko-KR" sz="1400" b="0" dirty="0">
+                          <a:solidFill>
+                            <a:schemeClr val="tx1"/>
+                          </a:solidFill>
+                          <a:latin typeface="타이포_쌍문동 B" panose="02020803020101020101" pitchFamily="18" charset="-127"/>
+                          <a:ea typeface="타이포_쌍문동 B" panose="02020803020101020101" pitchFamily="18" charset="-127"/>
+                        </a:rPr>
+                        <a:t>21</a:t>
+                      </a:r>
+                      <a:endParaRPr lang="ko-KR" altLang="en-US" sz="1400" b="0" dirty="0">
+                        <a:solidFill>
+                          <a:schemeClr val="tx1"/>
+                        </a:solidFill>
+                        <a:latin typeface="타이포_쌍문동 B" panose="02020803020101020101" pitchFamily="18" charset="-127"/>
+                        <a:ea typeface="타이포_쌍문동 B" panose="02020803020101020101" pitchFamily="18" charset="-127"/>
+                      </a:endParaRPr>
+                    </a:p>
+                  </a:txBody>
+                  <a:tcPr anchor="ctr"/>
+                </a:tc>
+                <a:extLst>
+                  <a:ext uri="{0D108BD9-81ED-4DB2-BD59-A6C34878D82A}">
+                    <a16:rowId xmlns:a16="http://schemas.microsoft.com/office/drawing/2014/main" val="3169628197"/>
+                  </a:ext>
+                </a:extLst>
+              </a:tr>
+              <a:tr h="360000">
+                <a:tc>
+                  <a:txBody>
+                    <a:bodyPr/>
+                    <a:lstStyle/>
+                    <a:p>
+                      <a:pPr algn="ctr" latinLnBrk="1">
+                        <a:lnSpc>
+                          <a:spcPct val="100000"/>
+                        </a:lnSpc>
+                      </a:pPr>
+                      <a:r>
+                        <a:rPr lang="en-US" altLang="ko-KR" sz="1400" b="0" dirty="0">
+                          <a:solidFill>
+                            <a:schemeClr val="tx1"/>
+                          </a:solidFill>
+                          <a:latin typeface="타이포_쌍문동 B" panose="02020803020101020101" pitchFamily="18" charset="-127"/>
+                          <a:ea typeface="타이포_쌍문동 B" panose="02020803020101020101" pitchFamily="18" charset="-127"/>
+                        </a:rPr>
+                        <a:t>Week of Oct 7</a:t>
+                      </a:r>
+                      <a:endParaRPr lang="ko-KR" altLang="en-US" sz="1400" b="0" dirty="0">
+                        <a:solidFill>
+                          <a:schemeClr val="tx1"/>
+                        </a:solidFill>
+                        <a:latin typeface="타이포_쌍문동 B" panose="02020803020101020101" pitchFamily="18" charset="-127"/>
+                        <a:ea typeface="타이포_쌍문동 B" panose="02020803020101020101" pitchFamily="18" charset="-127"/>
+                      </a:endParaRPr>
+                    </a:p>
+                  </a:txBody>
+                  <a:tcPr anchor="ctr"/>
+                </a:tc>
+                <a:tc>
+                  <a:txBody>
+                    <a:bodyPr/>
+                    <a:lstStyle/>
+                    <a:p>
+                      <a:pPr algn="ctr" latinLnBrk="1">
+                        <a:lnSpc>
+                          <a:spcPct val="100000"/>
+                        </a:lnSpc>
+                      </a:pPr>
+                      <a:r>
+                        <a:rPr lang="en-US" altLang="ko-KR" sz="1400" b="0" dirty="0">
+                          <a:solidFill>
+                            <a:schemeClr val="tx1"/>
+                          </a:solidFill>
+                          <a:latin typeface="타이포_쌍문동 B" panose="02020803020101020101" pitchFamily="18" charset="-127"/>
+                          <a:ea typeface="타이포_쌍문동 B" panose="02020803020101020101" pitchFamily="18" charset="-127"/>
+                        </a:rPr>
+                        <a:t>19</a:t>
+                      </a:r>
+                      <a:endParaRPr lang="ko-KR" altLang="en-US" sz="1400" b="0" dirty="0">
+                        <a:solidFill>
+                          <a:schemeClr val="tx1"/>
+                        </a:solidFill>
+                        <a:latin typeface="타이포_쌍문동 B" panose="02020803020101020101" pitchFamily="18" charset="-127"/>
+                        <a:ea typeface="타이포_쌍문동 B" panose="02020803020101020101" pitchFamily="18" charset="-127"/>
+                      </a:endParaRPr>
+                    </a:p>
+                  </a:txBody>
+                  <a:tcPr anchor="ctr"/>
+                </a:tc>
+                <a:extLst>
+                  <a:ext uri="{0D108BD9-81ED-4DB2-BD59-A6C34878D82A}">
+                    <a16:rowId xmlns:a16="http://schemas.microsoft.com/office/drawing/2014/main" val="1342618788"/>
+                  </a:ext>
+                </a:extLst>
+              </a:tr>
+              <a:tr h="360000">
+                <a:tc>
+                  <a:txBody>
+                    <a:bodyPr/>
+                    <a:lstStyle/>
+                    <a:p>
+                      <a:pPr algn="ctr" latinLnBrk="1">
+                        <a:lnSpc>
+                          <a:spcPct val="100000"/>
+                        </a:lnSpc>
+                      </a:pPr>
+                      <a:r>
+                        <a:rPr lang="en-US" altLang="ko-KR" sz="1400" b="0" dirty="0">
+                          <a:solidFill>
+                            <a:schemeClr val="tx1"/>
+                          </a:solidFill>
+                          <a:latin typeface="타이포_쌍문동 B" panose="02020803020101020101" pitchFamily="18" charset="-127"/>
+                          <a:ea typeface="타이포_쌍문동 B" panose="02020803020101020101" pitchFamily="18" charset="-127"/>
+                        </a:rPr>
+                        <a:t>Week of Oct 14</a:t>
+                      </a:r>
+                      <a:endParaRPr lang="ko-KR" altLang="en-US" sz="1400" b="0" dirty="0">
                         <a:solidFill>
                           <a:schemeClr val="tx1"/>
                         </a:solidFill>
@@ -7155,85 +7883,16 @@
                         </a:lnSpc>
                       </a:pPr>
                       <a:r>
-                        <a:rPr lang="ko-KR" altLang="en-US" sz="1200" b="0" dirty="0">
+                        <a:rPr lang="en-US" altLang="ko-KR" sz="1400" b="0" dirty="0">
                           <a:solidFill>
                             <a:schemeClr val="tx1"/>
                           </a:solidFill>
                           <a:latin typeface="타이포_쌍문동 B" panose="02020803020101020101" pitchFamily="18" charset="-127"/>
                           <a:ea typeface="타이포_쌍문동 B" panose="02020803020101020101" pitchFamily="18" charset="-127"/>
                         </a:rPr>
-                        <a:t>계획</a:t>
-                      </a:r>
-                    </a:p>
-                  </a:txBody>
-                  <a:tcPr anchor="ctr">
-                    <a:solidFill>
-                      <a:srgbClr val="E9EDF4"/>
-                    </a:solidFill>
-                  </a:tcPr>
-                </a:tc>
-                <a:tc>
-                  <a:txBody>
-                    <a:bodyPr/>
-                    <a:lstStyle/>
-                    <a:p>
-                      <a:pPr marL="228600" indent="-228600" algn="l" latinLnBrk="1">
-                        <a:lnSpc>
-                          <a:spcPct val="100000"/>
-                        </a:lnSpc>
-                        <a:buAutoNum type="arabicPeriod"/>
-                      </a:pPr>
-                      <a:r>
-                        <a:rPr lang="ko-KR" altLang="en-US" sz="1200" b="0" dirty="0">
-                          <a:solidFill>
-                            <a:schemeClr val="tx1"/>
-                          </a:solidFill>
-                          <a:latin typeface="타이포_쌍문동 B" panose="02020803020101020101" pitchFamily="18" charset="-127"/>
-                          <a:ea typeface="타이포_쌍문동 B" panose="02020803020101020101" pitchFamily="18" charset="-127"/>
-                        </a:rPr>
-                        <a:t>리소스 수집</a:t>
-                      </a:r>
-                      <a:r>
-                        <a:rPr lang="en-US" altLang="ko-KR" sz="1200" b="0" dirty="0">
-                          <a:solidFill>
-                            <a:schemeClr val="tx1"/>
-                          </a:solidFill>
-                          <a:latin typeface="타이포_쌍문동 B" panose="02020803020101020101" pitchFamily="18" charset="-127"/>
-                          <a:ea typeface="타이포_쌍문동 B" panose="02020803020101020101" pitchFamily="18" charset="-127"/>
-                        </a:rPr>
-                        <a:t>, </a:t>
-                      </a:r>
-                      <a:r>
-                        <a:rPr lang="ko-KR" altLang="en-US" sz="1200" b="0" dirty="0">
-                          <a:solidFill>
-                            <a:schemeClr val="tx1"/>
-                          </a:solidFill>
-                          <a:latin typeface="타이포_쌍문동 B" panose="02020803020101020101" pitchFamily="18" charset="-127"/>
-                          <a:ea typeface="타이포_쌍문동 B" panose="02020803020101020101" pitchFamily="18" charset="-127"/>
-                        </a:rPr>
-                        <a:t>수정</a:t>
-                      </a:r>
-                      <a:r>
-                        <a:rPr lang="en-US" altLang="ko-KR" sz="1200" b="0" dirty="0">
-                          <a:solidFill>
-                            <a:schemeClr val="tx1"/>
-                          </a:solidFill>
-                          <a:latin typeface="타이포_쌍문동 B" panose="02020803020101020101" pitchFamily="18" charset="-127"/>
-                          <a:ea typeface="타이포_쌍문동 B" panose="02020803020101020101" pitchFamily="18" charset="-127"/>
-                        </a:rPr>
-                        <a:t>, </a:t>
-                      </a:r>
-                      <a:r>
-                        <a:rPr lang="ko-KR" altLang="en-US" sz="1200" b="0" dirty="0">
-                          <a:solidFill>
-                            <a:schemeClr val="tx1"/>
-                          </a:solidFill>
-                          <a:latin typeface="타이포_쌍문동 B" panose="02020803020101020101" pitchFamily="18" charset="-127"/>
-                          <a:ea typeface="타이포_쌍문동 B" panose="02020803020101020101" pitchFamily="18" charset="-127"/>
-                        </a:rPr>
-                        <a:t>제작</a:t>
-                      </a:r>
-                      <a:endParaRPr lang="en-US" altLang="ko-KR" sz="1200" b="0" dirty="0">
+                        <a:t>2</a:t>
+                      </a:r>
+                      <a:endParaRPr lang="ko-KR" altLang="en-US" sz="1400" b="0" dirty="0">
                         <a:solidFill>
                           <a:schemeClr val="tx1"/>
                         </a:solidFill>
@@ -7241,49 +7900,16 @@
                         <a:ea typeface="타이포_쌍문동 B" panose="02020803020101020101" pitchFamily="18" charset="-127"/>
                       </a:endParaRPr>
                     </a:p>
-                    <a:p>
-                      <a:pPr marL="228600" indent="-228600" algn="l" latinLnBrk="1">
-                        <a:lnSpc>
-                          <a:spcPct val="100000"/>
-                        </a:lnSpc>
-                        <a:buAutoNum type="arabicPeriod"/>
-                      </a:pPr>
-                      <a:r>
-                        <a:rPr lang="ko-KR" altLang="en-US" sz="1200" b="0" dirty="0">
-                          <a:solidFill>
-                            <a:schemeClr val="tx1"/>
-                          </a:solidFill>
-                          <a:latin typeface="타이포_쌍문동 B" panose="02020803020101020101" pitchFamily="18" charset="-127"/>
-                          <a:ea typeface="타이포_쌍문동 B" panose="02020803020101020101" pitchFamily="18" charset="-127"/>
-                        </a:rPr>
-                        <a:t>프레임워크 작업</a:t>
-                      </a:r>
-                    </a:p>
                   </a:txBody>
-                  <a:tcPr anchor="ctr">
-                    <a:solidFill>
-                      <a:srgbClr val="E9EDF4"/>
-                    </a:solidFill>
-                  </a:tcPr>
+                  <a:tcPr anchor="ctr"/>
                 </a:tc>
                 <a:extLst>
                   <a:ext uri="{0D108BD9-81ED-4DB2-BD59-A6C34878D82A}">
-                    <a16:rowId xmlns:a16="http://schemas.microsoft.com/office/drawing/2014/main" val="4116709292"/>
+                    <a16:rowId xmlns:a16="http://schemas.microsoft.com/office/drawing/2014/main" val="3924862933"/>
                   </a:ext>
                 </a:extLst>
               </a:tr>
-              <a:tr h="228600">
-                <a:tc vMerge="1">
-                  <a:txBody>
-                    <a:bodyPr/>
-                    <a:lstStyle/>
-                    <a:p>
-                      <a:pPr latinLnBrk="1"/>
-                      <a:endParaRPr lang="ko-KR" altLang="en-US"/>
-                    </a:p>
-                  </a:txBody>
-                  <a:tcPr/>
-                </a:tc>
+              <a:tr h="360000">
                 <a:tc>
                   <a:txBody>
                     <a:bodyPr/>
@@ -7295,155 +7921,16 @@
                         </a:lnSpc>
                       </a:pPr>
                       <a:r>
-                        <a:rPr lang="ko-KR" altLang="en-US" sz="1200" b="0" dirty="0">
+                        <a:rPr lang="en-US" altLang="ko-KR" sz="1400" b="0" dirty="0">
                           <a:solidFill>
                             <a:schemeClr val="tx1"/>
                           </a:solidFill>
                           <a:latin typeface="타이포_쌍문동 B" panose="02020803020101020101" pitchFamily="18" charset="-127"/>
                           <a:ea typeface="타이포_쌍문동 B" panose="02020803020101020101" pitchFamily="18" charset="-127"/>
                         </a:rPr>
-                        <a:t>결과</a:t>
-                      </a:r>
-                      <a:r>
-                        <a:rPr lang="en-US" altLang="ko-KR" sz="1200" b="0" dirty="0">
-                          <a:solidFill>
-                            <a:schemeClr val="tx1"/>
-                          </a:solidFill>
-                          <a:latin typeface="타이포_쌍문동 B" panose="02020803020101020101" pitchFamily="18" charset="-127"/>
-                          <a:ea typeface="타이포_쌍문동 B" panose="02020803020101020101" pitchFamily="18" charset="-127"/>
-                        </a:rPr>
-                        <a:t>(100%)</a:t>
-                      </a:r>
-                      <a:endParaRPr lang="ko-KR" altLang="en-US" sz="1200" b="0" dirty="0">
-                        <a:solidFill>
-                          <a:schemeClr val="tx1"/>
-                        </a:solidFill>
-                        <a:latin typeface="타이포_쌍문동 B" panose="02020803020101020101" pitchFamily="18" charset="-127"/>
-                        <a:ea typeface="타이포_쌍문동 B" panose="02020803020101020101" pitchFamily="18" charset="-127"/>
-                      </a:endParaRPr>
-                    </a:p>
-                  </a:txBody>
-                  <a:tcPr anchor="ctr">
-                    <a:solidFill>
-                      <a:srgbClr val="E9EDF4"/>
-                    </a:solidFill>
-                  </a:tcPr>
-                </a:tc>
-                <a:tc>
-                  <a:txBody>
-                    <a:bodyPr/>
-                    <a:lstStyle/>
-                    <a:p>
-                      <a:pPr marL="0" indent="0" algn="l" latinLnBrk="1">
-                        <a:lnSpc>
-                          <a:spcPct val="100000"/>
-                        </a:lnSpc>
-                        <a:buNone/>
-                      </a:pPr>
-                      <a:r>
-                        <a:rPr lang="ko-KR" altLang="en-US" sz="1200" b="0" dirty="0">
-                          <a:solidFill>
-                            <a:schemeClr val="tx1"/>
-                          </a:solidFill>
-                          <a:latin typeface="타이포_쌍문동 B" panose="02020803020101020101" pitchFamily="18" charset="-127"/>
-                          <a:ea typeface="타이포_쌍문동 B" panose="02020803020101020101" pitchFamily="18" charset="-127"/>
-                        </a:rPr>
-                        <a:t>개발에 필요한 이미지 리소스 편집 완료</a:t>
-                      </a:r>
-                      <a:r>
-                        <a:rPr lang="en-US" altLang="ko-KR" sz="1200" b="0" dirty="0">
-                          <a:solidFill>
-                            <a:schemeClr val="tx1"/>
-                          </a:solidFill>
-                          <a:latin typeface="타이포_쌍문동 B" panose="02020803020101020101" pitchFamily="18" charset="-127"/>
-                          <a:ea typeface="타이포_쌍문동 B" panose="02020803020101020101" pitchFamily="18" charset="-127"/>
-                        </a:rPr>
-                        <a:t>, </a:t>
-                      </a:r>
-                      <a:r>
-                        <a:rPr lang="ko-KR" altLang="en-US" sz="1200" b="0" dirty="0">
-                          <a:solidFill>
-                            <a:schemeClr val="tx1"/>
-                          </a:solidFill>
-                          <a:latin typeface="타이포_쌍문동 B" panose="02020803020101020101" pitchFamily="18" charset="-127"/>
-                          <a:ea typeface="타이포_쌍문동 B" panose="02020803020101020101" pitchFamily="18" charset="-127"/>
-                        </a:rPr>
-                        <a:t>사운드 수집 완료</a:t>
-                      </a:r>
-                      <a:r>
-                        <a:rPr lang="en-US" altLang="ko-KR" sz="1200" b="0" dirty="0">
-                          <a:solidFill>
-                            <a:schemeClr val="tx1"/>
-                          </a:solidFill>
-                          <a:latin typeface="타이포_쌍문동 B" panose="02020803020101020101" pitchFamily="18" charset="-127"/>
-                          <a:ea typeface="타이포_쌍문동 B" panose="02020803020101020101" pitchFamily="18" charset="-127"/>
-                        </a:rPr>
-                        <a:t>, </a:t>
-                      </a:r>
-                    </a:p>
-                    <a:p>
-                      <a:pPr marL="0" indent="0" algn="l" latinLnBrk="1">
-                        <a:lnSpc>
-                          <a:spcPct val="100000"/>
-                        </a:lnSpc>
-                        <a:buNone/>
-                      </a:pPr>
-                      <a:r>
-                        <a:rPr lang="ko-KR" altLang="en-US" sz="1200" b="0" dirty="0">
-                          <a:solidFill>
-                            <a:schemeClr val="tx1"/>
-                          </a:solidFill>
-                          <a:latin typeface="타이포_쌍문동 B" panose="02020803020101020101" pitchFamily="18" charset="-127"/>
-                          <a:ea typeface="타이포_쌍문동 B" panose="02020803020101020101" pitchFamily="18" charset="-127"/>
-                        </a:rPr>
-                        <a:t>게임 프레임워크 완성</a:t>
-                      </a:r>
-                    </a:p>
-                  </a:txBody>
-                  <a:tcPr anchor="ctr">
-                    <a:solidFill>
-                      <a:srgbClr val="E9EDF4"/>
-                    </a:solidFill>
-                  </a:tcPr>
-                </a:tc>
-                <a:extLst>
-                  <a:ext uri="{0D108BD9-81ED-4DB2-BD59-A6C34878D82A}">
-                    <a16:rowId xmlns:a16="http://schemas.microsoft.com/office/drawing/2014/main" val="1620706052"/>
-                  </a:ext>
-                </a:extLst>
-              </a:tr>
-              <a:tr h="228600">
-                <a:tc rowSpan="2">
-                  <a:txBody>
-                    <a:bodyPr/>
-                    <a:lstStyle/>
-                    <a:p>
-                      <a:pPr algn="ctr" latinLnBrk="1">
-                        <a:lnSpc>
-                          <a:spcPct val="100000"/>
-                        </a:lnSpc>
-                      </a:pPr>
-                      <a:r>
-                        <a:rPr lang="en-US" altLang="ko-KR" sz="1200" b="0" dirty="0">
-                          <a:solidFill>
-                            <a:schemeClr val="tx1"/>
-                          </a:solidFill>
-                          <a:latin typeface="타이포_쌍문동 B" panose="02020803020101020101" pitchFamily="18" charset="-127"/>
-                          <a:ea typeface="타이포_쌍문동 B" panose="02020803020101020101" pitchFamily="18" charset="-127"/>
-                        </a:rPr>
-                        <a:t>2</a:t>
-                      </a:r>
-                      <a:r>
-                        <a:rPr lang="ko-KR" altLang="en-US" sz="1200" b="0" dirty="0">
-                          <a:solidFill>
-                            <a:schemeClr val="tx1"/>
-                          </a:solidFill>
-                          <a:latin typeface="타이포_쌍문동 B" panose="02020803020101020101" pitchFamily="18" charset="-127"/>
-                          <a:ea typeface="타이포_쌍문동 B" panose="02020803020101020101" pitchFamily="18" charset="-127"/>
-                        </a:rPr>
-                        <a:t>주</a:t>
-                      </a:r>
-                      <a:endParaRPr lang="en-US" altLang="ko-KR" sz="1200" b="0" dirty="0">
+                        <a:t>Week of Oct 21</a:t>
+                      </a:r>
+                      <a:endParaRPr lang="ko-KR" altLang="en-US" sz="1400" b="0" dirty="0">
                         <a:solidFill>
                           <a:schemeClr val="tx1"/>
                         </a:solidFill>
@@ -7469,70 +7956,16 @@
                         </a:lnSpc>
                       </a:pPr>
                       <a:r>
-                        <a:rPr lang="ko-KR" altLang="en-US" sz="1200" b="0" dirty="0">
+                        <a:rPr lang="en-US" altLang="ko-KR" sz="1400" b="0" dirty="0">
                           <a:solidFill>
                             <a:schemeClr val="tx1"/>
                           </a:solidFill>
                           <a:latin typeface="타이포_쌍문동 B" panose="02020803020101020101" pitchFamily="18" charset="-127"/>
                           <a:ea typeface="타이포_쌍문동 B" panose="02020803020101020101" pitchFamily="18" charset="-127"/>
                         </a:rPr>
-                        <a:t>계획</a:t>
-                      </a:r>
-                    </a:p>
-                  </a:txBody>
-                  <a:tcPr anchor="ctr">
-                    <a:solidFill>
-                      <a:srgbClr val="D0D8E8"/>
-                    </a:solidFill>
-                  </a:tcPr>
-                </a:tc>
-                <a:tc>
-                  <a:txBody>
-                    <a:bodyPr/>
-                    <a:lstStyle/>
-                    <a:p>
-                      <a:pPr marL="228600" indent="-228600" algn="l" latinLnBrk="1">
-                        <a:lnSpc>
-                          <a:spcPct val="100000"/>
-                        </a:lnSpc>
-                        <a:buAutoNum type="arabicPeriod"/>
-                      </a:pPr>
-                      <a:r>
-                        <a:rPr lang="ko-KR" altLang="en-US" sz="1200" b="0" dirty="0">
-                          <a:solidFill>
-                            <a:schemeClr val="tx1"/>
-                          </a:solidFill>
-                          <a:latin typeface="타이포_쌍문동 B" panose="02020803020101020101" pitchFamily="18" charset="-127"/>
-                          <a:ea typeface="타이포_쌍문동 B" panose="02020803020101020101" pitchFamily="18" charset="-127"/>
-                        </a:rPr>
-                        <a:t>스테이지 구성</a:t>
-                      </a:r>
-                      <a:endParaRPr lang="en-US" altLang="ko-KR" sz="1200" b="0" dirty="0">
-                        <a:solidFill>
-                          <a:schemeClr val="tx1"/>
-                        </a:solidFill>
-                        <a:latin typeface="타이포_쌍문동 B" panose="02020803020101020101" pitchFamily="18" charset="-127"/>
-                        <a:ea typeface="타이포_쌍문동 B" panose="02020803020101020101" pitchFamily="18" charset="-127"/>
-                      </a:endParaRPr>
-                    </a:p>
-                    <a:p>
-                      <a:pPr marL="228600" indent="-228600" algn="l" latinLnBrk="1">
-                        <a:lnSpc>
-                          <a:spcPct val="100000"/>
-                        </a:lnSpc>
-                        <a:buAutoNum type="arabicPeriod"/>
-                      </a:pPr>
-                      <a:r>
-                        <a:rPr lang="ko-KR" altLang="en-US" sz="1200" b="0" dirty="0">
-                          <a:solidFill>
-                            <a:schemeClr val="tx1"/>
-                          </a:solidFill>
-                          <a:latin typeface="타이포_쌍문동 B" panose="02020803020101020101" pitchFamily="18" charset="-127"/>
-                          <a:ea typeface="타이포_쌍문동 B" panose="02020803020101020101" pitchFamily="18" charset="-127"/>
-                        </a:rPr>
-                        <a:t>스테이지 타일 깔기</a:t>
-                      </a:r>
-                      <a:endParaRPr lang="en-US" altLang="ko-KR" sz="1200" b="0" dirty="0">
+                        <a:t>19</a:t>
+                      </a:r>
+                      <a:endParaRPr lang="ko-KR" altLang="en-US" sz="1400" b="0" dirty="0">
                         <a:solidFill>
                           <a:schemeClr val="tx1"/>
                         </a:solidFill>
@@ -7549,161 +7982,7 @@
                 </a:tc>
                 <a:extLst>
                   <a:ext uri="{0D108BD9-81ED-4DB2-BD59-A6C34878D82A}">
-                    <a16:rowId xmlns:a16="http://schemas.microsoft.com/office/drawing/2014/main" val="3169628197"/>
-                  </a:ext>
-                </a:extLst>
-              </a:tr>
-              <a:tr h="228600">
-                <a:tc vMerge="1">
-                  <a:txBody>
-                    <a:bodyPr/>
-                    <a:lstStyle/>
-                    <a:p>
-                      <a:pPr latinLnBrk="1"/>
-                      <a:endParaRPr lang="ko-KR" altLang="en-US"/>
-                    </a:p>
-                  </a:txBody>
-                  <a:tcPr/>
-                </a:tc>
-                <a:tc>
-                  <a:txBody>
-                    <a:bodyPr/>
-                    <a:lstStyle/>
-                    <a:p>
-                      <a:pPr algn="ctr" latinLnBrk="1">
-                        <a:lnSpc>
-                          <a:spcPct val="100000"/>
-                        </a:lnSpc>
-                      </a:pPr>
-                      <a:r>
-                        <a:rPr lang="ko-KR" altLang="en-US" sz="1200" b="0" dirty="0">
-                          <a:solidFill>
-                            <a:schemeClr val="tx1"/>
-                          </a:solidFill>
-                          <a:latin typeface="타이포_쌍문동 B" panose="02020803020101020101" pitchFamily="18" charset="-127"/>
-                          <a:ea typeface="타이포_쌍문동 B" panose="02020803020101020101" pitchFamily="18" charset="-127"/>
-                        </a:rPr>
-                        <a:t>결과</a:t>
-                      </a:r>
-                      <a:r>
-                        <a:rPr lang="en-US" altLang="ko-KR" sz="1200" b="0" dirty="0">
-                          <a:solidFill>
-                            <a:schemeClr val="tx1"/>
-                          </a:solidFill>
-                          <a:latin typeface="타이포_쌍문동 B" panose="02020803020101020101" pitchFamily="18" charset="-127"/>
-                          <a:ea typeface="타이포_쌍문동 B" panose="02020803020101020101" pitchFamily="18" charset="-127"/>
-                        </a:rPr>
-                        <a:t>(100%)</a:t>
-                      </a:r>
-                      <a:endParaRPr lang="ko-KR" altLang="en-US" sz="1200" b="0" dirty="0">
-                        <a:solidFill>
-                          <a:schemeClr val="tx1"/>
-                        </a:solidFill>
-                        <a:latin typeface="타이포_쌍문동 B" panose="02020803020101020101" pitchFamily="18" charset="-127"/>
-                        <a:ea typeface="타이포_쌍문동 B" panose="02020803020101020101" pitchFamily="18" charset="-127"/>
-                      </a:endParaRPr>
-                    </a:p>
-                  </a:txBody>
-                  <a:tcPr anchor="ctr">
-                    <a:solidFill>
-                      <a:srgbClr val="D0D8E8"/>
-                    </a:solidFill>
-                  </a:tcPr>
-                </a:tc>
-                <a:tc>
-                  <a:txBody>
-                    <a:bodyPr/>
-                    <a:lstStyle/>
-                    <a:p>
-                      <a:pPr marL="0" indent="0" algn="l" latinLnBrk="1">
-                        <a:lnSpc>
-                          <a:spcPct val="100000"/>
-                        </a:lnSpc>
-                        <a:buNone/>
-                      </a:pPr>
-                      <a:r>
-                        <a:rPr lang="ko-KR" altLang="en-US" sz="1200" b="0" dirty="0">
-                          <a:solidFill>
-                            <a:schemeClr val="tx1"/>
-                          </a:solidFill>
-                          <a:latin typeface="타이포_쌍문동 B" panose="02020803020101020101" pitchFamily="18" charset="-127"/>
-                          <a:ea typeface="타이포_쌍문동 B" panose="02020803020101020101" pitchFamily="18" charset="-127"/>
-                        </a:rPr>
-                        <a:t>스테이지 구성 및 </a:t>
-                      </a:r>
-                      <a:r>
-                        <a:rPr lang="ko-KR" altLang="en-US" sz="1200" b="0" dirty="0" err="1">
-                          <a:solidFill>
-                            <a:schemeClr val="tx1"/>
-                          </a:solidFill>
-                          <a:latin typeface="타이포_쌍문동 B" panose="02020803020101020101" pitchFamily="18" charset="-127"/>
-                          <a:ea typeface="타이포_쌍문동 B" panose="02020803020101020101" pitchFamily="18" charset="-127"/>
-                        </a:rPr>
-                        <a:t>타일맵</a:t>
-                      </a:r>
-                      <a:r>
-                        <a:rPr lang="ko-KR" altLang="en-US" sz="1200" b="0" dirty="0">
-                          <a:solidFill>
-                            <a:schemeClr val="tx1"/>
-                          </a:solidFill>
-                          <a:latin typeface="타이포_쌍문동 B" panose="02020803020101020101" pitchFamily="18" charset="-127"/>
-                          <a:ea typeface="타이포_쌍문동 B" panose="02020803020101020101" pitchFamily="18" charset="-127"/>
-                        </a:rPr>
-                        <a:t> 완성</a:t>
-                      </a:r>
-                      <a:r>
-                        <a:rPr lang="en-US" altLang="ko-KR" sz="1200" b="0" dirty="0">
-                          <a:solidFill>
-                            <a:schemeClr val="tx1"/>
-                          </a:solidFill>
-                          <a:latin typeface="타이포_쌍문동 B" panose="02020803020101020101" pitchFamily="18" charset="-127"/>
-                          <a:ea typeface="타이포_쌍문동 B" panose="02020803020101020101" pitchFamily="18" charset="-127"/>
-                        </a:rPr>
-                        <a:t>, </a:t>
-                      </a:r>
-                      <a:r>
-                        <a:rPr lang="ko-KR" altLang="en-US" sz="1200" b="0" dirty="0">
-                          <a:solidFill>
-                            <a:schemeClr val="tx1"/>
-                          </a:solidFill>
-                          <a:latin typeface="타이포_쌍문동 B" panose="02020803020101020101" pitchFamily="18" charset="-127"/>
-                          <a:ea typeface="타이포_쌍문동 B" panose="02020803020101020101" pitchFamily="18" charset="-127"/>
-                        </a:rPr>
-                        <a:t>스크롤링 완성</a:t>
-                      </a:r>
-                      <a:endParaRPr lang="en-US" altLang="ko-KR" sz="1200" b="0" dirty="0">
-                        <a:solidFill>
-                          <a:schemeClr val="tx1"/>
-                        </a:solidFill>
-                        <a:latin typeface="타이포_쌍문동 B" panose="02020803020101020101" pitchFamily="18" charset="-127"/>
-                        <a:ea typeface="타이포_쌍문동 B" panose="02020803020101020101" pitchFamily="18" charset="-127"/>
-                      </a:endParaRPr>
-                    </a:p>
-                    <a:p>
-                      <a:pPr marL="0" indent="0" algn="l" latinLnBrk="1">
-                        <a:lnSpc>
-                          <a:spcPct val="100000"/>
-                        </a:lnSpc>
-                        <a:buNone/>
-                      </a:pPr>
-                      <a:endParaRPr lang="en-US" altLang="ko-KR" sz="1200" b="0" dirty="0">
-                        <a:solidFill>
-                          <a:schemeClr val="tx1"/>
-                        </a:solidFill>
-                        <a:latin typeface="타이포_쌍문동 B" panose="02020803020101020101" pitchFamily="18" charset="-127"/>
-                        <a:ea typeface="타이포_쌍문동 B" panose="02020803020101020101" pitchFamily="18" charset="-127"/>
-                      </a:endParaRPr>
-                    </a:p>
-                  </a:txBody>
-                  <a:tcPr anchor="ctr">
-                    <a:solidFill>
-                      <a:srgbClr val="D0D8E8"/>
-                    </a:solidFill>
-                  </a:tcPr>
-                </a:tc>
-                <a:extLst>
-                  <a:ext uri="{0D108BD9-81ED-4DB2-BD59-A6C34878D82A}">
-                    <a16:rowId xmlns:a16="http://schemas.microsoft.com/office/drawing/2014/main" val="590779498"/>
+                    <a16:rowId xmlns:a16="http://schemas.microsoft.com/office/drawing/2014/main" val="1167759108"/>
                   </a:ext>
                 </a:extLst>
               </a:tr>
@@ -7719,364 +7998,16 @@
                         </a:lnSpc>
                       </a:pPr>
                       <a:r>
-                        <a:rPr lang="en-US" altLang="ko-KR" sz="1200" b="0" dirty="0">
+                        <a:rPr lang="en-US" altLang="ko-KR" sz="1400" b="0" dirty="0">
                           <a:solidFill>
                             <a:schemeClr val="tx1"/>
                           </a:solidFill>
                           <a:latin typeface="타이포_쌍문동 B" panose="02020803020101020101" pitchFamily="18" charset="-127"/>
                           <a:ea typeface="타이포_쌍문동 B" panose="02020803020101020101" pitchFamily="18" charset="-127"/>
                         </a:rPr>
-                        <a:t>3</a:t>
-                      </a:r>
-                      <a:r>
-                        <a:rPr lang="ko-KR" altLang="en-US" sz="1200" b="0" dirty="0">
-                          <a:solidFill>
-                            <a:schemeClr val="tx1"/>
-                          </a:solidFill>
-                          <a:latin typeface="타이포_쌍문동 B" panose="02020803020101020101" pitchFamily="18" charset="-127"/>
-                          <a:ea typeface="타이포_쌍문동 B" panose="02020803020101020101" pitchFamily="18" charset="-127"/>
-                        </a:rPr>
-                        <a:t>주</a:t>
-                      </a:r>
-                    </a:p>
-                  </a:txBody>
-                  <a:tcPr anchor="ctr"/>
-                </a:tc>
-                <a:tc>
-                  <a:txBody>
-                    <a:bodyPr/>
-                    <a:lstStyle/>
-                    <a:p>
-                      <a:pPr algn="ctr" latinLnBrk="1">
-                        <a:lnSpc>
-                          <a:spcPct val="100000"/>
-                        </a:lnSpc>
-                      </a:pPr>
-                      <a:r>
-                        <a:rPr lang="ko-KR" altLang="en-US" sz="1200" b="0" dirty="0">
-                          <a:solidFill>
-                            <a:schemeClr val="tx1"/>
-                          </a:solidFill>
-                          <a:latin typeface="타이포_쌍문동 B" panose="02020803020101020101" pitchFamily="18" charset="-127"/>
-                          <a:ea typeface="타이포_쌍문동 B" panose="02020803020101020101" pitchFamily="18" charset="-127"/>
-                        </a:rPr>
-                        <a:t>계획</a:t>
-                      </a:r>
-                    </a:p>
-                  </a:txBody>
-                  <a:tcPr anchor="ctr"/>
-                </a:tc>
-                <a:tc>
-                  <a:txBody>
-                    <a:bodyPr/>
-                    <a:lstStyle/>
-                    <a:p>
-                      <a:pPr marL="228600" indent="-228600" algn="l" latinLnBrk="1">
-                        <a:lnSpc>
-                          <a:spcPct val="100000"/>
-                        </a:lnSpc>
-                        <a:buAutoNum type="arabicPeriod"/>
-                      </a:pPr>
-                      <a:r>
-                        <a:rPr lang="ko-KR" altLang="en-US" sz="1200" b="0" dirty="0" err="1">
-                          <a:solidFill>
-                            <a:schemeClr val="tx1"/>
-                          </a:solidFill>
-                          <a:latin typeface="타이포_쌍문동 B" panose="02020803020101020101" pitchFamily="18" charset="-127"/>
-                          <a:ea typeface="타이포_쌍문동 B" panose="02020803020101020101" pitchFamily="18" charset="-127"/>
-                        </a:rPr>
-                        <a:t>브로</a:t>
-                      </a:r>
-                      <a:r>
-                        <a:rPr lang="ko-KR" altLang="en-US" sz="1200" b="0" dirty="0">
-                          <a:solidFill>
-                            <a:schemeClr val="tx1"/>
-                          </a:solidFill>
-                          <a:latin typeface="타이포_쌍문동 B" panose="02020803020101020101" pitchFamily="18" charset="-127"/>
-                          <a:ea typeface="타이포_쌍문동 B" panose="02020803020101020101" pitchFamily="18" charset="-127"/>
-                        </a:rPr>
-                        <a:t> 이동 및 이펙트 구현 </a:t>
-                      </a:r>
-                      <a:r>
-                        <a:rPr lang="en-US" altLang="ko-KR" sz="1200" b="0" dirty="0">
-                          <a:solidFill>
-                            <a:schemeClr val="tx1"/>
-                          </a:solidFill>
-                          <a:latin typeface="타이포_쌍문동 B" panose="02020803020101020101" pitchFamily="18" charset="-127"/>
-                          <a:ea typeface="타이포_쌍문동 B" panose="02020803020101020101" pitchFamily="18" charset="-127"/>
-                        </a:rPr>
-                        <a:t>(</a:t>
-                      </a:r>
-                      <a:r>
-                        <a:rPr lang="ko-KR" altLang="en-US" sz="1200" b="0" dirty="0">
-                          <a:solidFill>
-                            <a:schemeClr val="tx1"/>
-                          </a:solidFill>
-                          <a:latin typeface="타이포_쌍문동 B" panose="02020803020101020101" pitchFamily="18" charset="-127"/>
-                          <a:ea typeface="타이포_쌍문동 B" panose="02020803020101020101" pitchFamily="18" charset="-127"/>
-                        </a:rPr>
-                        <a:t>이동</a:t>
-                      </a:r>
-                      <a:r>
-                        <a:rPr lang="en-US" altLang="ko-KR" sz="1200" b="0" dirty="0">
-                          <a:solidFill>
-                            <a:schemeClr val="tx1"/>
-                          </a:solidFill>
-                          <a:latin typeface="타이포_쌍문동 B" panose="02020803020101020101" pitchFamily="18" charset="-127"/>
-                          <a:ea typeface="타이포_쌍문동 B" panose="02020803020101020101" pitchFamily="18" charset="-127"/>
-                        </a:rPr>
-                        <a:t>, </a:t>
-                      </a:r>
-                      <a:r>
-                        <a:rPr lang="ko-KR" altLang="en-US" sz="1200" b="0" dirty="0">
-                          <a:solidFill>
-                            <a:schemeClr val="tx1"/>
-                          </a:solidFill>
-                          <a:latin typeface="타이포_쌍문동 B" panose="02020803020101020101" pitchFamily="18" charset="-127"/>
-                          <a:ea typeface="타이포_쌍문동 B" panose="02020803020101020101" pitchFamily="18" charset="-127"/>
-                        </a:rPr>
-                        <a:t>점프</a:t>
-                      </a:r>
-                      <a:r>
-                        <a:rPr lang="en-US" altLang="ko-KR" sz="1200" b="0" dirty="0">
-                          <a:solidFill>
-                            <a:schemeClr val="tx1"/>
-                          </a:solidFill>
-                          <a:latin typeface="타이포_쌍문동 B" panose="02020803020101020101" pitchFamily="18" charset="-127"/>
-                          <a:ea typeface="타이포_쌍문동 B" panose="02020803020101020101" pitchFamily="18" charset="-127"/>
-                        </a:rPr>
-                        <a:t>, </a:t>
-                      </a:r>
-                      <a:r>
-                        <a:rPr lang="ko-KR" altLang="en-US" sz="1200" b="0" dirty="0">
-                          <a:solidFill>
-                            <a:schemeClr val="tx1"/>
-                          </a:solidFill>
-                          <a:latin typeface="타이포_쌍문동 B" panose="02020803020101020101" pitchFamily="18" charset="-127"/>
-                          <a:ea typeface="타이포_쌍문동 B" panose="02020803020101020101" pitchFamily="18" charset="-127"/>
-                        </a:rPr>
-                        <a:t>사다리</a:t>
-                      </a:r>
-                      <a:r>
-                        <a:rPr lang="en-US" altLang="ko-KR" sz="1200" b="0" dirty="0">
-                          <a:solidFill>
-                            <a:schemeClr val="tx1"/>
-                          </a:solidFill>
-                          <a:latin typeface="타이포_쌍문동 B" panose="02020803020101020101" pitchFamily="18" charset="-127"/>
-                          <a:ea typeface="타이포_쌍문동 B" panose="02020803020101020101" pitchFamily="18" charset="-127"/>
-                        </a:rPr>
-                        <a:t>, </a:t>
-                      </a:r>
-                      <a:r>
-                        <a:rPr lang="ko-KR" altLang="en-US" sz="1200" b="0" dirty="0">
-                          <a:solidFill>
-                            <a:schemeClr val="tx1"/>
-                          </a:solidFill>
-                          <a:latin typeface="타이포_쌍문동 B" panose="02020803020101020101" pitchFamily="18" charset="-127"/>
-                          <a:ea typeface="타이포_쌍문동 B" panose="02020803020101020101" pitchFamily="18" charset="-127"/>
-                        </a:rPr>
-                        <a:t>벽 타기</a:t>
-                      </a:r>
-                      <a:r>
-                        <a:rPr lang="en-US" altLang="ko-KR" sz="1200" b="0" dirty="0">
-                          <a:solidFill>
-                            <a:schemeClr val="tx1"/>
-                          </a:solidFill>
-                          <a:latin typeface="타이포_쌍문동 B" panose="02020803020101020101" pitchFamily="18" charset="-127"/>
-                          <a:ea typeface="타이포_쌍문동 B" panose="02020803020101020101" pitchFamily="18" charset="-127"/>
-                        </a:rPr>
-                        <a:t>)</a:t>
-                      </a:r>
-                    </a:p>
-                    <a:p>
-                      <a:pPr marL="228600" indent="-228600" algn="l" latinLnBrk="1">
-                        <a:lnSpc>
-                          <a:spcPct val="100000"/>
-                        </a:lnSpc>
-                        <a:buAutoNum type="arabicPeriod"/>
-                      </a:pPr>
-                      <a:r>
-                        <a:rPr lang="ko-KR" altLang="en-US" sz="1200" b="0" dirty="0" err="1">
-                          <a:solidFill>
-                            <a:schemeClr val="tx1"/>
-                          </a:solidFill>
-                          <a:latin typeface="타이포_쌍문동 B" panose="02020803020101020101" pitchFamily="18" charset="-127"/>
-                          <a:ea typeface="타이포_쌍문동 B" panose="02020803020101020101" pitchFamily="18" charset="-127"/>
-                        </a:rPr>
-                        <a:t>브로</a:t>
-                      </a:r>
-                      <a:r>
-                        <a:rPr lang="ko-KR" altLang="en-US" sz="1200" b="0" dirty="0">
-                          <a:solidFill>
-                            <a:schemeClr val="tx1"/>
-                          </a:solidFill>
-                          <a:latin typeface="타이포_쌍문동 B" panose="02020803020101020101" pitchFamily="18" charset="-127"/>
-                          <a:ea typeface="타이포_쌍문동 B" panose="02020803020101020101" pitchFamily="18" charset="-127"/>
-                        </a:rPr>
-                        <a:t> 공격 및 이펙트 구현 </a:t>
-                      </a:r>
-                      <a:r>
-                        <a:rPr lang="en-US" altLang="ko-KR" sz="1200" b="0" dirty="0">
-                          <a:solidFill>
-                            <a:schemeClr val="tx1"/>
-                          </a:solidFill>
-                          <a:latin typeface="타이포_쌍문동 B" panose="02020803020101020101" pitchFamily="18" charset="-127"/>
-                          <a:ea typeface="타이포_쌍문동 B" panose="02020803020101020101" pitchFamily="18" charset="-127"/>
-                        </a:rPr>
-                        <a:t>(</a:t>
-                      </a:r>
-                      <a:r>
-                        <a:rPr lang="ko-KR" altLang="en-US" sz="1200" b="0" dirty="0">
-                          <a:solidFill>
-                            <a:schemeClr val="tx1"/>
-                          </a:solidFill>
-                          <a:latin typeface="타이포_쌍문동 B" panose="02020803020101020101" pitchFamily="18" charset="-127"/>
-                          <a:ea typeface="타이포_쌍문동 B" panose="02020803020101020101" pitchFamily="18" charset="-127"/>
-                        </a:rPr>
-                        <a:t>총</a:t>
-                      </a:r>
-                      <a:r>
-                        <a:rPr lang="en-US" altLang="ko-KR" sz="1200" b="0" dirty="0">
-                          <a:solidFill>
-                            <a:schemeClr val="tx1"/>
-                          </a:solidFill>
-                          <a:latin typeface="타이포_쌍문동 B" panose="02020803020101020101" pitchFamily="18" charset="-127"/>
-                          <a:ea typeface="타이포_쌍문동 B" panose="02020803020101020101" pitchFamily="18" charset="-127"/>
-                        </a:rPr>
-                        <a:t>, </a:t>
-                      </a:r>
-                      <a:r>
-                        <a:rPr lang="ko-KR" altLang="en-US" sz="1200" b="0" dirty="0">
-                          <a:solidFill>
-                            <a:schemeClr val="tx1"/>
-                          </a:solidFill>
-                          <a:latin typeface="타이포_쌍문동 B" panose="02020803020101020101" pitchFamily="18" charset="-127"/>
-                          <a:ea typeface="타이포_쌍문동 B" panose="02020803020101020101" pitchFamily="18" charset="-127"/>
-                        </a:rPr>
-                        <a:t>수류탄</a:t>
-                      </a:r>
-                      <a:r>
-                        <a:rPr lang="en-US" altLang="ko-KR" sz="1200" b="0" dirty="0">
-                          <a:solidFill>
-                            <a:schemeClr val="tx1"/>
-                          </a:solidFill>
-                          <a:latin typeface="타이포_쌍문동 B" panose="02020803020101020101" pitchFamily="18" charset="-127"/>
-                          <a:ea typeface="타이포_쌍문동 B" panose="02020803020101020101" pitchFamily="18" charset="-127"/>
-                        </a:rPr>
-                        <a:t>)</a:t>
-                      </a:r>
-                    </a:p>
-                    <a:p>
-                      <a:pPr marL="228600" indent="-228600" algn="l" latinLnBrk="1">
-                        <a:lnSpc>
-                          <a:spcPct val="100000"/>
-                        </a:lnSpc>
-                        <a:buAutoNum type="arabicPeriod"/>
-                      </a:pPr>
-                      <a:r>
-                        <a:rPr lang="ko-KR" altLang="en-US" sz="1200" b="0" dirty="0" err="1">
-                          <a:solidFill>
-                            <a:schemeClr val="tx1"/>
-                          </a:solidFill>
-                          <a:latin typeface="타이포_쌍문동 B" panose="02020803020101020101" pitchFamily="18" charset="-127"/>
-                          <a:ea typeface="타이포_쌍문동 B" panose="02020803020101020101" pitchFamily="18" charset="-127"/>
-                        </a:rPr>
-                        <a:t>브로</a:t>
-                      </a:r>
-                      <a:r>
-                        <a:rPr lang="ko-KR" altLang="en-US" sz="1200" b="0" dirty="0">
-                          <a:solidFill>
-                            <a:schemeClr val="tx1"/>
-                          </a:solidFill>
-                          <a:latin typeface="타이포_쌍문동 B" panose="02020803020101020101" pitchFamily="18" charset="-127"/>
-                          <a:ea typeface="타이포_쌍문동 B" panose="02020803020101020101" pitchFamily="18" charset="-127"/>
-                        </a:rPr>
-                        <a:t> 충돌처리 구현</a:t>
-                      </a:r>
-                    </a:p>
-                  </a:txBody>
-                  <a:tcPr anchor="ctr">
-                    <a:solidFill>
-                      <a:srgbClr val="E9EDF4"/>
-                    </a:solidFill>
-                  </a:tcPr>
-                </a:tc>
-                <a:extLst>
-                  <a:ext uri="{0D108BD9-81ED-4DB2-BD59-A6C34878D82A}">
-                    <a16:rowId xmlns:a16="http://schemas.microsoft.com/office/drawing/2014/main" val="1342618788"/>
-                  </a:ext>
-                </a:extLst>
-              </a:tr>
-              <a:tr h="360000">
-                <a:tc>
-                  <a:txBody>
-                    <a:bodyPr/>
-                    <a:lstStyle/>
-                    <a:p>
-                      <a:pPr algn="ctr" latinLnBrk="1">
-                        <a:lnSpc>
-                          <a:spcPct val="100000"/>
-                        </a:lnSpc>
-                      </a:pPr>
-                      <a:r>
-                        <a:rPr lang="en-US" altLang="ko-KR" sz="1200" b="0" dirty="0">
-                          <a:solidFill>
-                            <a:schemeClr val="tx1"/>
-                          </a:solidFill>
-                          <a:latin typeface="타이포_쌍문동 B" panose="02020803020101020101" pitchFamily="18" charset="-127"/>
-                          <a:ea typeface="타이포_쌍문동 B" panose="02020803020101020101" pitchFamily="18" charset="-127"/>
-                        </a:rPr>
-                        <a:t>4</a:t>
-                      </a:r>
-                      <a:r>
-                        <a:rPr lang="ko-KR" altLang="en-US" sz="1200" b="0" dirty="0">
-                          <a:solidFill>
-                            <a:schemeClr val="tx1"/>
-                          </a:solidFill>
-                          <a:latin typeface="타이포_쌍문동 B" panose="02020803020101020101" pitchFamily="18" charset="-127"/>
-                          <a:ea typeface="타이포_쌍문동 B" panose="02020803020101020101" pitchFamily="18" charset="-127"/>
-                        </a:rPr>
-                        <a:t>주</a:t>
-                      </a:r>
-                    </a:p>
-                  </a:txBody>
-                  <a:tcPr anchor="ctr">
-                    <a:solidFill>
-                      <a:srgbClr val="E9EDF4"/>
-                    </a:solidFill>
-                  </a:tcPr>
-                </a:tc>
-                <a:tc>
-                  <a:txBody>
-                    <a:bodyPr/>
-                    <a:lstStyle/>
-                    <a:p>
-                      <a:pPr algn="ctr" latinLnBrk="1">
-                        <a:lnSpc>
-                          <a:spcPct val="100000"/>
-                        </a:lnSpc>
-                      </a:pPr>
-                      <a:r>
-                        <a:rPr lang="ko-KR" altLang="en-US" sz="1200" b="0" dirty="0">
-                          <a:solidFill>
-                            <a:schemeClr val="tx1"/>
-                          </a:solidFill>
-                          <a:latin typeface="타이포_쌍문동 B" panose="02020803020101020101" pitchFamily="18" charset="-127"/>
-                          <a:ea typeface="타이포_쌍문동 B" panose="02020803020101020101" pitchFamily="18" charset="-127"/>
-                        </a:rPr>
-                        <a:t>결과</a:t>
-                      </a:r>
-                      <a:r>
-                        <a:rPr lang="en-US" altLang="ko-KR" sz="1200" b="0" dirty="0">
-                          <a:solidFill>
-                            <a:schemeClr val="tx1"/>
-                          </a:solidFill>
-                          <a:latin typeface="타이포_쌍문동 B" panose="02020803020101020101" pitchFamily="18" charset="-127"/>
-                          <a:ea typeface="타이포_쌍문동 B" panose="02020803020101020101" pitchFamily="18" charset="-127"/>
-                        </a:rPr>
-                        <a:t>(80%)</a:t>
-                      </a:r>
-                      <a:endParaRPr lang="ko-KR" altLang="en-US" sz="1200" b="0" dirty="0">
+                        <a:t>Week of Oct 28</a:t>
+                      </a:r>
+                      <a:endParaRPr lang="ko-KR" altLang="en-US" sz="1400" b="0" dirty="0">
                         <a:solidFill>
                           <a:schemeClr val="tx1"/>
                         </a:solidFill>
@@ -8096,180 +8027,28 @@
                     <a:bodyPr/>
                     <a:lstStyle/>
                     <a:p>
-                      <a:pPr marL="0" indent="0" algn="l" latinLnBrk="1">
+                      <a:pPr algn="ctr" latinLnBrk="1">
                         <a:lnSpc>
                           <a:spcPct val="100000"/>
                         </a:lnSpc>
-                        <a:buNone/>
                       </a:pPr>
                       <a:r>
-                        <a:rPr lang="ko-KR" altLang="en-US" sz="1200" b="0" dirty="0" err="1">
+                        <a:rPr lang="en-US" altLang="ko-KR" sz="1400" b="0" dirty="0">
                           <a:solidFill>
                             <a:schemeClr val="tx1"/>
                           </a:solidFill>
                           <a:latin typeface="타이포_쌍문동 B" panose="02020803020101020101" pitchFamily="18" charset="-127"/>
                           <a:ea typeface="타이포_쌍문동 B" panose="02020803020101020101" pitchFamily="18" charset="-127"/>
                         </a:rPr>
-                        <a:t>브로</a:t>
-                      </a:r>
-                      <a:r>
-                        <a:rPr lang="ko-KR" altLang="en-US" sz="1200" b="0" dirty="0">
-                          <a:solidFill>
-                            <a:schemeClr val="tx1"/>
-                          </a:solidFill>
-                          <a:latin typeface="타이포_쌍문동 B" panose="02020803020101020101" pitchFamily="18" charset="-127"/>
-                          <a:ea typeface="타이포_쌍문동 B" panose="02020803020101020101" pitchFamily="18" charset="-127"/>
-                        </a:rPr>
-                        <a:t> 이동 및 이펙트</a:t>
-                      </a:r>
-                      <a:r>
-                        <a:rPr lang="en-US" altLang="ko-KR" sz="1200" b="0" dirty="0">
-                          <a:solidFill>
-                            <a:schemeClr val="tx1"/>
-                          </a:solidFill>
-                          <a:latin typeface="타이포_쌍문동 B" panose="02020803020101020101" pitchFamily="18" charset="-127"/>
-                          <a:ea typeface="타이포_쌍문동 B" panose="02020803020101020101" pitchFamily="18" charset="-127"/>
-                        </a:rPr>
-                        <a:t>(</a:t>
-                      </a:r>
-                      <a:r>
-                        <a:rPr lang="ko-KR" altLang="en-US" sz="1200" b="0" dirty="0">
-                          <a:solidFill>
-                            <a:schemeClr val="tx1"/>
-                          </a:solidFill>
-                          <a:latin typeface="타이포_쌍문동 B" panose="02020803020101020101" pitchFamily="18" charset="-127"/>
-                          <a:ea typeface="타이포_쌍문동 B" panose="02020803020101020101" pitchFamily="18" charset="-127"/>
-                        </a:rPr>
-                        <a:t>달리기</a:t>
-                      </a:r>
-                      <a:r>
-                        <a:rPr lang="en-US" altLang="ko-KR" sz="1200" b="0" dirty="0">
-                          <a:solidFill>
-                            <a:schemeClr val="tx1"/>
-                          </a:solidFill>
-                          <a:latin typeface="타이포_쌍문동 B" panose="02020803020101020101" pitchFamily="18" charset="-127"/>
-                          <a:ea typeface="타이포_쌍문동 B" panose="02020803020101020101" pitchFamily="18" charset="-127"/>
-                        </a:rPr>
-                        <a:t>, </a:t>
-                      </a:r>
-                      <a:r>
-                        <a:rPr lang="ko-KR" altLang="en-US" sz="1200" b="0" dirty="0">
-                          <a:solidFill>
-                            <a:schemeClr val="tx1"/>
-                          </a:solidFill>
-                          <a:latin typeface="타이포_쌍문동 B" panose="02020803020101020101" pitchFamily="18" charset="-127"/>
-                          <a:ea typeface="타이포_쌍문동 B" panose="02020803020101020101" pitchFamily="18" charset="-127"/>
-                        </a:rPr>
-                        <a:t>점프</a:t>
-                      </a:r>
-                      <a:r>
-                        <a:rPr lang="en-US" altLang="ko-KR" sz="1200" b="0" dirty="0">
-                          <a:solidFill>
-                            <a:schemeClr val="tx1"/>
-                          </a:solidFill>
-                          <a:latin typeface="타이포_쌍문동 B" panose="02020803020101020101" pitchFamily="18" charset="-127"/>
-                          <a:ea typeface="타이포_쌍문동 B" panose="02020803020101020101" pitchFamily="18" charset="-127"/>
-                        </a:rPr>
-                        <a:t>, </a:t>
-                      </a:r>
-                      <a:r>
-                        <a:rPr lang="ko-KR" altLang="en-US" sz="1200" b="0" dirty="0">
-                          <a:solidFill>
-                            <a:schemeClr val="tx1"/>
-                          </a:solidFill>
-                          <a:latin typeface="타이포_쌍문동 B" panose="02020803020101020101" pitchFamily="18" charset="-127"/>
-                          <a:ea typeface="타이포_쌍문동 B" panose="02020803020101020101" pitchFamily="18" charset="-127"/>
-                        </a:rPr>
-                        <a:t>사다리 완료</a:t>
-                      </a:r>
-                      <a:r>
-                        <a:rPr lang="en-US" altLang="ko-KR" sz="1200" b="0" dirty="0">
-                          <a:solidFill>
-                            <a:schemeClr val="tx1"/>
-                          </a:solidFill>
-                          <a:latin typeface="타이포_쌍문동 B" panose="02020803020101020101" pitchFamily="18" charset="-127"/>
-                          <a:ea typeface="타이포_쌍문동 B" panose="02020803020101020101" pitchFamily="18" charset="-127"/>
-                        </a:rPr>
-                        <a:t>), </a:t>
-                      </a:r>
-                      <a:r>
-                        <a:rPr lang="ko-KR" altLang="en-US" sz="1200" b="0" dirty="0" err="1">
-                          <a:solidFill>
-                            <a:schemeClr val="tx1"/>
-                          </a:solidFill>
-                          <a:latin typeface="타이포_쌍문동 B" panose="02020803020101020101" pitchFamily="18" charset="-127"/>
-                          <a:ea typeface="타이포_쌍문동 B" panose="02020803020101020101" pitchFamily="18" charset="-127"/>
-                        </a:rPr>
-                        <a:t>브로</a:t>
-                      </a:r>
-                      <a:r>
-                        <a:rPr lang="ko-KR" altLang="en-US" sz="1200" b="0" dirty="0">
-                          <a:solidFill>
-                            <a:schemeClr val="tx1"/>
-                          </a:solidFill>
-                          <a:latin typeface="타이포_쌍문동 B" panose="02020803020101020101" pitchFamily="18" charset="-127"/>
-                          <a:ea typeface="타이포_쌍문동 B" panose="02020803020101020101" pitchFamily="18" charset="-127"/>
-                        </a:rPr>
-                        <a:t> 공격 및 이펙트</a:t>
-                      </a:r>
-                      <a:r>
-                        <a:rPr lang="en-US" altLang="ko-KR" sz="1200" b="0" dirty="0">
-                          <a:solidFill>
-                            <a:schemeClr val="tx1"/>
-                          </a:solidFill>
-                          <a:latin typeface="타이포_쌍문동 B" panose="02020803020101020101" pitchFamily="18" charset="-127"/>
-                          <a:ea typeface="타이포_쌍문동 B" panose="02020803020101020101" pitchFamily="18" charset="-127"/>
-                        </a:rPr>
-                        <a:t>(</a:t>
-                      </a:r>
-                      <a:r>
-                        <a:rPr lang="ko-KR" altLang="en-US" sz="1200" b="0" dirty="0">
-                          <a:solidFill>
-                            <a:schemeClr val="tx1"/>
-                          </a:solidFill>
-                          <a:latin typeface="타이포_쌍문동 B" panose="02020803020101020101" pitchFamily="18" charset="-127"/>
-                          <a:ea typeface="타이포_쌍문동 B" panose="02020803020101020101" pitchFamily="18" charset="-127"/>
-                        </a:rPr>
-                        <a:t>총 완료</a:t>
-                      </a:r>
-                      <a:r>
-                        <a:rPr lang="en-US" altLang="ko-KR" sz="1200" b="0" dirty="0">
-                          <a:solidFill>
-                            <a:schemeClr val="tx1"/>
-                          </a:solidFill>
-                          <a:latin typeface="타이포_쌍문동 B" panose="02020803020101020101" pitchFamily="18" charset="-127"/>
-                          <a:ea typeface="타이포_쌍문동 B" panose="02020803020101020101" pitchFamily="18" charset="-127"/>
-                        </a:rPr>
-                        <a:t>)</a:t>
-                      </a:r>
-                    </a:p>
-                    <a:p>
-                      <a:pPr marL="0" indent="0" algn="l" latinLnBrk="1">
-                        <a:lnSpc>
-                          <a:spcPct val="100000"/>
-                        </a:lnSpc>
-                        <a:buNone/>
-                      </a:pPr>
-                      <a:r>
-                        <a:rPr lang="ko-KR" altLang="en-US" sz="1200" b="0" dirty="0" err="1">
-                          <a:solidFill>
-                            <a:schemeClr val="tx1"/>
-                          </a:solidFill>
-                          <a:latin typeface="타이포_쌍문동 B" panose="02020803020101020101" pitchFamily="18" charset="-127"/>
-                          <a:ea typeface="타이포_쌍문동 B" panose="02020803020101020101" pitchFamily="18" charset="-127"/>
-                        </a:rPr>
-                        <a:t>브로</a:t>
-                      </a:r>
-                      <a:r>
-                        <a:rPr lang="ko-KR" altLang="en-US" sz="1200" b="0" dirty="0">
-                          <a:solidFill>
-                            <a:schemeClr val="tx1"/>
-                          </a:solidFill>
-                          <a:latin typeface="타이포_쌍문동 B" panose="02020803020101020101" pitchFamily="18" charset="-127"/>
-                          <a:ea typeface="타이포_쌍문동 B" panose="02020803020101020101" pitchFamily="18" charset="-127"/>
-                        </a:rPr>
-                        <a:t> 충돌처리 완료</a:t>
-                      </a:r>
+                        <a:t>14</a:t>
+                      </a:r>
+                      <a:endParaRPr lang="ko-KR" altLang="en-US" sz="1400" b="0" dirty="0">
+                        <a:solidFill>
+                          <a:schemeClr val="tx1"/>
+                        </a:solidFill>
+                        <a:latin typeface="타이포_쌍문동 B" panose="02020803020101020101" pitchFamily="18" charset="-127"/>
+                        <a:ea typeface="타이포_쌍문동 B" panose="02020803020101020101" pitchFamily="18" charset="-127"/>
+                      </a:endParaRPr>
                     </a:p>
                   </a:txBody>
                   <a:tcPr anchor="ctr">
@@ -8280,12 +8059,12 @@
                 </a:tc>
                 <a:extLst>
                   <a:ext uri="{0D108BD9-81ED-4DB2-BD59-A6C34878D82A}">
-                    <a16:rowId xmlns:a16="http://schemas.microsoft.com/office/drawing/2014/main" val="3924862933"/>
+                    <a16:rowId xmlns:a16="http://schemas.microsoft.com/office/drawing/2014/main" val="1653409717"/>
                   </a:ext>
                 </a:extLst>
               </a:tr>
-              <a:tr h="320040">
-                <a:tc rowSpan="2">
+              <a:tr h="360000">
+                <a:tc>
                   <a:txBody>
                     <a:bodyPr/>
                     <a:lstStyle/>
@@ -8296,32 +8075,25 @@
                         </a:lnSpc>
                       </a:pPr>
                       <a:r>
-                        <a:rPr lang="en-US" altLang="ko-KR" sz="1200" b="0" dirty="0">
+                        <a:rPr lang="en-US" altLang="ko-KR" sz="1400" b="0" dirty="0">
                           <a:solidFill>
                             <a:schemeClr val="tx1"/>
                           </a:solidFill>
                           <a:latin typeface="타이포_쌍문동 B" panose="02020803020101020101" pitchFamily="18" charset="-127"/>
                           <a:ea typeface="타이포_쌍문동 B" panose="02020803020101020101" pitchFamily="18" charset="-127"/>
                         </a:rPr>
-                        <a:t>5</a:t>
-                      </a:r>
-                      <a:r>
-                        <a:rPr lang="ko-KR" altLang="en-US" sz="1200" b="0" dirty="0">
-                          <a:solidFill>
-                            <a:schemeClr val="tx1"/>
-                          </a:solidFill>
-                          <a:latin typeface="타이포_쌍문동 B" panose="02020803020101020101" pitchFamily="18" charset="-127"/>
-                          <a:ea typeface="타이포_쌍문동 B" panose="02020803020101020101" pitchFamily="18" charset="-127"/>
-                        </a:rPr>
-                        <a:t>주</a:t>
-                      </a:r>
+                        <a:t>Week of Nov 4</a:t>
+                      </a:r>
+                      <a:endParaRPr lang="ko-KR" altLang="en-US" sz="1400" b="0" dirty="0">
+                        <a:solidFill>
+                          <a:schemeClr val="tx1"/>
+                        </a:solidFill>
+                        <a:latin typeface="타이포_쌍문동 B" panose="02020803020101020101" pitchFamily="18" charset="-127"/>
+                        <a:ea typeface="타이포_쌍문동 B" panose="02020803020101020101" pitchFamily="18" charset="-127"/>
+                      </a:endParaRPr>
                     </a:p>
                   </a:txBody>
-                  <a:tcPr anchor="ctr">
-                    <a:solidFill>
-                      <a:srgbClr val="D0D8E8"/>
-                    </a:solidFill>
-                  </a:tcPr>
+                  <a:tcPr anchor="ctr"/>
                 </a:tc>
                 <a:tc>
                   <a:txBody>
@@ -8334,75 +8106,16 @@
                         </a:lnSpc>
                       </a:pPr>
                       <a:r>
-                        <a:rPr lang="ko-KR" altLang="en-US" sz="1200" b="0" dirty="0">
+                        <a:rPr lang="en-US" altLang="ko-KR" sz="1400" b="0" dirty="0">
                           <a:solidFill>
                             <a:schemeClr val="tx1"/>
                           </a:solidFill>
                           <a:latin typeface="타이포_쌍문동 B" panose="02020803020101020101" pitchFamily="18" charset="-127"/>
                           <a:ea typeface="타이포_쌍문동 B" panose="02020803020101020101" pitchFamily="18" charset="-127"/>
                         </a:rPr>
-                        <a:t>계획</a:t>
-                      </a:r>
-                    </a:p>
-                  </a:txBody>
-                  <a:tcPr anchor="ctr">
-                    <a:solidFill>
-                      <a:srgbClr val="D0D8E8"/>
-                    </a:solidFill>
-                  </a:tcPr>
-                </a:tc>
-                <a:tc>
-                  <a:txBody>
-                    <a:bodyPr/>
-                    <a:lstStyle/>
-                    <a:p>
-                      <a:pPr marL="0" indent="0" algn="l" latinLnBrk="1">
-                        <a:lnSpc>
-                          <a:spcPct val="100000"/>
-                        </a:lnSpc>
-                        <a:buNone/>
-                      </a:pPr>
-                      <a:r>
-                        <a:rPr lang="en-US" altLang="ko-KR" sz="1200" b="0" dirty="0">
-                          <a:solidFill>
-                            <a:schemeClr val="tx1"/>
-                          </a:solidFill>
-                          <a:latin typeface="타이포_쌍문동 B" panose="02020803020101020101" pitchFamily="18" charset="-127"/>
-                          <a:ea typeface="타이포_쌍문동 B" panose="02020803020101020101" pitchFamily="18" charset="-127"/>
-                        </a:rPr>
-                        <a:t>1.  </a:t>
-                      </a:r>
-                      <a:r>
-                        <a:rPr lang="ko-KR" altLang="en-US" sz="1200" b="0" dirty="0">
-                          <a:solidFill>
-                            <a:schemeClr val="tx1"/>
-                          </a:solidFill>
-                          <a:latin typeface="타이포_쌍문동 B" panose="02020803020101020101" pitchFamily="18" charset="-127"/>
-                          <a:ea typeface="타이포_쌍문동 B" panose="02020803020101020101" pitchFamily="18" charset="-127"/>
-                        </a:rPr>
-                        <a:t>몬스터</a:t>
-                      </a:r>
-                      <a:r>
-                        <a:rPr lang="en-US" altLang="ko-KR" sz="1200" b="0" dirty="0">
-                          <a:solidFill>
-                            <a:schemeClr val="tx1"/>
-                          </a:solidFill>
-                          <a:latin typeface="타이포_쌍문동 B" panose="02020803020101020101" pitchFamily="18" charset="-127"/>
-                          <a:ea typeface="타이포_쌍문동 B" panose="02020803020101020101" pitchFamily="18" charset="-127"/>
-                        </a:rPr>
-                        <a:t>1 </a:t>
-                      </a:r>
-                      <a:r>
-                        <a:rPr lang="ko-KR" altLang="en-US" sz="1200" b="0" dirty="0">
-                          <a:solidFill>
-                            <a:schemeClr val="tx1"/>
-                          </a:solidFill>
-                          <a:latin typeface="타이포_쌍문동 B" panose="02020803020101020101" pitchFamily="18" charset="-127"/>
-                          <a:ea typeface="타이포_쌍문동 B" panose="02020803020101020101" pitchFamily="18" charset="-127"/>
-                        </a:rPr>
-                        <a:t>패턴 구현	</a:t>
-                      </a:r>
-                      <a:endParaRPr lang="en-US" altLang="ko-KR" sz="1200" b="0" dirty="0">
+                        <a:t>8</a:t>
+                      </a:r>
+                      <a:endParaRPr lang="ko-KR" altLang="en-US" sz="1400" b="0" dirty="0">
                         <a:solidFill>
                           <a:schemeClr val="tx1"/>
                         </a:solidFill>
@@ -8410,64 +8123,37 @@
                         <a:ea typeface="타이포_쌍문동 B" panose="02020803020101020101" pitchFamily="18" charset="-127"/>
                       </a:endParaRPr>
                     </a:p>
+                  </a:txBody>
+                  <a:tcPr anchor="ctr"/>
+                </a:tc>
+                <a:extLst>
+                  <a:ext uri="{0D108BD9-81ED-4DB2-BD59-A6C34878D82A}">
+                    <a16:rowId xmlns:a16="http://schemas.microsoft.com/office/drawing/2014/main" val="2255863625"/>
+                  </a:ext>
+                </a:extLst>
+              </a:tr>
+              <a:tr h="360000">
+                <a:tc>
+                  <a:txBody>
+                    <a:bodyPr/>
+                    <a:lstStyle/>
                     <a:p>
-                      <a:pPr marL="0" indent="0" algn="l" latinLnBrk="1">
+                      <a:pPr algn="ctr" latinLnBrk="1">
                         <a:lnSpc>
                           <a:spcPct val="100000"/>
                         </a:lnSpc>
-                        <a:buNone/>
                       </a:pPr>
                       <a:r>
-                        <a:rPr lang="en-US" altLang="ko-KR" sz="1200" b="0" dirty="0">
+                        <a:rPr lang="en-US" altLang="ko-KR" sz="1400" b="0" dirty="0">
                           <a:solidFill>
                             <a:schemeClr val="tx1"/>
                           </a:solidFill>
                           <a:latin typeface="타이포_쌍문동 B" panose="02020803020101020101" pitchFamily="18" charset="-127"/>
                           <a:ea typeface="타이포_쌍문동 B" panose="02020803020101020101" pitchFamily="18" charset="-127"/>
                         </a:rPr>
-                        <a:t>2.  </a:t>
-                      </a:r>
-                      <a:r>
-                        <a:rPr lang="ko-KR" altLang="en-US" sz="1200" b="0" dirty="0">
-                          <a:solidFill>
-                            <a:schemeClr val="tx1"/>
-                          </a:solidFill>
-                          <a:latin typeface="타이포_쌍문동 B" panose="02020803020101020101" pitchFamily="18" charset="-127"/>
-                          <a:ea typeface="타이포_쌍문동 B" panose="02020803020101020101" pitchFamily="18" charset="-127"/>
-                        </a:rPr>
-                        <a:t>몬스터 </a:t>
-                      </a:r>
-                      <a:r>
-                        <a:rPr lang="ko-KR" altLang="en-US" sz="1200" b="0" dirty="0" err="1">
-                          <a:solidFill>
-                            <a:schemeClr val="tx1"/>
-                          </a:solidFill>
-                          <a:latin typeface="타이포_쌍문동 B" panose="02020803020101020101" pitchFamily="18" charset="-127"/>
-                          <a:ea typeface="타이포_쌍문동 B" panose="02020803020101020101" pitchFamily="18" charset="-127"/>
-                        </a:rPr>
-                        <a:t>피격시</a:t>
-                      </a:r>
-                      <a:r>
-                        <a:rPr lang="ko-KR" altLang="en-US" sz="1200" b="0" dirty="0">
-                          <a:solidFill>
-                            <a:schemeClr val="tx1"/>
-                          </a:solidFill>
-                          <a:latin typeface="타이포_쌍문동 B" panose="02020803020101020101" pitchFamily="18" charset="-127"/>
-                          <a:ea typeface="타이포_쌍문동 B" panose="02020803020101020101" pitchFamily="18" charset="-127"/>
-                        </a:rPr>
-                        <a:t> </a:t>
-                      </a:r>
-                      <a:r>
-                        <a:rPr lang="ko-KR" altLang="en-US" sz="1200" b="0" dirty="0" err="1">
-                          <a:solidFill>
-                            <a:schemeClr val="tx1"/>
-                          </a:solidFill>
-                          <a:latin typeface="타이포_쌍문동 B" panose="02020803020101020101" pitchFamily="18" charset="-127"/>
-                          <a:ea typeface="타이포_쌍문동 B" panose="02020803020101020101" pitchFamily="18" charset="-127"/>
-                        </a:rPr>
-                        <a:t>파티클</a:t>
-                      </a:r>
-                      <a:endParaRPr lang="en-US" altLang="ko-KR" sz="1200" b="0" dirty="0">
+                        <a:t>Week of Nov 11</a:t>
+                      </a:r>
+                      <a:endParaRPr lang="ko-KR" altLang="en-US" sz="1400" b="0" dirty="0">
                         <a:solidFill>
                           <a:schemeClr val="tx1"/>
                         </a:solidFill>
@@ -8475,58 +8161,8 @@
                         <a:ea typeface="타이포_쌍문동 B" panose="02020803020101020101" pitchFamily="18" charset="-127"/>
                       </a:endParaRPr>
                     </a:p>
-                    <a:p>
-                      <a:pPr marL="0" indent="0" algn="l" latinLnBrk="1">
-                        <a:lnSpc>
-                          <a:spcPct val="100000"/>
-                        </a:lnSpc>
-                        <a:buNone/>
-                      </a:pPr>
-                      <a:r>
-                        <a:rPr lang="en-US" altLang="ko-KR" sz="1200" b="0" dirty="0">
-                          <a:solidFill>
-                            <a:schemeClr val="tx1"/>
-                          </a:solidFill>
-                          <a:latin typeface="타이포_쌍문동 B" panose="02020803020101020101" pitchFamily="18" charset="-127"/>
-                          <a:ea typeface="타이포_쌍문동 B" panose="02020803020101020101" pitchFamily="18" charset="-127"/>
-                        </a:rPr>
-                        <a:t>3.  </a:t>
-                      </a:r>
-                      <a:r>
-                        <a:rPr lang="ko-KR" altLang="en-US" sz="1200" b="0" dirty="0">
-                          <a:solidFill>
-                            <a:schemeClr val="tx1"/>
-                          </a:solidFill>
-                          <a:latin typeface="타이포_쌍문동 B" panose="02020803020101020101" pitchFamily="18" charset="-127"/>
-                          <a:ea typeface="타이포_쌍문동 B" panose="02020803020101020101" pitchFamily="18" charset="-127"/>
-                        </a:rPr>
-                        <a:t>몬스터 충돌처리 구현</a:t>
-                      </a:r>
-                    </a:p>
                   </a:txBody>
-                  <a:tcPr anchor="ctr">
-                    <a:solidFill>
-                      <a:srgbClr val="D0D8E8"/>
-                    </a:solidFill>
-                  </a:tcPr>
-                </a:tc>
-                <a:extLst>
-                  <a:ext uri="{0D108BD9-81ED-4DB2-BD59-A6C34878D82A}">
-                    <a16:rowId xmlns:a16="http://schemas.microsoft.com/office/drawing/2014/main" val="1167759108"/>
-                  </a:ext>
-                </a:extLst>
-              </a:tr>
-              <a:tr h="320040">
-                <a:tc vMerge="1">
-                  <a:txBody>
-                    <a:bodyPr/>
-                    <a:lstStyle/>
-                    <a:p>
-                      <a:pPr latinLnBrk="1"/>
-                      <a:endParaRPr lang="ko-KR" altLang="en-US"/>
-                    </a:p>
-                  </a:txBody>
-                  <a:tcPr/>
+                  <a:tcPr anchor="ctr"/>
                 </a:tc>
                 <a:tc>
                   <a:txBody>
@@ -8539,35 +8175,16 @@
                         </a:lnSpc>
                       </a:pPr>
                       <a:r>
-                        <a:rPr lang="ko-KR" altLang="en-US" sz="1200" b="0" dirty="0">
+                        <a:rPr lang="en-US" altLang="ko-KR" sz="1400" b="0" dirty="0">
                           <a:solidFill>
                             <a:schemeClr val="tx1"/>
                           </a:solidFill>
                           <a:latin typeface="타이포_쌍문동 B" panose="02020803020101020101" pitchFamily="18" charset="-127"/>
                           <a:ea typeface="타이포_쌍문동 B" panose="02020803020101020101" pitchFamily="18" charset="-127"/>
                         </a:rPr>
-                        <a:t>결과</a:t>
-                      </a:r>
-                    </a:p>
-                  </a:txBody>
-                  <a:tcPr anchor="ctr">
-                    <a:solidFill>
-                      <a:srgbClr val="D0D8E8"/>
-                    </a:solidFill>
-                  </a:tcPr>
-                </a:tc>
-                <a:tc>
-                  <a:txBody>
-                    <a:bodyPr/>
-                    <a:lstStyle/>
-                    <a:p>
-                      <a:pPr marL="0" indent="0" algn="l" latinLnBrk="1">
-                        <a:lnSpc>
-                          <a:spcPct val="100000"/>
-                        </a:lnSpc>
-                        <a:buNone/>
-                      </a:pPr>
-                      <a:endParaRPr lang="ko-KR" altLang="en-US" sz="1200" b="0" dirty="0">
+                        <a:t>5</a:t>
+                      </a:r>
+                      <a:endParaRPr lang="ko-KR" altLang="en-US" sz="1400" b="0" dirty="0">
                         <a:solidFill>
                           <a:schemeClr val="tx1"/>
                         </a:solidFill>
@@ -8576,15 +8193,173 @@
                       </a:endParaRPr>
                     </a:p>
                   </a:txBody>
-                  <a:tcPr anchor="ctr">
-                    <a:solidFill>
-                      <a:srgbClr val="D0D8E8"/>
-                    </a:solidFill>
-                  </a:tcPr>
+                  <a:tcPr anchor="ctr"/>
                 </a:tc>
                 <a:extLst>
                   <a:ext uri="{0D108BD9-81ED-4DB2-BD59-A6C34878D82A}">
-                    <a16:rowId xmlns:a16="http://schemas.microsoft.com/office/drawing/2014/main" val="201847748"/>
+                    <a16:rowId xmlns:a16="http://schemas.microsoft.com/office/drawing/2014/main" val="1438154071"/>
+                  </a:ext>
+                </a:extLst>
+              </a:tr>
+              <a:tr h="259080">
+                <a:tc>
+                  <a:txBody>
+                    <a:bodyPr/>
+                    <a:lstStyle/>
+                    <a:p>
+                      <a:pPr marL="0" marR="0" lvl="0" indent="0" algn="ctr" defTabSz="914400" rtl="0" eaLnBrk="1" fontAlgn="auto" latinLnBrk="1" hangingPunct="1">
+                        <a:lnSpc>
+                          <a:spcPct val="100000"/>
+                        </a:lnSpc>
+                        <a:spcBef>
+                          <a:spcPts val="0"/>
+                        </a:spcBef>
+                        <a:spcAft>
+                          <a:spcPts val="0"/>
+                        </a:spcAft>
+                        <a:buClrTx/>
+                        <a:buSzTx/>
+                        <a:buFontTx/>
+                        <a:buNone/>
+                        <a:tabLst/>
+                        <a:defRPr/>
+                      </a:pPr>
+                      <a:r>
+                        <a:rPr lang="en-US" altLang="ko-KR" sz="1400" b="0" dirty="0">
+                          <a:solidFill>
+                            <a:schemeClr val="tx1"/>
+                          </a:solidFill>
+                          <a:latin typeface="타이포_쌍문동 B" panose="02020803020101020101" pitchFamily="18" charset="-127"/>
+                          <a:ea typeface="타이포_쌍문동 B" panose="02020803020101020101" pitchFamily="18" charset="-127"/>
+                        </a:rPr>
+                        <a:t>Week of Nov 18</a:t>
+                      </a:r>
+                      <a:endParaRPr lang="ko-KR" altLang="en-US" sz="1400" b="0" dirty="0">
+                        <a:solidFill>
+                          <a:schemeClr val="tx1"/>
+                        </a:solidFill>
+                        <a:latin typeface="타이포_쌍문동 B" panose="02020803020101020101" pitchFamily="18" charset="-127"/>
+                        <a:ea typeface="타이포_쌍문동 B" panose="02020803020101020101" pitchFamily="18" charset="-127"/>
+                      </a:endParaRPr>
+                    </a:p>
+                  </a:txBody>
+                  <a:tcPr anchor="ctr"/>
+                </a:tc>
+                <a:tc>
+                  <a:txBody>
+                    <a:bodyPr/>
+                    <a:lstStyle/>
+                    <a:p>
+                      <a:pPr algn="ctr" latinLnBrk="1">
+                        <a:lnSpc>
+                          <a:spcPct val="100000"/>
+                        </a:lnSpc>
+                      </a:pPr>
+                      <a:r>
+                        <a:rPr lang="en-US" altLang="ko-KR" sz="1400" b="0" dirty="0">
+                          <a:solidFill>
+                            <a:schemeClr val="tx1"/>
+                          </a:solidFill>
+                          <a:latin typeface="타이포_쌍문동 B" panose="02020803020101020101" pitchFamily="18" charset="-127"/>
+                          <a:ea typeface="타이포_쌍문동 B" panose="02020803020101020101" pitchFamily="18" charset="-127"/>
+                        </a:rPr>
+                        <a:t>8</a:t>
+                      </a:r>
+                      <a:endParaRPr lang="ko-KR" altLang="en-US" sz="1400" b="0" dirty="0">
+                        <a:solidFill>
+                          <a:schemeClr val="tx1"/>
+                        </a:solidFill>
+                        <a:latin typeface="타이포_쌍문동 B" panose="02020803020101020101" pitchFamily="18" charset="-127"/>
+                        <a:ea typeface="타이포_쌍문동 B" panose="02020803020101020101" pitchFamily="18" charset="-127"/>
+                      </a:endParaRPr>
+                    </a:p>
+                  </a:txBody>
+                  <a:tcPr anchor="ctr"/>
+                </a:tc>
+                <a:extLst>
+                  <a:ext uri="{0D108BD9-81ED-4DB2-BD59-A6C34878D82A}">
+                    <a16:rowId xmlns:a16="http://schemas.microsoft.com/office/drawing/2014/main" val="384132914"/>
+                  </a:ext>
+                </a:extLst>
+              </a:tr>
+              <a:tr h="259080">
+                <a:tc>
+                  <a:txBody>
+                    <a:bodyPr/>
+                    <a:lstStyle/>
+                    <a:p>
+                      <a:pPr marL="0" marR="0" lvl="0" indent="0" algn="ctr" defTabSz="914400" rtl="0" eaLnBrk="1" fontAlgn="auto" latinLnBrk="1" hangingPunct="1">
+                        <a:lnSpc>
+                          <a:spcPct val="100000"/>
+                        </a:lnSpc>
+                        <a:spcBef>
+                          <a:spcPts val="0"/>
+                        </a:spcBef>
+                        <a:spcAft>
+                          <a:spcPts val="0"/>
+                        </a:spcAft>
+                        <a:buClrTx/>
+                        <a:buSzTx/>
+                        <a:buFontTx/>
+                        <a:buNone/>
+                        <a:tabLst/>
+                        <a:defRPr/>
+                      </a:pPr>
+                      <a:r>
+                        <a:rPr lang="en-US" altLang="ko-KR" sz="1400" b="0" dirty="0">
+                          <a:solidFill>
+                            <a:schemeClr val="tx1"/>
+                          </a:solidFill>
+                          <a:latin typeface="타이포_쌍문동 B" panose="02020803020101020101" pitchFamily="18" charset="-127"/>
+                          <a:ea typeface="타이포_쌍문동 B" panose="02020803020101020101" pitchFamily="18" charset="-127"/>
+                        </a:rPr>
+                        <a:t>Week of Nov 25</a:t>
+                      </a:r>
+                      <a:endParaRPr lang="ko-KR" altLang="en-US" sz="1400" b="0" dirty="0">
+                        <a:solidFill>
+                          <a:schemeClr val="tx1"/>
+                        </a:solidFill>
+                        <a:latin typeface="타이포_쌍문동 B" panose="02020803020101020101" pitchFamily="18" charset="-127"/>
+                        <a:ea typeface="타이포_쌍문동 B" panose="02020803020101020101" pitchFamily="18" charset="-127"/>
+                      </a:endParaRPr>
+                    </a:p>
+                  </a:txBody>
+                  <a:tcPr anchor="ctr"/>
+                </a:tc>
+                <a:tc>
+                  <a:txBody>
+                    <a:bodyPr/>
+                    <a:lstStyle/>
+                    <a:p>
+                      <a:pPr algn="ctr" latinLnBrk="1">
+                        <a:lnSpc>
+                          <a:spcPct val="100000"/>
+                        </a:lnSpc>
+                      </a:pPr>
+                      <a:r>
+                        <a:rPr lang="en-US" altLang="ko-KR" sz="1400" b="0" dirty="0">
+                          <a:solidFill>
+                            <a:schemeClr val="tx1"/>
+                          </a:solidFill>
+                          <a:latin typeface="타이포_쌍문동 B" panose="02020803020101020101" pitchFamily="18" charset="-127"/>
+                          <a:ea typeface="타이포_쌍문동 B" panose="02020803020101020101" pitchFamily="18" charset="-127"/>
+                        </a:rPr>
+                        <a:t>9</a:t>
+                      </a:r>
+                      <a:endParaRPr lang="ko-KR" altLang="en-US" sz="1400" b="0" dirty="0">
+                        <a:solidFill>
+                          <a:schemeClr val="tx1"/>
+                        </a:solidFill>
+                        <a:latin typeface="타이포_쌍문동 B" panose="02020803020101020101" pitchFamily="18" charset="-127"/>
+                        <a:ea typeface="타이포_쌍문동 B" panose="02020803020101020101" pitchFamily="18" charset="-127"/>
+                      </a:endParaRPr>
+                    </a:p>
+                  </a:txBody>
+                  <a:tcPr anchor="ctr"/>
+                </a:tc>
+                <a:extLst>
+                  <a:ext uri="{0D108BD9-81ED-4DB2-BD59-A6C34878D82A}">
+                    <a16:rowId xmlns:a16="http://schemas.microsoft.com/office/drawing/2014/main" val="1069751959"/>
                   </a:ext>
                 </a:extLst>
               </a:tr>
@@ -8592,16 +8367,54 @@
           </a:graphicData>
         </a:graphic>
       </p:graphicFrame>
+      <p:pic>
+        <p:nvPicPr>
+          <p:cNvPr id="4" name="그림 3">
+            <a:extLst>
+              <a:ext uri="{FF2B5EF4-FFF2-40B4-BE49-F238E27FC236}">
+                <a16:creationId xmlns:a16="http://schemas.microsoft.com/office/drawing/2014/main" id="{41BF69B6-5045-40D7-950C-0C19D7ABE5C7}"/>
+              </a:ext>
+            </a:extLst>
+          </p:cNvPr>
+          <p:cNvPicPr>
+            <a:picLocks noChangeAspect="1"/>
+          </p:cNvPicPr>
+          <p:nvPr/>
+        </p:nvPicPr>
+        <p:blipFill>
+          <a:blip r:embed="rId3"/>
+          <a:stretch>
+            <a:fillRect/>
+          </a:stretch>
+        </p:blipFill>
+        <p:spPr>
+          <a:xfrm>
+            <a:off x="3538537" y="1113285"/>
+            <a:ext cx="2066925" cy="1381125"/>
+          </a:xfrm>
+          <a:prstGeom prst="rect">
+            <a:avLst/>
+          </a:prstGeom>
+        </p:spPr>
+      </p:pic>
     </p:spTree>
     <p:extLst>
       <p:ext uri="{BB962C8B-B14F-4D97-AF65-F5344CB8AC3E}">
-        <p14:creationId xmlns:p14="http://schemas.microsoft.com/office/powerpoint/2010/main" val="1774824213"/>
+        <p14:creationId xmlns:p14="http://schemas.microsoft.com/office/powerpoint/2010/main" val="3564778823"/>
       </p:ext>
     </p:extLst>
   </p:cSld>
   <p:clrMapOvr>
     <a:masterClrMapping/>
   </p:clrMapOvr>
+  <mc:AlternateContent xmlns:mc="http://schemas.openxmlformats.org/markup-compatibility/2006" xmlns:p14="http://schemas.microsoft.com/office/powerpoint/2010/main">
+    <mc:Choice Requires="p14">
+      <p:transition spd="slow" p14:dur="2000" advTm="6523"/>
+    </mc:Choice>
+    <mc:Fallback xmlns="">
+      <p:transition spd="slow" advTm="6523"/>
+    </mc:Fallback>
+  </mc:AlternateContent>
 </p:sld>
 </file>
 
@@ -8661,7 +8474,7 @@
         <p:spPr>
           <a:xfrm>
             <a:off x="467430" y="302965"/>
-            <a:ext cx="1923925" cy="461665"/>
+            <a:ext cx="1215397" cy="461665"/>
           </a:xfrm>
           <a:prstGeom prst="rect">
             <a:avLst/>
@@ -8685,7 +8498,7 @@
                 <a:latin typeface="타이포_쌍문동 B" panose="02020803020101020101" pitchFamily="18" charset="-127"/>
                 <a:ea typeface="타이포_쌍문동 B" panose="02020803020101020101" pitchFamily="18" charset="-127"/>
               </a:rPr>
-              <a:t>3. </a:t>
+              <a:t>4. </a:t>
             </a:r>
             <a:r>
               <a:rPr lang="ko-KR" altLang="en-US" sz="2400" dirty="0">
@@ -8698,1405 +8511,100 @@
                 <a:latin typeface="타이포_쌍문동 B" panose="02020803020101020101" pitchFamily="18" charset="-127"/>
                 <a:ea typeface="타이포_쌍문동 B" panose="02020803020101020101" pitchFamily="18" charset="-127"/>
               </a:rPr>
-              <a:t>개발 상황</a:t>
-            </a:r>
-          </a:p>
-        </p:txBody>
-      </p:sp>
-      <p:graphicFrame>
-        <p:nvGraphicFramePr>
-          <p:cNvPr id="5" name="표 4">
+              <a:t>후기</a:t>
+            </a:r>
+          </a:p>
+        </p:txBody>
+      </p:sp>
+      <p:sp>
+        <p:nvSpPr>
+          <p:cNvPr id="6" name="TextBox 5">
             <a:extLst>
               <a:ext uri="{FF2B5EF4-FFF2-40B4-BE49-F238E27FC236}">
-                <a16:creationId xmlns:a16="http://schemas.microsoft.com/office/drawing/2014/main" id="{97779BDA-B557-4D41-9177-166E8E5D7679}"/>
+                <a16:creationId xmlns:a16="http://schemas.microsoft.com/office/drawing/2014/main" id="{4BA9527E-161E-445F-A430-52FE00BB3799}"/>
               </a:ext>
             </a:extLst>
           </p:cNvPr>
-          <p:cNvGraphicFramePr>
-            <a:graphicFrameLocks noGrp="1"/>
-          </p:cNvGraphicFramePr>
-          <p:nvPr>
-            <p:extLst>
-              <p:ext uri="{D42A27DB-BD31-4B8C-83A1-F6EECF244321}">
-                <p14:modId xmlns:p14="http://schemas.microsoft.com/office/powerpoint/2010/main" val="98985782"/>
-              </p:ext>
-            </p:extLst>
-          </p:nvPr>
-        </p:nvGraphicFramePr>
-        <p:xfrm>
-          <a:off x="719465" y="1556740"/>
-          <a:ext cx="7705070" cy="3246120"/>
-        </p:xfrm>
-        <a:graphic>
-          <a:graphicData uri="http://schemas.openxmlformats.org/drawingml/2006/table">
-            <a:tbl>
-              <a:tblPr firstRow="1" bandRow="1">
-                <a:tableStyleId>{5C22544A-7EE6-4342-B048-85BDC9FD1C3A}</a:tableStyleId>
-              </a:tblPr>
-              <a:tblGrid>
-                <a:gridCol w="594370">
-                  <a:extLst>
-                    <a:ext uri="{9D8B030D-6E8A-4147-A177-3AD203B41FA5}">
-                      <a16:colId xmlns:a16="http://schemas.microsoft.com/office/drawing/2014/main" val="2488540000"/>
-                    </a:ext>
-                  </a:extLst>
-                </a:gridCol>
-                <a:gridCol w="1668230">
-                  <a:extLst>
-                    <a:ext uri="{9D8B030D-6E8A-4147-A177-3AD203B41FA5}">
-                      <a16:colId xmlns:a16="http://schemas.microsoft.com/office/drawing/2014/main" val="1600290285"/>
-                    </a:ext>
-                  </a:extLst>
-                </a:gridCol>
-                <a:gridCol w="5442470">
-                  <a:extLst>
-                    <a:ext uri="{9D8B030D-6E8A-4147-A177-3AD203B41FA5}">
-                      <a16:colId xmlns:a16="http://schemas.microsoft.com/office/drawing/2014/main" val="1583109977"/>
-                    </a:ext>
-                  </a:extLst>
-                </a:gridCol>
-              </a:tblGrid>
-              <a:tr h="411480">
-                <a:tc rowSpan="2">
-                  <a:txBody>
-                    <a:bodyPr/>
-                    <a:lstStyle/>
-                    <a:p>
-                      <a:pPr algn="ctr" latinLnBrk="1">
-                        <a:lnSpc>
-                          <a:spcPct val="100000"/>
-                        </a:lnSpc>
-                      </a:pPr>
-                      <a:r>
-                        <a:rPr lang="en-US" altLang="ko-KR" sz="1200" b="0" dirty="0">
-                          <a:solidFill>
-                            <a:schemeClr val="tx1"/>
-                          </a:solidFill>
-                          <a:latin typeface="타이포_쌍문동 B" panose="02020803020101020101" pitchFamily="18" charset="-127"/>
-                          <a:ea typeface="타이포_쌍문동 B" panose="02020803020101020101" pitchFamily="18" charset="-127"/>
-                        </a:rPr>
-                        <a:t>6</a:t>
-                      </a:r>
-                      <a:r>
-                        <a:rPr lang="ko-KR" altLang="en-US" sz="1200" b="0" dirty="0">
-                          <a:solidFill>
-                            <a:schemeClr val="tx1"/>
-                          </a:solidFill>
-                          <a:latin typeface="타이포_쌍문동 B" panose="02020803020101020101" pitchFamily="18" charset="-127"/>
-                          <a:ea typeface="타이포_쌍문동 B" panose="02020803020101020101" pitchFamily="18" charset="-127"/>
-                        </a:rPr>
-                        <a:t>주</a:t>
-                      </a:r>
-                    </a:p>
-                  </a:txBody>
-                  <a:tcPr anchor="ctr">
-                    <a:solidFill>
-                      <a:srgbClr val="E9EDF4"/>
-                    </a:solidFill>
-                  </a:tcPr>
-                </a:tc>
-                <a:tc>
-                  <a:txBody>
-                    <a:bodyPr/>
-                    <a:lstStyle/>
-                    <a:p>
-                      <a:pPr algn="ctr" latinLnBrk="1">
-                        <a:lnSpc>
-                          <a:spcPct val="100000"/>
-                        </a:lnSpc>
-                      </a:pPr>
-                      <a:r>
-                        <a:rPr lang="ko-KR" altLang="en-US" sz="1200" b="0" dirty="0">
-                          <a:solidFill>
-                            <a:schemeClr val="tx1"/>
-                          </a:solidFill>
-                          <a:latin typeface="타이포_쌍문동 B" panose="02020803020101020101" pitchFamily="18" charset="-127"/>
-                          <a:ea typeface="타이포_쌍문동 B" panose="02020803020101020101" pitchFamily="18" charset="-127"/>
-                        </a:rPr>
-                        <a:t>계획</a:t>
-                      </a:r>
-                    </a:p>
-                  </a:txBody>
-                  <a:tcPr anchor="ctr">
-                    <a:solidFill>
-                      <a:srgbClr val="E9EDF4"/>
-                    </a:solidFill>
-                  </a:tcPr>
-                </a:tc>
-                <a:tc>
-                  <a:txBody>
-                    <a:bodyPr/>
-                    <a:lstStyle/>
-                    <a:p>
-                      <a:pPr marL="228600" indent="-228600" algn="l" latinLnBrk="1">
-                        <a:lnSpc>
-                          <a:spcPct val="100000"/>
-                        </a:lnSpc>
-                        <a:buAutoNum type="arabicPeriod"/>
-                      </a:pPr>
-                      <a:r>
-                        <a:rPr lang="ko-KR" altLang="en-US" sz="1200" b="0" dirty="0">
-                          <a:solidFill>
-                            <a:schemeClr val="tx1"/>
-                          </a:solidFill>
-                          <a:latin typeface="타이포_쌍문동 B" panose="02020803020101020101" pitchFamily="18" charset="-127"/>
-                          <a:ea typeface="타이포_쌍문동 B" panose="02020803020101020101" pitchFamily="18" charset="-127"/>
-                        </a:rPr>
-                        <a:t>체크 포인트</a:t>
-                      </a:r>
-                      <a:endParaRPr lang="en-US" altLang="ko-KR" sz="1200" b="0" dirty="0">
-                        <a:solidFill>
-                          <a:schemeClr val="tx1"/>
-                        </a:solidFill>
-                        <a:latin typeface="타이포_쌍문동 B" panose="02020803020101020101" pitchFamily="18" charset="-127"/>
-                        <a:ea typeface="타이포_쌍문동 B" panose="02020803020101020101" pitchFamily="18" charset="-127"/>
-                      </a:endParaRPr>
-                    </a:p>
-                    <a:p>
-                      <a:pPr marL="228600" indent="-228600" algn="l" latinLnBrk="1">
-                        <a:lnSpc>
-                          <a:spcPct val="100000"/>
-                        </a:lnSpc>
-                        <a:buAutoNum type="arabicPeriod"/>
-                      </a:pPr>
-                      <a:r>
-                        <a:rPr lang="ko-KR" altLang="en-US" sz="1200" b="0" dirty="0">
-                          <a:solidFill>
-                            <a:schemeClr val="tx1"/>
-                          </a:solidFill>
-                          <a:latin typeface="타이포_쌍문동 B" panose="02020803020101020101" pitchFamily="18" charset="-127"/>
-                          <a:ea typeface="타이포_쌍문동 B" panose="02020803020101020101" pitchFamily="18" charset="-127"/>
-                        </a:rPr>
-                        <a:t>타일 </a:t>
-                      </a:r>
-                      <a:r>
-                        <a:rPr lang="ko-KR" altLang="en-US" sz="1200" b="0" dirty="0" err="1">
-                          <a:solidFill>
-                            <a:schemeClr val="tx1"/>
-                          </a:solidFill>
-                          <a:latin typeface="타이포_쌍문동 B" panose="02020803020101020101" pitchFamily="18" charset="-127"/>
-                          <a:ea typeface="타이포_쌍문동 B" panose="02020803020101020101" pitchFamily="18" charset="-127"/>
-                        </a:rPr>
-                        <a:t>파티클</a:t>
-                      </a:r>
-                      <a:endParaRPr lang="en-US" altLang="ko-KR" sz="1200" b="0" dirty="0">
-                        <a:solidFill>
-                          <a:schemeClr val="tx1"/>
-                        </a:solidFill>
-                        <a:latin typeface="타이포_쌍문동 B" panose="02020803020101020101" pitchFamily="18" charset="-127"/>
-                        <a:ea typeface="타이포_쌍문동 B" panose="02020803020101020101" pitchFamily="18" charset="-127"/>
-                      </a:endParaRPr>
-                    </a:p>
-                    <a:p>
-                      <a:pPr marL="228600" indent="-228600" algn="l" latinLnBrk="1">
-                        <a:lnSpc>
-                          <a:spcPct val="100000"/>
-                        </a:lnSpc>
-                        <a:buAutoNum type="arabicPeriod"/>
-                      </a:pPr>
-                      <a:r>
-                        <a:rPr lang="ko-KR" altLang="en-US" sz="1200" b="0" dirty="0">
-                          <a:solidFill>
-                            <a:schemeClr val="tx1"/>
-                          </a:solidFill>
-                          <a:latin typeface="타이포_쌍문동 B" panose="02020803020101020101" pitchFamily="18" charset="-127"/>
-                          <a:ea typeface="타이포_쌍문동 B" panose="02020803020101020101" pitchFamily="18" charset="-127"/>
-                        </a:rPr>
-                        <a:t>헬기</a:t>
-                      </a:r>
-                      <a:r>
-                        <a:rPr lang="en-US" altLang="ko-KR" sz="1200" b="0" dirty="0">
-                          <a:solidFill>
-                            <a:schemeClr val="tx1"/>
-                          </a:solidFill>
-                          <a:latin typeface="타이포_쌍문동 B" panose="02020803020101020101" pitchFamily="18" charset="-127"/>
-                          <a:ea typeface="타이포_쌍문동 B" panose="02020803020101020101" pitchFamily="18" charset="-127"/>
-                        </a:rPr>
-                        <a:t>, </a:t>
-                      </a:r>
-                      <a:r>
-                        <a:rPr lang="ko-KR" altLang="en-US" sz="1200" b="0" dirty="0">
-                          <a:solidFill>
-                            <a:schemeClr val="tx1"/>
-                          </a:solidFill>
-                          <a:latin typeface="타이포_쌍문동 B" panose="02020803020101020101" pitchFamily="18" charset="-127"/>
-                          <a:ea typeface="타이포_쌍문동 B" panose="02020803020101020101" pitchFamily="18" charset="-127"/>
-                        </a:rPr>
-                        <a:t>트럭 이동 구현</a:t>
-                      </a:r>
-                      <a:endParaRPr lang="en-US" altLang="ko-KR" sz="1200" b="0" dirty="0">
-                        <a:solidFill>
-                          <a:schemeClr val="tx1"/>
-                        </a:solidFill>
-                        <a:latin typeface="타이포_쌍문동 B" panose="02020803020101020101" pitchFamily="18" charset="-127"/>
-                        <a:ea typeface="타이포_쌍문동 B" panose="02020803020101020101" pitchFamily="18" charset="-127"/>
-                      </a:endParaRPr>
-                    </a:p>
-                    <a:p>
-                      <a:pPr marL="228600" indent="-228600" algn="l" latinLnBrk="1">
-                        <a:lnSpc>
-                          <a:spcPct val="100000"/>
-                        </a:lnSpc>
-                        <a:buAutoNum type="arabicPeriod"/>
-                      </a:pPr>
-                      <a:r>
-                        <a:rPr lang="ko-KR" altLang="en-US" sz="1200" b="0" dirty="0">
-                          <a:solidFill>
-                            <a:schemeClr val="tx1"/>
-                          </a:solidFill>
-                          <a:latin typeface="타이포_쌍문동 B" panose="02020803020101020101" pitchFamily="18" charset="-127"/>
-                          <a:ea typeface="타이포_쌍문동 B" panose="02020803020101020101" pitchFamily="18" charset="-127"/>
-                        </a:rPr>
-                        <a:t>오브젝트 </a:t>
-                      </a:r>
-                      <a:r>
-                        <a:rPr lang="ko-KR" altLang="en-US" sz="1200" b="0" dirty="0" err="1">
-                          <a:solidFill>
-                            <a:schemeClr val="tx1"/>
-                          </a:solidFill>
-                          <a:latin typeface="타이포_쌍문동 B" panose="02020803020101020101" pitchFamily="18" charset="-127"/>
-                          <a:ea typeface="타이포_쌍문동 B" panose="02020803020101020101" pitchFamily="18" charset="-127"/>
-                        </a:rPr>
-                        <a:t>파티클</a:t>
-                      </a:r>
-                      <a:endParaRPr lang="ko-KR" altLang="en-US" sz="1200" b="0" dirty="0">
-                        <a:solidFill>
-                          <a:schemeClr val="tx1"/>
-                        </a:solidFill>
-                        <a:latin typeface="타이포_쌍문동 B" panose="02020803020101020101" pitchFamily="18" charset="-127"/>
-                        <a:ea typeface="타이포_쌍문동 B" panose="02020803020101020101" pitchFamily="18" charset="-127"/>
-                      </a:endParaRPr>
-                    </a:p>
-                  </a:txBody>
-                  <a:tcPr anchor="ctr">
-                    <a:solidFill>
-                      <a:srgbClr val="E9EDF4"/>
-                    </a:solidFill>
-                  </a:tcPr>
-                </a:tc>
-                <a:extLst>
-                  <a:ext uri="{0D108BD9-81ED-4DB2-BD59-A6C34878D82A}">
-                    <a16:rowId xmlns:a16="http://schemas.microsoft.com/office/drawing/2014/main" val="1653409717"/>
-                  </a:ext>
-                </a:extLst>
-              </a:tr>
-              <a:tr h="411480">
-                <a:tc vMerge="1">
-                  <a:txBody>
-                    <a:bodyPr/>
-                    <a:lstStyle/>
-                    <a:p>
-                      <a:pPr latinLnBrk="1"/>
-                      <a:endParaRPr lang="ko-KR" altLang="en-US"/>
-                    </a:p>
-                  </a:txBody>
-                  <a:tcPr/>
-                </a:tc>
-                <a:tc>
-                  <a:txBody>
-                    <a:bodyPr/>
-                    <a:lstStyle/>
-                    <a:p>
-                      <a:pPr algn="ctr" latinLnBrk="1">
-                        <a:lnSpc>
-                          <a:spcPct val="100000"/>
-                        </a:lnSpc>
-                      </a:pPr>
-                      <a:r>
-                        <a:rPr lang="ko-KR" altLang="en-US" sz="1200" b="0" dirty="0">
-                          <a:solidFill>
-                            <a:schemeClr val="tx1"/>
-                          </a:solidFill>
-                          <a:latin typeface="타이포_쌍문동 B" panose="02020803020101020101" pitchFamily="18" charset="-127"/>
-                          <a:ea typeface="타이포_쌍문동 B" panose="02020803020101020101" pitchFamily="18" charset="-127"/>
-                        </a:rPr>
-                        <a:t>결과</a:t>
-                      </a:r>
-                    </a:p>
-                  </a:txBody>
-                  <a:tcPr anchor="ctr">
-                    <a:solidFill>
-                      <a:srgbClr val="E9EDF4"/>
-                    </a:solidFill>
-                  </a:tcPr>
-                </a:tc>
-                <a:tc>
-                  <a:txBody>
-                    <a:bodyPr/>
-                    <a:lstStyle/>
-                    <a:p>
-                      <a:pPr marL="0" indent="0" algn="l" latinLnBrk="1">
-                        <a:lnSpc>
-                          <a:spcPct val="100000"/>
-                        </a:lnSpc>
-                        <a:buNone/>
-                      </a:pPr>
-                      <a:endParaRPr lang="ko-KR" altLang="en-US" sz="1200" b="0" dirty="0">
-                        <a:solidFill>
-                          <a:schemeClr val="tx1"/>
-                        </a:solidFill>
-                        <a:latin typeface="타이포_쌍문동 B" panose="02020803020101020101" pitchFamily="18" charset="-127"/>
-                        <a:ea typeface="타이포_쌍문동 B" panose="02020803020101020101" pitchFamily="18" charset="-127"/>
-                      </a:endParaRPr>
-                    </a:p>
-                  </a:txBody>
-                  <a:tcPr anchor="ctr">
-                    <a:solidFill>
-                      <a:srgbClr val="E9EDF4"/>
-                    </a:solidFill>
-                  </a:tcPr>
-                </a:tc>
-                <a:extLst>
-                  <a:ext uri="{0D108BD9-81ED-4DB2-BD59-A6C34878D82A}">
-                    <a16:rowId xmlns:a16="http://schemas.microsoft.com/office/drawing/2014/main" val="3092879545"/>
-                  </a:ext>
-                </a:extLst>
-              </a:tr>
-              <a:tr h="228600">
-                <a:tc rowSpan="2">
-                  <a:txBody>
-                    <a:bodyPr/>
-                    <a:lstStyle/>
-                    <a:p>
-                      <a:pPr algn="ctr" latinLnBrk="1">
-                        <a:lnSpc>
-                          <a:spcPct val="100000"/>
-                        </a:lnSpc>
-                      </a:pPr>
-                      <a:r>
-                        <a:rPr lang="en-US" altLang="ko-KR" sz="1200" b="0" dirty="0">
-                          <a:solidFill>
-                            <a:schemeClr val="tx1"/>
-                          </a:solidFill>
-                          <a:latin typeface="타이포_쌍문동 B" panose="02020803020101020101" pitchFamily="18" charset="-127"/>
-                          <a:ea typeface="타이포_쌍문동 B" panose="02020803020101020101" pitchFamily="18" charset="-127"/>
-                        </a:rPr>
-                        <a:t>7</a:t>
-                      </a:r>
-                      <a:r>
-                        <a:rPr lang="ko-KR" altLang="en-US" sz="1200" b="0" dirty="0">
-                          <a:solidFill>
-                            <a:schemeClr val="tx1"/>
-                          </a:solidFill>
-                          <a:latin typeface="타이포_쌍문동 B" panose="02020803020101020101" pitchFamily="18" charset="-127"/>
-                          <a:ea typeface="타이포_쌍문동 B" panose="02020803020101020101" pitchFamily="18" charset="-127"/>
-                        </a:rPr>
-                        <a:t>주</a:t>
-                      </a:r>
-                    </a:p>
-                  </a:txBody>
-                  <a:tcPr anchor="ctr">
-                    <a:solidFill>
-                      <a:srgbClr val="D0D8E8"/>
-                    </a:solidFill>
-                  </a:tcPr>
-                </a:tc>
-                <a:tc>
-                  <a:txBody>
-                    <a:bodyPr/>
-                    <a:lstStyle/>
-                    <a:p>
-                      <a:pPr algn="ctr" latinLnBrk="1">
-                        <a:lnSpc>
-                          <a:spcPct val="100000"/>
-                        </a:lnSpc>
-                      </a:pPr>
-                      <a:r>
-                        <a:rPr lang="ko-KR" altLang="en-US" sz="1200" b="0" dirty="0">
-                          <a:solidFill>
-                            <a:schemeClr val="tx1"/>
-                          </a:solidFill>
-                          <a:latin typeface="타이포_쌍문동 B" panose="02020803020101020101" pitchFamily="18" charset="-127"/>
-                          <a:ea typeface="타이포_쌍문동 B" panose="02020803020101020101" pitchFamily="18" charset="-127"/>
-                        </a:rPr>
-                        <a:t>계획</a:t>
-                      </a:r>
-                    </a:p>
-                  </a:txBody>
-                  <a:tcPr anchor="ctr">
-                    <a:solidFill>
-                      <a:srgbClr val="D0D8E8"/>
-                    </a:solidFill>
-                  </a:tcPr>
-                </a:tc>
-                <a:tc>
-                  <a:txBody>
-                    <a:bodyPr/>
-                    <a:lstStyle/>
-                    <a:p>
-                      <a:pPr marL="0" indent="0" algn="l" latinLnBrk="1">
-                        <a:lnSpc>
-                          <a:spcPct val="100000"/>
-                        </a:lnSpc>
-                        <a:buNone/>
-                      </a:pPr>
-                      <a:r>
-                        <a:rPr lang="en-US" altLang="ko-KR" sz="1200" b="0" dirty="0">
-                          <a:solidFill>
-                            <a:schemeClr val="tx1"/>
-                          </a:solidFill>
-                          <a:latin typeface="타이포_쌍문동 B" panose="02020803020101020101" pitchFamily="18" charset="-127"/>
-                          <a:ea typeface="타이포_쌍문동 B" panose="02020803020101020101" pitchFamily="18" charset="-127"/>
-                        </a:rPr>
-                        <a:t>1. </a:t>
-                      </a:r>
-                      <a:r>
-                        <a:rPr lang="ko-KR" altLang="en-US" sz="1200" b="0" dirty="0">
-                          <a:solidFill>
-                            <a:schemeClr val="tx1"/>
-                          </a:solidFill>
-                          <a:latin typeface="타이포_쌍문동 B" panose="02020803020101020101" pitchFamily="18" charset="-127"/>
-                          <a:ea typeface="타이포_쌍문동 B" panose="02020803020101020101" pitchFamily="18" charset="-127"/>
-                        </a:rPr>
-                        <a:t>게임 성공</a:t>
-                      </a:r>
-                      <a:r>
-                        <a:rPr lang="en-US" altLang="ko-KR" sz="1200" b="0" dirty="0">
-                          <a:solidFill>
-                            <a:schemeClr val="tx1"/>
-                          </a:solidFill>
-                          <a:latin typeface="타이포_쌍문동 B" panose="02020803020101020101" pitchFamily="18" charset="-127"/>
-                          <a:ea typeface="타이포_쌍문동 B" panose="02020803020101020101" pitchFamily="18" charset="-127"/>
-                        </a:rPr>
-                        <a:t>, </a:t>
-                      </a:r>
-                      <a:r>
-                        <a:rPr lang="ko-KR" altLang="en-US" sz="1200" b="0" dirty="0">
-                          <a:solidFill>
-                            <a:schemeClr val="tx1"/>
-                          </a:solidFill>
-                          <a:latin typeface="타이포_쌍문동 B" panose="02020803020101020101" pitchFamily="18" charset="-127"/>
-                          <a:ea typeface="타이포_쌍문동 B" panose="02020803020101020101" pitchFamily="18" charset="-127"/>
-                        </a:rPr>
-                        <a:t>실패 조건 </a:t>
-                      </a:r>
-                      <a:r>
-                        <a:rPr lang="en-US" altLang="ko-KR" sz="1200" b="0" baseline="0" dirty="0">
-                          <a:solidFill>
-                            <a:schemeClr val="tx1"/>
-                          </a:solidFill>
-                          <a:latin typeface="타이포_쌍문동 B" panose="02020803020101020101" pitchFamily="18" charset="-127"/>
-                          <a:ea typeface="타이포_쌍문동 B" panose="02020803020101020101" pitchFamily="18" charset="-127"/>
-                        </a:rPr>
-                        <a:t> </a:t>
-                      </a:r>
-                      <a:r>
-                        <a:rPr lang="en-US" altLang="ko-KR" sz="1200" b="0" dirty="0">
-                          <a:solidFill>
-                            <a:schemeClr val="tx1"/>
-                          </a:solidFill>
-                          <a:latin typeface="타이포_쌍문동 B" panose="02020803020101020101" pitchFamily="18" charset="-127"/>
-                          <a:ea typeface="타이포_쌍문동 B" panose="02020803020101020101" pitchFamily="18" charset="-127"/>
-                        </a:rPr>
-                        <a:t>2. </a:t>
-                      </a:r>
-                      <a:r>
-                        <a:rPr lang="ko-KR" altLang="en-US" sz="1200" b="0" dirty="0" err="1">
-                          <a:solidFill>
-                            <a:schemeClr val="tx1"/>
-                          </a:solidFill>
-                          <a:latin typeface="타이포_쌍문동 B" panose="02020803020101020101" pitchFamily="18" charset="-127"/>
-                          <a:ea typeface="타이포_쌍문동 B" panose="02020803020101020101" pitchFamily="18" charset="-127"/>
-                        </a:rPr>
-                        <a:t>노말</a:t>
-                      </a:r>
-                      <a:r>
-                        <a:rPr lang="en-US" altLang="ko-KR" sz="1200" b="0" dirty="0">
-                          <a:solidFill>
-                            <a:schemeClr val="tx1"/>
-                          </a:solidFill>
-                          <a:latin typeface="타이포_쌍문동 B" panose="02020803020101020101" pitchFamily="18" charset="-127"/>
-                          <a:ea typeface="타이포_쌍문동 B" panose="02020803020101020101" pitchFamily="18" charset="-127"/>
-                        </a:rPr>
-                        <a:t>, </a:t>
-                      </a:r>
-                      <a:r>
-                        <a:rPr lang="ko-KR" altLang="en-US" sz="1200" b="0" dirty="0">
-                          <a:solidFill>
-                            <a:schemeClr val="tx1"/>
-                          </a:solidFill>
-                          <a:latin typeface="타이포_쌍문동 B" panose="02020803020101020101" pitchFamily="18" charset="-127"/>
-                          <a:ea typeface="타이포_쌍문동 B" panose="02020803020101020101" pitchFamily="18" charset="-127"/>
-                        </a:rPr>
-                        <a:t>하드 버전  </a:t>
-                      </a:r>
-                      <a:r>
-                        <a:rPr lang="en-US" altLang="ko-KR" sz="1200" b="0" dirty="0">
-                          <a:solidFill>
-                            <a:schemeClr val="tx1"/>
-                          </a:solidFill>
-                          <a:latin typeface="타이포_쌍문동 B" panose="02020803020101020101" pitchFamily="18" charset="-127"/>
-                          <a:ea typeface="타이포_쌍문동 B" panose="02020803020101020101" pitchFamily="18" charset="-127"/>
-                        </a:rPr>
-                        <a:t>3. </a:t>
-                      </a:r>
-                      <a:r>
-                        <a:rPr lang="ko-KR" altLang="en-US" sz="1200" b="0" dirty="0">
-                          <a:solidFill>
-                            <a:schemeClr val="tx1"/>
-                          </a:solidFill>
-                          <a:latin typeface="타이포_쌍문동 B" panose="02020803020101020101" pitchFamily="18" charset="-127"/>
-                          <a:ea typeface="타이포_쌍문동 B" panose="02020803020101020101" pitchFamily="18" charset="-127"/>
-                        </a:rPr>
-                        <a:t>스테이지 추가 </a:t>
-                      </a:r>
-                      <a:endParaRPr lang="en-US" altLang="ko-KR" sz="1200" b="0" dirty="0">
-                        <a:solidFill>
-                          <a:schemeClr val="tx1"/>
-                        </a:solidFill>
-                        <a:latin typeface="타이포_쌍문동 B" panose="02020803020101020101" pitchFamily="18" charset="-127"/>
-                        <a:ea typeface="타이포_쌍문동 B" panose="02020803020101020101" pitchFamily="18" charset="-127"/>
-                      </a:endParaRPr>
-                    </a:p>
-                    <a:p>
-                      <a:pPr marL="0" indent="0" algn="l" latinLnBrk="1">
-                        <a:lnSpc>
-                          <a:spcPct val="100000"/>
-                        </a:lnSpc>
-                        <a:buNone/>
-                      </a:pPr>
-                      <a:r>
-                        <a:rPr lang="en-US" altLang="ko-KR" sz="1200" b="0" dirty="0">
-                          <a:solidFill>
-                            <a:schemeClr val="tx1"/>
-                          </a:solidFill>
-                          <a:latin typeface="타이포_쌍문동 B" panose="02020803020101020101" pitchFamily="18" charset="-127"/>
-                          <a:ea typeface="타이포_쌍문동 B" panose="02020803020101020101" pitchFamily="18" charset="-127"/>
-                        </a:rPr>
-                        <a:t>4. </a:t>
-                      </a:r>
-                      <a:r>
-                        <a:rPr lang="ko-KR" altLang="en-US" sz="1200" b="0" dirty="0">
-                          <a:solidFill>
-                            <a:schemeClr val="tx1"/>
-                          </a:solidFill>
-                          <a:latin typeface="타이포_쌍문동 B" panose="02020803020101020101" pitchFamily="18" charset="-127"/>
-                          <a:ea typeface="타이포_쌍문동 B" panose="02020803020101020101" pitchFamily="18" charset="-127"/>
-                        </a:rPr>
-                        <a:t>랭킹 시스템</a:t>
-                      </a:r>
-                      <a:r>
-                        <a:rPr lang="en-US" altLang="ko-KR" sz="1200" b="0" dirty="0">
-                          <a:solidFill>
-                            <a:schemeClr val="tx1"/>
-                          </a:solidFill>
-                          <a:latin typeface="타이포_쌍문동 B" panose="02020803020101020101" pitchFamily="18" charset="-127"/>
-                          <a:ea typeface="타이포_쌍문동 B" panose="02020803020101020101" pitchFamily="18" charset="-127"/>
-                        </a:rPr>
-                        <a:t> 5. </a:t>
-                      </a:r>
-                      <a:r>
-                        <a:rPr lang="ko-KR" altLang="en-US" sz="1200" b="0" dirty="0">
-                          <a:solidFill>
-                            <a:schemeClr val="tx1"/>
-                          </a:solidFill>
-                          <a:latin typeface="타이포_쌍문동 B" panose="02020803020101020101" pitchFamily="18" charset="-127"/>
-                          <a:ea typeface="타이포_쌍문동 B" panose="02020803020101020101" pitchFamily="18" charset="-127"/>
-                        </a:rPr>
-                        <a:t>시간 체크 </a:t>
-                      </a:r>
-                      <a:r>
-                        <a:rPr lang="en-US" altLang="ko-KR" sz="1200" b="0" dirty="0">
-                          <a:solidFill>
-                            <a:schemeClr val="tx1"/>
-                          </a:solidFill>
-                          <a:latin typeface="타이포_쌍문동 B" panose="02020803020101020101" pitchFamily="18" charset="-127"/>
-                          <a:ea typeface="타이포_쌍문동 B" panose="02020803020101020101" pitchFamily="18" charset="-127"/>
-                        </a:rPr>
-                        <a:t>6. </a:t>
-                      </a:r>
-                      <a:r>
-                        <a:rPr lang="ko-KR" altLang="en-US" sz="1200" b="0" dirty="0">
-                          <a:solidFill>
-                            <a:schemeClr val="tx1"/>
-                          </a:solidFill>
-                          <a:latin typeface="타이포_쌍문동 B" panose="02020803020101020101" pitchFamily="18" charset="-127"/>
-                          <a:ea typeface="타이포_쌍문동 B" panose="02020803020101020101" pitchFamily="18" charset="-127"/>
-                        </a:rPr>
-                        <a:t>점수화</a:t>
-                      </a:r>
-                    </a:p>
-                  </a:txBody>
-                  <a:tcPr anchor="ctr">
-                    <a:solidFill>
-                      <a:srgbClr val="D0D8E8"/>
-                    </a:solidFill>
-                  </a:tcPr>
-                </a:tc>
-                <a:extLst>
-                  <a:ext uri="{0D108BD9-81ED-4DB2-BD59-A6C34878D82A}">
-                    <a16:rowId xmlns:a16="http://schemas.microsoft.com/office/drawing/2014/main" val="2255863625"/>
-                  </a:ext>
-                </a:extLst>
-              </a:tr>
-              <a:tr h="228600">
-                <a:tc vMerge="1">
-                  <a:txBody>
-                    <a:bodyPr/>
-                    <a:lstStyle/>
-                    <a:p>
-                      <a:pPr latinLnBrk="1"/>
-                      <a:endParaRPr lang="ko-KR" altLang="en-US"/>
-                    </a:p>
-                  </a:txBody>
-                  <a:tcPr/>
-                </a:tc>
-                <a:tc>
-                  <a:txBody>
-                    <a:bodyPr/>
-                    <a:lstStyle/>
-                    <a:p>
-                      <a:pPr algn="ctr" latinLnBrk="1">
-                        <a:lnSpc>
-                          <a:spcPct val="100000"/>
-                        </a:lnSpc>
-                      </a:pPr>
-                      <a:r>
-                        <a:rPr lang="ko-KR" altLang="en-US" sz="1200" b="0" dirty="0">
-                          <a:solidFill>
-                            <a:schemeClr val="tx1"/>
-                          </a:solidFill>
-                          <a:latin typeface="타이포_쌍문동 B" panose="02020803020101020101" pitchFamily="18" charset="-127"/>
-                          <a:ea typeface="타이포_쌍문동 B" panose="02020803020101020101" pitchFamily="18" charset="-127"/>
-                        </a:rPr>
-                        <a:t>결과</a:t>
-                      </a:r>
-                      <a:r>
-                        <a:rPr lang="en-US" altLang="ko-KR" sz="1200" b="0" dirty="0">
-                          <a:solidFill>
-                            <a:schemeClr val="tx1"/>
-                          </a:solidFill>
-                          <a:latin typeface="타이포_쌍문동 B" panose="02020803020101020101" pitchFamily="18" charset="-127"/>
-                          <a:ea typeface="타이포_쌍문동 B" panose="02020803020101020101" pitchFamily="18" charset="-127"/>
-                        </a:rPr>
-                        <a:t>(15%)</a:t>
-                      </a:r>
-                      <a:endParaRPr lang="ko-KR" altLang="en-US" sz="1200" b="0" dirty="0">
-                        <a:solidFill>
-                          <a:schemeClr val="tx1"/>
-                        </a:solidFill>
-                        <a:latin typeface="타이포_쌍문동 B" panose="02020803020101020101" pitchFamily="18" charset="-127"/>
-                        <a:ea typeface="타이포_쌍문동 B" panose="02020803020101020101" pitchFamily="18" charset="-127"/>
-                      </a:endParaRPr>
-                    </a:p>
-                  </a:txBody>
-                  <a:tcPr anchor="ctr">
-                    <a:solidFill>
-                      <a:srgbClr val="D0D8E8"/>
-                    </a:solidFill>
-                  </a:tcPr>
-                </a:tc>
-                <a:tc>
-                  <a:txBody>
-                    <a:bodyPr/>
-                    <a:lstStyle/>
-                    <a:p>
-                      <a:pPr marL="0" indent="0" algn="l" latinLnBrk="1">
-                        <a:lnSpc>
-                          <a:spcPct val="100000"/>
-                        </a:lnSpc>
-                        <a:buNone/>
-                      </a:pPr>
-                      <a:r>
-                        <a:rPr lang="ko-KR" altLang="en-US" sz="1200" b="0" dirty="0">
-                          <a:solidFill>
-                            <a:schemeClr val="tx1"/>
-                          </a:solidFill>
-                          <a:latin typeface="타이포_쌍문동 B" panose="02020803020101020101" pitchFamily="18" charset="-127"/>
-                          <a:ea typeface="타이포_쌍문동 B" panose="02020803020101020101" pitchFamily="18" charset="-127"/>
-                        </a:rPr>
-                        <a:t>시간 측정 완료</a:t>
-                      </a:r>
-                    </a:p>
-                  </a:txBody>
-                  <a:tcPr anchor="ctr">
-                    <a:solidFill>
-                      <a:srgbClr val="D0D8E8"/>
-                    </a:solidFill>
-                  </a:tcPr>
-                </a:tc>
-                <a:extLst>
-                  <a:ext uri="{0D108BD9-81ED-4DB2-BD59-A6C34878D82A}">
-                    <a16:rowId xmlns:a16="http://schemas.microsoft.com/office/drawing/2014/main" val="3353709876"/>
-                  </a:ext>
-                </a:extLst>
-              </a:tr>
-              <a:tr h="228600">
-                <a:tc rowSpan="2">
-                  <a:txBody>
-                    <a:bodyPr/>
-                    <a:lstStyle/>
-                    <a:p>
-                      <a:pPr algn="ctr" latinLnBrk="1">
-                        <a:lnSpc>
-                          <a:spcPct val="100000"/>
-                        </a:lnSpc>
-                      </a:pPr>
-                      <a:r>
-                        <a:rPr lang="en-US" altLang="ko-KR" sz="1200" b="0" dirty="0">
-                          <a:solidFill>
-                            <a:schemeClr val="tx1"/>
-                          </a:solidFill>
-                          <a:latin typeface="타이포_쌍문동 B" panose="02020803020101020101" pitchFamily="18" charset="-127"/>
-                          <a:ea typeface="타이포_쌍문동 B" panose="02020803020101020101" pitchFamily="18" charset="-127"/>
-                        </a:rPr>
-                        <a:t>8</a:t>
-                      </a:r>
-                      <a:r>
-                        <a:rPr lang="ko-KR" altLang="en-US" sz="1200" b="0" dirty="0">
-                          <a:solidFill>
-                            <a:schemeClr val="tx1"/>
-                          </a:solidFill>
-                          <a:latin typeface="타이포_쌍문동 B" panose="02020803020101020101" pitchFamily="18" charset="-127"/>
-                          <a:ea typeface="타이포_쌍문동 B" panose="02020803020101020101" pitchFamily="18" charset="-127"/>
-                        </a:rPr>
-                        <a:t>주</a:t>
-                      </a:r>
-                    </a:p>
-                  </a:txBody>
-                  <a:tcPr anchor="ctr">
-                    <a:solidFill>
-                      <a:srgbClr val="E9EDF4"/>
-                    </a:solidFill>
-                  </a:tcPr>
-                </a:tc>
-                <a:tc>
-                  <a:txBody>
-                    <a:bodyPr/>
-                    <a:lstStyle/>
-                    <a:p>
-                      <a:pPr algn="ctr" latinLnBrk="1">
-                        <a:lnSpc>
-                          <a:spcPct val="100000"/>
-                        </a:lnSpc>
-                      </a:pPr>
-                      <a:r>
-                        <a:rPr lang="ko-KR" altLang="en-US" sz="1200" b="0" dirty="0">
-                          <a:solidFill>
-                            <a:schemeClr val="tx1"/>
-                          </a:solidFill>
-                          <a:latin typeface="타이포_쌍문동 B" panose="02020803020101020101" pitchFamily="18" charset="-127"/>
-                          <a:ea typeface="타이포_쌍문동 B" panose="02020803020101020101" pitchFamily="18" charset="-127"/>
-                        </a:rPr>
-                        <a:t>계획</a:t>
-                      </a:r>
-                    </a:p>
-                  </a:txBody>
-                  <a:tcPr anchor="ctr">
-                    <a:solidFill>
-                      <a:srgbClr val="E9EDF4"/>
-                    </a:solidFill>
-                  </a:tcPr>
-                </a:tc>
-                <a:tc>
-                  <a:txBody>
-                    <a:bodyPr/>
-                    <a:lstStyle/>
-                    <a:p>
-                      <a:pPr marL="0" indent="0" algn="l" latinLnBrk="1">
-                        <a:lnSpc>
-                          <a:spcPct val="100000"/>
-                        </a:lnSpc>
-                        <a:buNone/>
-                      </a:pPr>
-                      <a:r>
-                        <a:rPr lang="en-US" altLang="ko-KR" sz="1200" b="0" dirty="0">
-                          <a:solidFill>
-                            <a:schemeClr val="tx1"/>
-                          </a:solidFill>
-                          <a:latin typeface="타이포_쌍문동 B" panose="02020803020101020101" pitchFamily="18" charset="-127"/>
-                          <a:ea typeface="타이포_쌍문동 B" panose="02020803020101020101" pitchFamily="18" charset="-127"/>
-                        </a:rPr>
-                        <a:t>1. </a:t>
-                      </a:r>
-                      <a:r>
-                        <a:rPr lang="ko-KR" altLang="en-US" sz="1200" b="0" dirty="0">
-                          <a:solidFill>
-                            <a:schemeClr val="tx1"/>
-                          </a:solidFill>
-                          <a:latin typeface="타이포_쌍문동 B" panose="02020803020101020101" pitchFamily="18" charset="-127"/>
-                          <a:ea typeface="타이포_쌍문동 B" panose="02020803020101020101" pitchFamily="18" charset="-127"/>
-                        </a:rPr>
-                        <a:t>메뉴 구성</a:t>
-                      </a:r>
-                      <a:r>
-                        <a:rPr lang="en-US" altLang="ko-KR" sz="1200" b="0" baseline="0" dirty="0">
-                          <a:solidFill>
-                            <a:schemeClr val="tx1"/>
-                          </a:solidFill>
-                          <a:latin typeface="타이포_쌍문동 B" panose="02020803020101020101" pitchFamily="18" charset="-127"/>
-                          <a:ea typeface="타이포_쌍문동 B" panose="02020803020101020101" pitchFamily="18" charset="-127"/>
-                        </a:rPr>
-                        <a:t>  </a:t>
-                      </a:r>
-                      <a:r>
-                        <a:rPr lang="en-US" altLang="ko-KR" sz="1200" b="0" dirty="0">
-                          <a:solidFill>
-                            <a:schemeClr val="tx1"/>
-                          </a:solidFill>
-                          <a:latin typeface="타이포_쌍문동 B" panose="02020803020101020101" pitchFamily="18" charset="-127"/>
-                          <a:ea typeface="타이포_쌍문동 B" panose="02020803020101020101" pitchFamily="18" charset="-127"/>
-                        </a:rPr>
-                        <a:t>2. </a:t>
-                      </a:r>
-                      <a:r>
-                        <a:rPr lang="ko-KR" altLang="en-US" sz="1200" b="0" dirty="0">
-                          <a:solidFill>
-                            <a:schemeClr val="tx1"/>
-                          </a:solidFill>
-                          <a:latin typeface="타이포_쌍문동 B" panose="02020803020101020101" pitchFamily="18" charset="-127"/>
-                          <a:ea typeface="타이포_쌍문동 B" panose="02020803020101020101" pitchFamily="18" charset="-127"/>
-                        </a:rPr>
-                        <a:t>사운드  </a:t>
-                      </a:r>
-                      <a:r>
-                        <a:rPr lang="en-US" altLang="ko-KR" sz="1200" b="0" dirty="0">
-                          <a:solidFill>
-                            <a:schemeClr val="tx1"/>
-                          </a:solidFill>
-                          <a:latin typeface="타이포_쌍문동 B" panose="02020803020101020101" pitchFamily="18" charset="-127"/>
-                          <a:ea typeface="타이포_쌍문동 B" panose="02020803020101020101" pitchFamily="18" charset="-127"/>
-                        </a:rPr>
-                        <a:t>3. </a:t>
-                      </a:r>
-                      <a:r>
-                        <a:rPr lang="ko-KR" altLang="en-US" sz="1200" b="0" dirty="0">
-                          <a:solidFill>
-                            <a:schemeClr val="tx1"/>
-                          </a:solidFill>
-                          <a:latin typeface="타이포_쌍문동 B" panose="02020803020101020101" pitchFamily="18" charset="-127"/>
-                          <a:ea typeface="타이포_쌍문동 B" panose="02020803020101020101" pitchFamily="18" charset="-127"/>
-                        </a:rPr>
-                        <a:t>게임 시작</a:t>
-                      </a:r>
-                      <a:r>
-                        <a:rPr lang="en-US" altLang="ko-KR" sz="1200" b="0" dirty="0">
-                          <a:solidFill>
-                            <a:schemeClr val="tx1"/>
-                          </a:solidFill>
-                          <a:latin typeface="타이포_쌍문동 B" panose="02020803020101020101" pitchFamily="18" charset="-127"/>
-                          <a:ea typeface="타이포_쌍문동 B" panose="02020803020101020101" pitchFamily="18" charset="-127"/>
-                        </a:rPr>
-                        <a:t>&amp;</a:t>
-                      </a:r>
-                      <a:r>
-                        <a:rPr lang="ko-KR" altLang="en-US" sz="1200" b="0" dirty="0">
-                          <a:solidFill>
-                            <a:schemeClr val="tx1"/>
-                          </a:solidFill>
-                          <a:latin typeface="타이포_쌍문동 B" panose="02020803020101020101" pitchFamily="18" charset="-127"/>
-                          <a:ea typeface="타이포_쌍문동 B" panose="02020803020101020101" pitchFamily="18" charset="-127"/>
-                        </a:rPr>
-                        <a:t>종료 처리</a:t>
-                      </a:r>
-                      <a:endParaRPr lang="en-US" altLang="ko-KR" sz="1200" b="0" dirty="0">
-                        <a:solidFill>
-                          <a:schemeClr val="tx1"/>
-                        </a:solidFill>
-                        <a:latin typeface="타이포_쌍문동 B" panose="02020803020101020101" pitchFamily="18" charset="-127"/>
-                        <a:ea typeface="타이포_쌍문동 B" panose="02020803020101020101" pitchFamily="18" charset="-127"/>
-                      </a:endParaRPr>
-                    </a:p>
-                    <a:p>
-                      <a:pPr marL="0" indent="0" algn="l" latinLnBrk="1">
-                        <a:lnSpc>
-                          <a:spcPct val="100000"/>
-                        </a:lnSpc>
-                        <a:buNone/>
-                      </a:pPr>
-                      <a:r>
-                        <a:rPr lang="en-US" altLang="ko-KR" sz="1200" b="0" dirty="0">
-                          <a:solidFill>
-                            <a:schemeClr val="tx1"/>
-                          </a:solidFill>
-                          <a:latin typeface="타이포_쌍문동 B" panose="02020803020101020101" pitchFamily="18" charset="-127"/>
-                          <a:ea typeface="타이포_쌍문동 B" panose="02020803020101020101" pitchFamily="18" charset="-127"/>
-                        </a:rPr>
-                        <a:t>4. UI</a:t>
-                      </a:r>
-                      <a:r>
-                        <a:rPr lang="ko-KR" altLang="en-US" sz="1200" b="0" dirty="0">
-                          <a:solidFill>
-                            <a:schemeClr val="tx1"/>
-                          </a:solidFill>
-                          <a:latin typeface="타이포_쌍문동 B" panose="02020803020101020101" pitchFamily="18" charset="-127"/>
-                          <a:ea typeface="타이포_쌍문동 B" panose="02020803020101020101" pitchFamily="18" charset="-127"/>
-                        </a:rPr>
-                        <a:t> 구성 </a:t>
-                      </a:r>
-                      <a:r>
-                        <a:rPr lang="en-US" altLang="ko-KR" sz="1200" b="0" dirty="0">
-                          <a:solidFill>
-                            <a:schemeClr val="tx1"/>
-                          </a:solidFill>
-                          <a:latin typeface="타이포_쌍문동 B" panose="02020803020101020101" pitchFamily="18" charset="-127"/>
-                          <a:ea typeface="타이포_쌍문동 B" panose="02020803020101020101" pitchFamily="18" charset="-127"/>
-                        </a:rPr>
-                        <a:t>5. </a:t>
-                      </a:r>
-                      <a:r>
-                        <a:rPr lang="ko-KR" altLang="en-US" sz="1200" b="0" dirty="0">
-                          <a:solidFill>
-                            <a:schemeClr val="tx1"/>
-                          </a:solidFill>
-                          <a:latin typeface="타이포_쌍문동 B" panose="02020803020101020101" pitchFamily="18" charset="-127"/>
-                          <a:ea typeface="타이포_쌍문동 B" panose="02020803020101020101" pitchFamily="18" charset="-127"/>
-                        </a:rPr>
-                        <a:t>카메라 </a:t>
-                      </a:r>
-                      <a:r>
-                        <a:rPr lang="ko-KR" altLang="en-US" sz="1200" b="0" dirty="0" err="1">
-                          <a:solidFill>
-                            <a:schemeClr val="tx1"/>
-                          </a:solidFill>
-                          <a:latin typeface="타이포_쌍문동 B" panose="02020803020101020101" pitchFamily="18" charset="-127"/>
-                          <a:ea typeface="타이포_쌍문동 B" panose="02020803020101020101" pitchFamily="18" charset="-127"/>
-                        </a:rPr>
-                        <a:t>쉐이킹</a:t>
-                      </a:r>
-                      <a:endParaRPr lang="ko-KR" altLang="en-US" sz="1200" b="0" dirty="0">
-                        <a:solidFill>
-                          <a:schemeClr val="tx1"/>
-                        </a:solidFill>
-                        <a:latin typeface="타이포_쌍문동 B" panose="02020803020101020101" pitchFamily="18" charset="-127"/>
-                        <a:ea typeface="타이포_쌍문동 B" panose="02020803020101020101" pitchFamily="18" charset="-127"/>
-                      </a:endParaRPr>
-                    </a:p>
-                  </a:txBody>
-                  <a:tcPr anchor="ctr">
-                    <a:solidFill>
-                      <a:srgbClr val="E9EDF4"/>
-                    </a:solidFill>
-                  </a:tcPr>
-                </a:tc>
-                <a:extLst>
-                  <a:ext uri="{0D108BD9-81ED-4DB2-BD59-A6C34878D82A}">
-                    <a16:rowId xmlns:a16="http://schemas.microsoft.com/office/drawing/2014/main" val="1438154071"/>
-                  </a:ext>
-                </a:extLst>
-              </a:tr>
-              <a:tr h="228600">
-                <a:tc vMerge="1">
-                  <a:txBody>
-                    <a:bodyPr/>
-                    <a:lstStyle/>
-                    <a:p>
-                      <a:pPr latinLnBrk="1"/>
-                      <a:endParaRPr lang="ko-KR" altLang="en-US"/>
-                    </a:p>
-                  </a:txBody>
-                  <a:tcPr/>
-                </a:tc>
-                <a:tc>
-                  <a:txBody>
-                    <a:bodyPr/>
-                    <a:lstStyle/>
-                    <a:p>
-                      <a:pPr algn="ctr" latinLnBrk="1">
-                        <a:lnSpc>
-                          <a:spcPct val="100000"/>
-                        </a:lnSpc>
-                      </a:pPr>
-                      <a:r>
-                        <a:rPr lang="ko-KR" altLang="en-US" sz="1200" b="0" dirty="0">
-                          <a:solidFill>
-                            <a:schemeClr val="tx1"/>
-                          </a:solidFill>
-                          <a:latin typeface="타이포_쌍문동 B" panose="02020803020101020101" pitchFamily="18" charset="-127"/>
-                          <a:ea typeface="타이포_쌍문동 B" panose="02020803020101020101" pitchFamily="18" charset="-127"/>
-                        </a:rPr>
-                        <a:t>결과</a:t>
-                      </a:r>
-                      <a:r>
-                        <a:rPr lang="en-US" altLang="ko-KR" sz="1200" b="0" dirty="0">
-                          <a:solidFill>
-                            <a:schemeClr val="tx1"/>
-                          </a:solidFill>
-                          <a:latin typeface="타이포_쌍문동 B" panose="02020803020101020101" pitchFamily="18" charset="-127"/>
-                          <a:ea typeface="타이포_쌍문동 B" panose="02020803020101020101" pitchFamily="18" charset="-127"/>
-                        </a:rPr>
-                        <a:t>(80%)</a:t>
-                      </a:r>
-                      <a:endParaRPr lang="ko-KR" altLang="en-US" sz="1200" b="0" dirty="0">
-                        <a:solidFill>
-                          <a:schemeClr val="tx1"/>
-                        </a:solidFill>
-                        <a:latin typeface="타이포_쌍문동 B" panose="02020803020101020101" pitchFamily="18" charset="-127"/>
-                        <a:ea typeface="타이포_쌍문동 B" panose="02020803020101020101" pitchFamily="18" charset="-127"/>
-                      </a:endParaRPr>
-                    </a:p>
-                  </a:txBody>
-                  <a:tcPr anchor="ctr">
-                    <a:solidFill>
-                      <a:srgbClr val="E9EDF4"/>
-                    </a:solidFill>
-                  </a:tcPr>
-                </a:tc>
-                <a:tc>
-                  <a:txBody>
-                    <a:bodyPr/>
-                    <a:lstStyle/>
-                    <a:p>
-                      <a:pPr marL="0" indent="0" algn="l" latinLnBrk="1">
-                        <a:lnSpc>
-                          <a:spcPct val="100000"/>
-                        </a:lnSpc>
-                        <a:buNone/>
-                      </a:pPr>
-                      <a:r>
-                        <a:rPr lang="ko-KR" altLang="en-US" sz="1200" b="0" dirty="0">
-                          <a:solidFill>
-                            <a:schemeClr val="tx1"/>
-                          </a:solidFill>
-                          <a:latin typeface="타이포_쌍문동 B" panose="02020803020101020101" pitchFamily="18" charset="-127"/>
-                          <a:ea typeface="타이포_쌍문동 B" panose="02020803020101020101" pitchFamily="18" charset="-127"/>
-                        </a:rPr>
-                        <a:t>메뉴 구성 완료</a:t>
-                      </a:r>
-                      <a:r>
-                        <a:rPr lang="en-US" altLang="ko-KR" sz="1200" b="0" dirty="0">
-                          <a:solidFill>
-                            <a:schemeClr val="tx1"/>
-                          </a:solidFill>
-                          <a:latin typeface="타이포_쌍문동 B" panose="02020803020101020101" pitchFamily="18" charset="-127"/>
-                          <a:ea typeface="타이포_쌍문동 B" panose="02020803020101020101" pitchFamily="18" charset="-127"/>
-                        </a:rPr>
-                        <a:t>, </a:t>
-                      </a:r>
-                      <a:r>
-                        <a:rPr lang="ko-KR" altLang="en-US" sz="1200" b="0" dirty="0">
-                          <a:solidFill>
-                            <a:schemeClr val="tx1"/>
-                          </a:solidFill>
-                          <a:latin typeface="타이포_쌍문동 B" panose="02020803020101020101" pitchFamily="18" charset="-127"/>
-                          <a:ea typeface="타이포_쌍문동 B" panose="02020803020101020101" pitchFamily="18" charset="-127"/>
-                        </a:rPr>
-                        <a:t>배경</a:t>
-                      </a:r>
-                      <a:r>
-                        <a:rPr lang="en-US" altLang="ko-KR" sz="1200" b="0" dirty="0">
-                          <a:solidFill>
-                            <a:schemeClr val="tx1"/>
-                          </a:solidFill>
-                          <a:latin typeface="타이포_쌍문동 B" panose="02020803020101020101" pitchFamily="18" charset="-127"/>
-                          <a:ea typeface="타이포_쌍문동 B" panose="02020803020101020101" pitchFamily="18" charset="-127"/>
-                        </a:rPr>
-                        <a:t>, </a:t>
-                      </a:r>
-                      <a:r>
-                        <a:rPr lang="ko-KR" altLang="en-US" sz="1200" b="0" dirty="0">
-                          <a:solidFill>
-                            <a:schemeClr val="tx1"/>
-                          </a:solidFill>
-                          <a:latin typeface="타이포_쌍문동 B" panose="02020803020101020101" pitchFamily="18" charset="-127"/>
-                          <a:ea typeface="타이포_쌍문동 B" panose="02020803020101020101" pitchFamily="18" charset="-127"/>
-                        </a:rPr>
-                        <a:t>효과 사운드 완료</a:t>
-                      </a:r>
-                      <a:r>
-                        <a:rPr lang="en-US" altLang="ko-KR" sz="1200" b="0" dirty="0">
-                          <a:solidFill>
-                            <a:schemeClr val="tx1"/>
-                          </a:solidFill>
-                          <a:latin typeface="타이포_쌍문동 B" panose="02020803020101020101" pitchFamily="18" charset="-127"/>
-                          <a:ea typeface="타이포_쌍문동 B" panose="02020803020101020101" pitchFamily="18" charset="-127"/>
-                        </a:rPr>
-                        <a:t>, </a:t>
-                      </a:r>
-                      <a:r>
-                        <a:rPr lang="ko-KR" altLang="en-US" sz="1200" b="0" dirty="0">
-                          <a:solidFill>
-                            <a:schemeClr val="tx1"/>
-                          </a:solidFill>
-                          <a:latin typeface="타이포_쌍문동 B" panose="02020803020101020101" pitchFamily="18" charset="-127"/>
-                          <a:ea typeface="타이포_쌍문동 B" panose="02020803020101020101" pitchFamily="18" charset="-127"/>
-                        </a:rPr>
-                        <a:t>게임 시작</a:t>
-                      </a:r>
-                      <a:r>
-                        <a:rPr lang="en-US" altLang="ko-KR" sz="1200" b="0" dirty="0">
-                          <a:solidFill>
-                            <a:schemeClr val="tx1"/>
-                          </a:solidFill>
-                          <a:latin typeface="타이포_쌍문동 B" panose="02020803020101020101" pitchFamily="18" charset="-127"/>
-                          <a:ea typeface="타이포_쌍문동 B" panose="02020803020101020101" pitchFamily="18" charset="-127"/>
-                        </a:rPr>
-                        <a:t>, </a:t>
-                      </a:r>
-                      <a:r>
-                        <a:rPr lang="ko-KR" altLang="en-US" sz="1200" b="0" dirty="0">
-                          <a:solidFill>
-                            <a:schemeClr val="tx1"/>
-                          </a:solidFill>
-                          <a:latin typeface="타이포_쌍문동 B" panose="02020803020101020101" pitchFamily="18" charset="-127"/>
-                          <a:ea typeface="타이포_쌍문동 B" panose="02020803020101020101" pitchFamily="18" charset="-127"/>
-                        </a:rPr>
-                        <a:t>종료 처리</a:t>
-                      </a:r>
-                      <a:r>
-                        <a:rPr lang="en-US" altLang="ko-KR" sz="1200" b="0" dirty="0">
-                          <a:solidFill>
-                            <a:schemeClr val="tx1"/>
-                          </a:solidFill>
-                          <a:latin typeface="타이포_쌍문동 B" panose="02020803020101020101" pitchFamily="18" charset="-127"/>
-                          <a:ea typeface="타이포_쌍문동 B" panose="02020803020101020101" pitchFamily="18" charset="-127"/>
-                        </a:rPr>
-                        <a:t>, UI </a:t>
-                      </a:r>
-                      <a:r>
-                        <a:rPr lang="ko-KR" altLang="en-US" sz="1200" b="0" dirty="0">
-                          <a:solidFill>
-                            <a:schemeClr val="tx1"/>
-                          </a:solidFill>
-                          <a:latin typeface="타이포_쌍문동 B" panose="02020803020101020101" pitchFamily="18" charset="-127"/>
-                          <a:ea typeface="타이포_쌍문동 B" panose="02020803020101020101" pitchFamily="18" charset="-127"/>
-                        </a:rPr>
-                        <a:t>완료</a:t>
-                      </a:r>
-                    </a:p>
-                  </a:txBody>
-                  <a:tcPr anchor="ctr">
-                    <a:solidFill>
-                      <a:srgbClr val="E9EDF4"/>
-                    </a:solidFill>
-                  </a:tcPr>
-                </a:tc>
-                <a:extLst>
-                  <a:ext uri="{0D108BD9-81ED-4DB2-BD59-A6C34878D82A}">
-                    <a16:rowId xmlns:a16="http://schemas.microsoft.com/office/drawing/2014/main" val="1776667768"/>
-                  </a:ext>
-                </a:extLst>
-              </a:tr>
-              <a:tr h="180000">
-                <a:tc rowSpan="2">
-                  <a:txBody>
-                    <a:bodyPr/>
-                    <a:lstStyle/>
-                    <a:p>
-                      <a:pPr algn="ctr" latinLnBrk="1">
-                        <a:lnSpc>
-                          <a:spcPct val="100000"/>
-                        </a:lnSpc>
-                      </a:pPr>
-                      <a:r>
-                        <a:rPr lang="en-US" altLang="ko-KR" sz="1200" b="0" dirty="0">
-                          <a:solidFill>
-                            <a:schemeClr val="tx1"/>
-                          </a:solidFill>
-                          <a:latin typeface="타이포_쌍문동 B" panose="02020803020101020101" pitchFamily="18" charset="-127"/>
-                          <a:ea typeface="타이포_쌍문동 B" panose="02020803020101020101" pitchFamily="18" charset="-127"/>
-                        </a:rPr>
-                        <a:t>9</a:t>
-                      </a:r>
-                      <a:r>
-                        <a:rPr lang="ko-KR" altLang="en-US" sz="1200" b="0" dirty="0">
-                          <a:solidFill>
-                            <a:schemeClr val="tx1"/>
-                          </a:solidFill>
-                          <a:latin typeface="타이포_쌍문동 B" panose="02020803020101020101" pitchFamily="18" charset="-127"/>
-                          <a:ea typeface="타이포_쌍문동 B" panose="02020803020101020101" pitchFamily="18" charset="-127"/>
-                        </a:rPr>
-                        <a:t>주</a:t>
-                      </a:r>
-                    </a:p>
-                  </a:txBody>
-                  <a:tcPr anchor="ctr">
-                    <a:solidFill>
-                      <a:srgbClr val="D0D8E8"/>
-                    </a:solidFill>
-                  </a:tcPr>
-                </a:tc>
-                <a:tc>
-                  <a:txBody>
-                    <a:bodyPr/>
-                    <a:lstStyle/>
-                    <a:p>
-                      <a:pPr algn="ctr" latinLnBrk="1">
-                        <a:lnSpc>
-                          <a:spcPct val="100000"/>
-                        </a:lnSpc>
-                      </a:pPr>
-                      <a:r>
-                        <a:rPr lang="ko-KR" altLang="en-US" sz="1200" b="0" dirty="0">
-                          <a:solidFill>
-                            <a:schemeClr val="tx1"/>
-                          </a:solidFill>
-                          <a:latin typeface="타이포_쌍문동 B" panose="02020803020101020101" pitchFamily="18" charset="-127"/>
-                          <a:ea typeface="타이포_쌍문동 B" panose="02020803020101020101" pitchFamily="18" charset="-127"/>
-                        </a:rPr>
-                        <a:t>계획</a:t>
-                      </a:r>
-                    </a:p>
-                  </a:txBody>
-                  <a:tcPr anchor="ctr">
-                    <a:solidFill>
-                      <a:srgbClr val="D0D8E8"/>
-                    </a:solidFill>
-                  </a:tcPr>
-                </a:tc>
-                <a:tc>
-                  <a:txBody>
-                    <a:bodyPr/>
-                    <a:lstStyle/>
-                    <a:p>
-                      <a:pPr algn="l" latinLnBrk="1">
-                        <a:lnSpc>
-                          <a:spcPct val="100000"/>
-                        </a:lnSpc>
-                      </a:pPr>
-                      <a:r>
-                        <a:rPr lang="en-US" altLang="ko-KR" sz="1200" b="0" dirty="0">
-                          <a:solidFill>
-                            <a:schemeClr val="tx1"/>
-                          </a:solidFill>
-                          <a:latin typeface="타이포_쌍문동 B" panose="02020803020101020101" pitchFamily="18" charset="-127"/>
-                          <a:ea typeface="타이포_쌍문동 B" panose="02020803020101020101" pitchFamily="18" charset="-127"/>
-                        </a:rPr>
-                        <a:t>1. </a:t>
-                      </a:r>
-                      <a:r>
-                        <a:rPr lang="ko-KR" altLang="en-US" sz="1200" b="0" dirty="0">
-                          <a:solidFill>
-                            <a:schemeClr val="tx1"/>
-                          </a:solidFill>
-                          <a:latin typeface="타이포_쌍문동 B" panose="02020803020101020101" pitchFamily="18" charset="-127"/>
-                          <a:ea typeface="타이포_쌍문동 B" panose="02020803020101020101" pitchFamily="18" charset="-127"/>
-                        </a:rPr>
-                        <a:t>버그 수정 </a:t>
-                      </a:r>
-                      <a:r>
-                        <a:rPr lang="en-US" altLang="ko-KR" sz="1200" b="0" dirty="0">
-                          <a:solidFill>
-                            <a:schemeClr val="tx1"/>
-                          </a:solidFill>
-                          <a:latin typeface="타이포_쌍문동 B" panose="02020803020101020101" pitchFamily="18" charset="-127"/>
-                          <a:ea typeface="타이포_쌍문동 B" panose="02020803020101020101" pitchFamily="18" charset="-127"/>
-                        </a:rPr>
-                        <a:t>2. </a:t>
-                      </a:r>
-                      <a:r>
-                        <a:rPr lang="ko-KR" altLang="en-US" sz="1200" b="0" dirty="0">
-                          <a:solidFill>
-                            <a:schemeClr val="tx1"/>
-                          </a:solidFill>
-                          <a:latin typeface="타이포_쌍문동 B" panose="02020803020101020101" pitchFamily="18" charset="-127"/>
-                          <a:ea typeface="타이포_쌍문동 B" panose="02020803020101020101" pitchFamily="18" charset="-127"/>
-                        </a:rPr>
-                        <a:t>밸런스 수정 </a:t>
-                      </a:r>
-                      <a:r>
-                        <a:rPr lang="en-US" altLang="ko-KR" sz="1200" b="0" dirty="0">
-                          <a:solidFill>
-                            <a:schemeClr val="tx1"/>
-                          </a:solidFill>
-                          <a:latin typeface="타이포_쌍문동 B" panose="02020803020101020101" pitchFamily="18" charset="-127"/>
-                          <a:ea typeface="타이포_쌍문동 B" panose="02020803020101020101" pitchFamily="18" charset="-127"/>
-                        </a:rPr>
-                        <a:t>3. </a:t>
-                      </a:r>
-                      <a:r>
-                        <a:rPr lang="ko-KR" altLang="en-US" sz="1200" b="0" dirty="0">
-                          <a:solidFill>
-                            <a:schemeClr val="tx1"/>
-                          </a:solidFill>
-                          <a:latin typeface="타이포_쌍문동 B" panose="02020803020101020101" pitchFamily="18" charset="-127"/>
-                          <a:ea typeface="타이포_쌍문동 B" panose="02020803020101020101" pitchFamily="18" charset="-127"/>
-                        </a:rPr>
-                        <a:t>최종 점검 및 릴리즈</a:t>
-                      </a:r>
-                    </a:p>
-                  </a:txBody>
-                  <a:tcPr anchor="ctr">
-                    <a:solidFill>
-                      <a:srgbClr val="D0D8E8"/>
-                    </a:solidFill>
-                  </a:tcPr>
-                </a:tc>
-                <a:extLst>
-                  <a:ext uri="{0D108BD9-81ED-4DB2-BD59-A6C34878D82A}">
-                    <a16:rowId xmlns:a16="http://schemas.microsoft.com/office/drawing/2014/main" val="384132914"/>
-                  </a:ext>
-                </a:extLst>
-              </a:tr>
-              <a:tr h="180000">
-                <a:tc vMerge="1">
-                  <a:txBody>
-                    <a:bodyPr/>
-                    <a:lstStyle/>
-                    <a:p>
-                      <a:pPr latinLnBrk="1"/>
-                      <a:endParaRPr lang="ko-KR" altLang="en-US"/>
-                    </a:p>
-                  </a:txBody>
-                  <a:tcPr/>
-                </a:tc>
-                <a:tc>
-                  <a:txBody>
-                    <a:bodyPr/>
-                    <a:lstStyle/>
-                    <a:p>
-                      <a:pPr algn="ctr" latinLnBrk="1">
-                        <a:lnSpc>
-                          <a:spcPct val="100000"/>
-                        </a:lnSpc>
-                      </a:pPr>
-                      <a:r>
-                        <a:rPr lang="ko-KR" altLang="en-US" sz="1200" b="0" dirty="0">
-                          <a:solidFill>
-                            <a:schemeClr val="tx1"/>
-                          </a:solidFill>
-                          <a:latin typeface="타이포_쌍문동 B" panose="02020803020101020101" pitchFamily="18" charset="-127"/>
-                          <a:ea typeface="타이포_쌍문동 B" panose="02020803020101020101" pitchFamily="18" charset="-127"/>
-                        </a:rPr>
-                        <a:t>결과</a:t>
-                      </a:r>
-                    </a:p>
-                  </a:txBody>
-                  <a:tcPr anchor="ctr">
-                    <a:solidFill>
-                      <a:srgbClr val="D0D8E8"/>
-                    </a:solidFill>
-                  </a:tcPr>
-                </a:tc>
-                <a:tc>
-                  <a:txBody>
-                    <a:bodyPr/>
-                    <a:lstStyle/>
-                    <a:p>
-                      <a:pPr algn="l" latinLnBrk="1">
-                        <a:lnSpc>
-                          <a:spcPct val="100000"/>
-                        </a:lnSpc>
-                      </a:pPr>
-                      <a:endParaRPr lang="ko-KR" altLang="en-US" sz="1200" b="0" dirty="0">
-                        <a:solidFill>
-                          <a:schemeClr val="tx1"/>
-                        </a:solidFill>
-                        <a:latin typeface="타이포_쌍문동 B" panose="02020803020101020101" pitchFamily="18" charset="-127"/>
-                        <a:ea typeface="타이포_쌍문동 B" panose="02020803020101020101" pitchFamily="18" charset="-127"/>
-                      </a:endParaRPr>
-                    </a:p>
-                  </a:txBody>
-                  <a:tcPr anchor="ctr">
-                    <a:solidFill>
-                      <a:srgbClr val="D0D8E8"/>
-                    </a:solidFill>
-                  </a:tcPr>
-                </a:tc>
-                <a:extLst>
-                  <a:ext uri="{0D108BD9-81ED-4DB2-BD59-A6C34878D82A}">
-                    <a16:rowId xmlns:a16="http://schemas.microsoft.com/office/drawing/2014/main" val="4022559204"/>
-                  </a:ext>
-                </a:extLst>
-              </a:tr>
-            </a:tbl>
-          </a:graphicData>
-        </a:graphic>
-      </p:graphicFrame>
+          <p:cNvSpPr txBox="1"/>
+          <p:nvPr/>
+        </p:nvSpPr>
+        <p:spPr>
+          <a:xfrm>
+            <a:off x="719465" y="2687930"/>
+            <a:ext cx="7705069" cy="2246769"/>
+          </a:xfrm>
+          <a:prstGeom prst="rect">
+            <a:avLst/>
+          </a:prstGeom>
+          <a:noFill/>
+        </p:spPr>
+        <p:txBody>
+          <a:bodyPr wrap="square" rtlCol="0">
+            <a:spAutoFit/>
+          </a:bodyPr>
+          <a:lstStyle/>
+          <a:p>
+            <a:r>
+              <a:rPr lang="ko-KR" altLang="en-US" sz="2800" dirty="0">
+                <a:latin typeface="타이포_쌍문동 B" panose="02020803020101020101" pitchFamily="18" charset="-127"/>
+                <a:ea typeface="타이포_쌍문동 B" panose="02020803020101020101" pitchFamily="18" charset="-127"/>
+              </a:rPr>
+              <a:t>주인공 캐릭터 애니메이션</a:t>
+            </a:r>
+            <a:r>
+              <a:rPr lang="en-US" altLang="ko-KR" sz="2800" dirty="0">
+                <a:latin typeface="타이포_쌍문동 B" panose="02020803020101020101" pitchFamily="18" charset="-127"/>
+                <a:ea typeface="타이포_쌍문동 B" panose="02020803020101020101" pitchFamily="18" charset="-127"/>
+              </a:rPr>
+              <a:t>, </a:t>
+            </a:r>
+            <a:r>
+              <a:rPr lang="ko-KR" altLang="en-US" sz="2800" dirty="0">
+                <a:latin typeface="타이포_쌍문동 B" panose="02020803020101020101" pitchFamily="18" charset="-127"/>
+                <a:ea typeface="타이포_쌍문동 B" panose="02020803020101020101" pitchFamily="18" charset="-127"/>
+              </a:rPr>
+              <a:t>픽셀 그래픽 구현을 통해서 제작 게임의 특성을 잘 드러냈다</a:t>
+            </a:r>
+            <a:r>
+              <a:rPr lang="en-US" altLang="ko-KR" sz="2800" dirty="0">
+                <a:latin typeface="타이포_쌍문동 B" panose="02020803020101020101" pitchFamily="18" charset="-127"/>
+                <a:ea typeface="타이포_쌍문동 B" panose="02020803020101020101" pitchFamily="18" charset="-127"/>
+              </a:rPr>
+              <a:t>.</a:t>
+            </a:r>
+          </a:p>
+          <a:p>
+            <a:endParaRPr lang="en-US" altLang="ko-KR" sz="2800" dirty="0">
+              <a:latin typeface="타이포_쌍문동 B" panose="02020803020101020101" pitchFamily="18" charset="-127"/>
+              <a:ea typeface="타이포_쌍문동 B" panose="02020803020101020101" pitchFamily="18" charset="-127"/>
+            </a:endParaRPr>
+          </a:p>
+          <a:p>
+            <a:r>
+              <a:rPr lang="ko-KR" altLang="en-US" sz="2800" dirty="0">
+                <a:latin typeface="타이포_쌍문동 B" panose="02020803020101020101" pitchFamily="18" charset="-127"/>
+                <a:ea typeface="타이포_쌍문동 B" panose="02020803020101020101" pitchFamily="18" charset="-127"/>
+              </a:rPr>
+              <a:t>타일 맵 충돌 체크 개발에 있어서 완벽하게 구현할 수 없었던 것이 아쉽다</a:t>
+            </a:r>
+            <a:r>
+              <a:rPr lang="en-US" altLang="ko-KR" sz="2800" dirty="0">
+                <a:latin typeface="타이포_쌍문동 B" panose="02020803020101020101" pitchFamily="18" charset="-127"/>
+                <a:ea typeface="타이포_쌍문동 B" panose="02020803020101020101" pitchFamily="18" charset="-127"/>
+              </a:rPr>
+              <a:t>.</a:t>
+            </a:r>
+            <a:endParaRPr lang="ko-KR" altLang="en-US" sz="2800" dirty="0">
+              <a:latin typeface="타이포_쌍문동 B" panose="02020803020101020101" pitchFamily="18" charset="-127"/>
+              <a:ea typeface="타이포_쌍문동 B" panose="02020803020101020101" pitchFamily="18" charset="-127"/>
+            </a:endParaRPr>
+          </a:p>
+        </p:txBody>
+      </p:sp>
     </p:spTree>
     <p:extLst>
       <p:ext uri="{BB962C8B-B14F-4D97-AF65-F5344CB8AC3E}">
-        <p14:creationId xmlns:p14="http://schemas.microsoft.com/office/powerpoint/2010/main" val="1414645918"/>
+        <p14:creationId xmlns:p14="http://schemas.microsoft.com/office/powerpoint/2010/main" val="1841579609"/>
       </p:ext>
     </p:extLst>
   </p:cSld>
@@ -10170,7 +8678,7 @@
         <p:spPr>
           <a:xfrm>
             <a:off x="467430" y="302965"/>
-            <a:ext cx="3220753" cy="461665"/>
+            <a:ext cx="2231701" cy="461665"/>
           </a:xfrm>
           <a:prstGeom prst="rect">
             <a:avLst/>
@@ -10194,10 +8702,10 @@
                 <a:latin typeface="타이포_쌍문동 B" panose="02020803020101020101" pitchFamily="18" charset="-127"/>
                 <a:ea typeface="타이포_쌍문동 B" panose="02020803020101020101" pitchFamily="18" charset="-127"/>
               </a:rPr>
-              <a:t>4. </a:t>
-            </a:r>
-            <a:r>
-              <a:rPr lang="en-US" altLang="ko-KR" sz="2400" dirty="0" err="1">
+              <a:t>5. </a:t>
+            </a:r>
+            <a:r>
+              <a:rPr lang="ko-KR" altLang="en-US" sz="2400" dirty="0">
                 <a:solidFill>
                   <a:schemeClr val="tx2">
                     <a:lumMod val="20000"/>
@@ -10207,96 +8715,45 @@
                 <a:latin typeface="타이포_쌍문동 B" panose="02020803020101020101" pitchFamily="18" charset="-127"/>
                 <a:ea typeface="타이포_쌍문동 B" panose="02020803020101020101" pitchFamily="18" charset="-127"/>
               </a:rPr>
-              <a:t>Github</a:t>
-            </a:r>
-            <a:r>
-              <a:rPr lang="en-US" altLang="ko-KR" sz="2400" dirty="0">
-                <a:solidFill>
-                  <a:schemeClr val="tx2">
-                    <a:lumMod val="20000"/>
-                    <a:lumOff val="80000"/>
-                  </a:schemeClr>
-                </a:solidFill>
-                <a:latin typeface="타이포_쌍문동 B" panose="02020803020101020101" pitchFamily="18" charset="-127"/>
-                <a:ea typeface="타이포_쌍문동 B" panose="02020803020101020101" pitchFamily="18" charset="-127"/>
-              </a:rPr>
-              <a:t> Commits</a:t>
-            </a:r>
-            <a:endParaRPr lang="ko-KR" altLang="en-US" sz="2400" dirty="0">
-              <a:solidFill>
-                <a:schemeClr val="tx2">
-                  <a:lumMod val="20000"/>
-                  <a:lumOff val="80000"/>
-                </a:schemeClr>
-              </a:solidFill>
-              <a:latin typeface="타이포_쌍문동 B" panose="02020803020101020101" pitchFamily="18" charset="-127"/>
-              <a:ea typeface="타이포_쌍문동 B" panose="02020803020101020101" pitchFamily="18" charset="-127"/>
-            </a:endParaRPr>
-          </a:p>
-        </p:txBody>
-      </p:sp>
-      <p:pic>
-        <p:nvPicPr>
-          <p:cNvPr id="2" name="그림 1">
+              <a:t>플레이 영상</a:t>
+            </a:r>
+          </a:p>
+        </p:txBody>
+      </p:sp>
+      <p:sp>
+        <p:nvSpPr>
+          <p:cNvPr id="6" name="TextBox 5">
             <a:extLst>
               <a:ext uri="{FF2B5EF4-FFF2-40B4-BE49-F238E27FC236}">
-                <a16:creationId xmlns:a16="http://schemas.microsoft.com/office/drawing/2014/main" id="{DE3D27FE-C14C-4127-8868-2CD0E920D9DF}"/>
+                <a16:creationId xmlns:a16="http://schemas.microsoft.com/office/drawing/2014/main" id="{7BC9F334-9015-489A-BB0E-4DE5F2562690}"/>
               </a:ext>
             </a:extLst>
           </p:cNvPr>
-          <p:cNvPicPr>
-            <a:picLocks noChangeAspect="1"/>
-          </p:cNvPicPr>
+          <p:cNvSpPr txBox="1"/>
           <p:nvPr/>
-        </p:nvPicPr>
-        <p:blipFill rotWithShape="1">
-          <a:blip r:embed="rId3"/>
-          <a:srcRect/>
-          <a:stretch/>
-        </p:blipFill>
+        </p:nvSpPr>
         <p:spPr>
           <a:xfrm>
-            <a:off x="731087" y="1556740"/>
-            <a:ext cx="7693448" cy="4719595"/>
+            <a:off x="2848611" y="3013501"/>
+            <a:ext cx="3446777" cy="830997"/>
           </a:xfrm>
           <a:prstGeom prst="rect">
             <a:avLst/>
           </a:prstGeom>
+          <a:noFill/>
         </p:spPr>
-      </p:pic>
-      <p:sp>
-        <p:nvSpPr>
-          <p:cNvPr id="3" name="직사각형 2">
-            <a:extLst>
-              <a:ext uri="{FF2B5EF4-FFF2-40B4-BE49-F238E27FC236}">
-                <a16:creationId xmlns:a16="http://schemas.microsoft.com/office/drawing/2014/main" id="{0D281F66-9FCE-4858-9AE5-409E8EB89C48}"/>
-              </a:ext>
-            </a:extLst>
-          </p:cNvPr>
-          <p:cNvSpPr/>
-          <p:nvPr/>
-        </p:nvSpPr>
-        <p:spPr>
-          <a:xfrm>
-            <a:off x="731087" y="5085230"/>
-            <a:ext cx="7693448" cy="646331"/>
-          </a:xfrm>
-          <a:prstGeom prst="rect">
-            <a:avLst/>
-          </a:prstGeom>
-        </p:spPr>
-        <p:txBody>
-          <a:bodyPr wrap="square">
+        <p:txBody>
+          <a:bodyPr wrap="none" rtlCol="0">
             <a:spAutoFit/>
           </a:bodyPr>
           <a:lstStyle/>
           <a:p>
             <a:r>
-              <a:rPr lang="ko-KR" altLang="en-US" dirty="0">
+              <a:rPr lang="ko-KR" altLang="en-US" sz="4800" dirty="0">
                 <a:latin typeface="타이포_쌍문동 B" panose="02020803020101020101" pitchFamily="18" charset="-127"/>
                 <a:ea typeface="타이포_쌍문동 B" panose="02020803020101020101" pitchFamily="18" charset="-127"/>
               </a:rPr>
-              <a:t>https://github.com/baejisoo/2015180018-2DGP/graphs/commit-activity</a:t>
+              <a:t>플레이 영상</a:t>
             </a:r>
           </a:p>
         </p:txBody>
@@ -10304,7 +8761,7 @@
     </p:spTree>
     <p:extLst>
       <p:ext uri="{BB962C8B-B14F-4D97-AF65-F5344CB8AC3E}">
-        <p14:creationId xmlns:p14="http://schemas.microsoft.com/office/powerpoint/2010/main" val="482627260"/>
+        <p14:creationId xmlns:p14="http://schemas.microsoft.com/office/powerpoint/2010/main" val="508030648"/>
       </p:ext>
     </p:extLst>
   </p:cSld>
@@ -10313,10 +8770,10 @@
   </p:clrMapOvr>
   <mc:AlternateContent xmlns:mc="http://schemas.openxmlformats.org/markup-compatibility/2006" xmlns:p14="http://schemas.microsoft.com/office/powerpoint/2010/main">
     <mc:Choice Requires="p14">
-      <p:transition spd="slow" p14:dur="2000" advTm="15525"/>
+      <p:transition spd="slow" p14:dur="2000" advTm="6523"/>
     </mc:Choice>
     <mc:Fallback xmlns="">
-      <p:transition spd="slow" advTm="15525"/>
+      <p:transition spd="slow" advTm="6523"/>
     </mc:Fallback>
   </mc:AlternateContent>
 </p:sld>
@@ -10377,7 +8834,7 @@
         </p:nvSpPr>
         <p:spPr>
           <a:xfrm>
-            <a:off x="2509321" y="3013502"/>
+            <a:off x="2509320" y="3013501"/>
             <a:ext cx="4125360" cy="830997"/>
           </a:xfrm>
           <a:prstGeom prst="rect">
